--- a/Lectures/Design-Of-Experiments/doe_overview.pptx
+++ b/Lectures/Design-Of-Experiments/doe_overview.pptx
@@ -298,7 +298,7 @@
               <a:pPr>
                 <a:defRPr/>
               </a:pPr>
-              <a:t>10/30/22</a:t>
+              <a:t>10/31/22</a:t>
             </a:fld>
             <a:endParaRPr lang="en-US" altLang="x-none"/>
           </a:p>
@@ -507,7 +507,7 @@
               <a:pPr>
                 <a:defRPr/>
               </a:pPr>
-              <a:t>10/30/22</a:t>
+              <a:t>10/31/22</a:t>
             </a:fld>
             <a:endParaRPr lang="en-US" altLang="x-none"/>
           </a:p>
@@ -13377,8 +13377,8 @@
           </a:p>
         </p:txBody>
       </p:sp>
-      <mc:AlternateContent xmlns:mc="http://schemas.openxmlformats.org/markup-compatibility/2006" xmlns:a14="http://schemas.microsoft.com/office/drawing/2010/main">
-        <mc:Choice Requires="a14">
+      <mc:AlternateContent xmlns:mc="http://schemas.openxmlformats.org/markup-compatibility/2006">
+        <mc:Choice xmlns:a14="http://schemas.microsoft.com/office/drawing/2010/main" Requires="a14">
           <p:sp>
             <p:nvSpPr>
               <p:cNvPr id="22" name="TextBox 21">
@@ -13787,7 +13787,7 @@
             </p:txBody>
           </p:sp>
         </mc:Choice>
-        <mc:Fallback xmlns="">
+        <mc:Fallback>
           <p:sp>
             <p:nvSpPr>
               <p:cNvPr id="22" name="TextBox 21">
@@ -24831,12 +24831,345 @@
           </a:p>
         </p:txBody>
       </p:sp>
+      <p:sp>
+        <p:nvSpPr>
+          <p:cNvPr id="36" name="TextBox 35">
+            <a:extLst>
+              <a:ext uri="{FF2B5EF4-FFF2-40B4-BE49-F238E27FC236}">
+                <a16:creationId xmlns:a16="http://schemas.microsoft.com/office/drawing/2014/main" id="{22028B64-72F3-FCF2-CBF7-F4C6EC55D06C}"/>
+              </a:ext>
+            </a:extLst>
+          </p:cNvPr>
+          <p:cNvSpPr txBox="1"/>
+          <p:nvPr/>
+        </p:nvSpPr>
+        <p:spPr>
+          <a:xfrm>
+            <a:off x="2486868" y="2545451"/>
+            <a:ext cx="354584" cy="276999"/>
+          </a:xfrm>
+          <a:prstGeom prst="rect">
+            <a:avLst/>
+          </a:prstGeom>
+          <a:solidFill>
+            <a:schemeClr val="bg1"/>
+          </a:solidFill>
+        </p:spPr>
+        <p:txBody>
+          <a:bodyPr wrap="none" rtlCol="0">
+            <a:spAutoFit/>
+          </a:bodyPr>
+          <a:lstStyle/>
+          <a:p>
+            <a:r>
+              <a:rPr lang="en-US" sz="1200" dirty="0"/>
+              <a:t>25</a:t>
+            </a:r>
+          </a:p>
+        </p:txBody>
+      </p:sp>
+      <p:sp>
+        <p:nvSpPr>
+          <p:cNvPr id="37" name="TextBox 36">
+            <a:extLst>
+              <a:ext uri="{FF2B5EF4-FFF2-40B4-BE49-F238E27FC236}">
+                <a16:creationId xmlns:a16="http://schemas.microsoft.com/office/drawing/2014/main" id="{C59C6308-B087-3323-0CB3-A0527A0BC02C}"/>
+              </a:ext>
+            </a:extLst>
+          </p:cNvPr>
+          <p:cNvSpPr txBox="1"/>
+          <p:nvPr/>
+        </p:nvSpPr>
+        <p:spPr>
+          <a:xfrm>
+            <a:off x="1857928" y="3159033"/>
+            <a:ext cx="354584" cy="276999"/>
+          </a:xfrm>
+          <a:prstGeom prst="rect">
+            <a:avLst/>
+          </a:prstGeom>
+          <a:solidFill>
+            <a:schemeClr val="bg1"/>
+          </a:solidFill>
+        </p:spPr>
+        <p:txBody>
+          <a:bodyPr wrap="none" rtlCol="0">
+            <a:spAutoFit/>
+          </a:bodyPr>
+          <a:lstStyle/>
+          <a:p>
+            <a:r>
+              <a:rPr lang="en-US" sz="1200" dirty="0"/>
+              <a:t>50</a:t>
+            </a:r>
+          </a:p>
+        </p:txBody>
+      </p:sp>
+      <p:sp>
+        <p:nvSpPr>
+          <p:cNvPr id="38" name="TextBox 37">
+            <a:extLst>
+              <a:ext uri="{FF2B5EF4-FFF2-40B4-BE49-F238E27FC236}">
+                <a16:creationId xmlns:a16="http://schemas.microsoft.com/office/drawing/2014/main" id="{96D4F10C-B225-52E8-E71E-E178F71F2BCA}"/>
+              </a:ext>
+            </a:extLst>
+          </p:cNvPr>
+          <p:cNvSpPr txBox="1"/>
+          <p:nvPr/>
+        </p:nvSpPr>
+        <p:spPr>
+          <a:xfrm rot="18827094">
+            <a:off x="1726574" y="2503649"/>
+            <a:ext cx="902811" cy="338554"/>
+          </a:xfrm>
+          <a:prstGeom prst="rect">
+            <a:avLst/>
+          </a:prstGeom>
+          <a:solidFill>
+            <a:schemeClr val="bg1"/>
+          </a:solidFill>
+        </p:spPr>
+        <p:txBody>
+          <a:bodyPr wrap="none" rtlCol="0">
+            <a:spAutoFit/>
+          </a:bodyPr>
+          <a:lstStyle/>
+          <a:p>
+            <a:r>
+              <a:rPr lang="en-US" sz="1600" dirty="0"/>
+              <a:t>quantity</a:t>
+            </a:r>
+          </a:p>
+        </p:txBody>
+      </p:sp>
+      <p:sp>
+        <p:nvSpPr>
+          <p:cNvPr id="40" name="TextBox 39">
+            <a:extLst>
+              <a:ext uri="{FF2B5EF4-FFF2-40B4-BE49-F238E27FC236}">
+                <a16:creationId xmlns:a16="http://schemas.microsoft.com/office/drawing/2014/main" id="{C088603C-C9D7-F56F-4DD8-305340B850E9}"/>
+              </a:ext>
+            </a:extLst>
+          </p:cNvPr>
+          <p:cNvSpPr txBox="1"/>
+          <p:nvPr/>
+        </p:nvSpPr>
+        <p:spPr>
+          <a:xfrm>
+            <a:off x="1785057" y="3629867"/>
+            <a:ext cx="1292341" cy="338554"/>
+          </a:xfrm>
+          <a:prstGeom prst="rect">
+            <a:avLst/>
+          </a:prstGeom>
+          <a:solidFill>
+            <a:schemeClr val="bg1"/>
+          </a:solidFill>
+        </p:spPr>
+        <p:txBody>
+          <a:bodyPr wrap="none" rtlCol="0">
+            <a:spAutoFit/>
+          </a:bodyPr>
+          <a:lstStyle/>
+          <a:p>
+            <a:r>
+              <a:rPr lang="en-US" sz="1600" dirty="0"/>
+              <a:t>temperature</a:t>
+            </a:r>
+          </a:p>
+        </p:txBody>
+      </p:sp>
+      <p:sp>
+        <p:nvSpPr>
+          <p:cNvPr id="41" name="TextBox 40">
+            <a:extLst>
+              <a:ext uri="{FF2B5EF4-FFF2-40B4-BE49-F238E27FC236}">
+                <a16:creationId xmlns:a16="http://schemas.microsoft.com/office/drawing/2014/main" id="{CF57FC55-D852-7BA7-3FEE-09589345ADE6}"/>
+              </a:ext>
+            </a:extLst>
+          </p:cNvPr>
+          <p:cNvSpPr txBox="1"/>
+          <p:nvPr/>
+        </p:nvSpPr>
+        <p:spPr>
+          <a:xfrm rot="16200000">
+            <a:off x="880794" y="2808223"/>
+            <a:ext cx="880369" cy="338554"/>
+          </a:xfrm>
+          <a:prstGeom prst="rect">
+            <a:avLst/>
+          </a:prstGeom>
+          <a:solidFill>
+            <a:schemeClr val="bg1"/>
+          </a:solidFill>
+        </p:spPr>
+        <p:txBody>
+          <a:bodyPr wrap="none" rtlCol="0">
+            <a:spAutoFit/>
+          </a:bodyPr>
+          <a:lstStyle/>
+          <a:p>
+            <a:r>
+              <a:rPr lang="en-US" sz="1600" dirty="0"/>
+              <a:t>catalyst</a:t>
+            </a:r>
+          </a:p>
+        </p:txBody>
+      </p:sp>
+      <p:sp>
+        <p:nvSpPr>
+          <p:cNvPr id="42" name="TextBox 41">
+            <a:extLst>
+              <a:ext uri="{FF2B5EF4-FFF2-40B4-BE49-F238E27FC236}">
+                <a16:creationId xmlns:a16="http://schemas.microsoft.com/office/drawing/2014/main" id="{F427AFF8-A3A2-D4D5-B6CC-C8173AED2D24}"/>
+              </a:ext>
+            </a:extLst>
+          </p:cNvPr>
+          <p:cNvSpPr txBox="1"/>
+          <p:nvPr/>
+        </p:nvSpPr>
+        <p:spPr>
+          <a:xfrm>
+            <a:off x="1427164" y="2573239"/>
+            <a:ext cx="269626" cy="276999"/>
+          </a:xfrm>
+          <a:prstGeom prst="rect">
+            <a:avLst/>
+          </a:prstGeom>
+          <a:solidFill>
+            <a:schemeClr val="bg1"/>
+          </a:solidFill>
+        </p:spPr>
+        <p:txBody>
+          <a:bodyPr wrap="none" rtlCol="0">
+            <a:spAutoFit/>
+          </a:bodyPr>
+          <a:lstStyle/>
+          <a:p>
+            <a:r>
+              <a:rPr lang="en-US" sz="1200" dirty="0"/>
+              <a:t>2</a:t>
+            </a:r>
+          </a:p>
+        </p:txBody>
+      </p:sp>
+      <p:sp>
+        <p:nvSpPr>
+          <p:cNvPr id="43" name="TextBox 42">
+            <a:extLst>
+              <a:ext uri="{FF2B5EF4-FFF2-40B4-BE49-F238E27FC236}">
+                <a16:creationId xmlns:a16="http://schemas.microsoft.com/office/drawing/2014/main" id="{DB71345B-3540-FAEF-9BEC-BC62D33FAAF0}"/>
+              </a:ext>
+            </a:extLst>
+          </p:cNvPr>
+          <p:cNvSpPr txBox="1"/>
+          <p:nvPr/>
+        </p:nvSpPr>
+        <p:spPr>
+          <a:xfrm>
+            <a:off x="1471785" y="3150029"/>
+            <a:ext cx="269626" cy="276999"/>
+          </a:xfrm>
+          <a:prstGeom prst="rect">
+            <a:avLst/>
+          </a:prstGeom>
+          <a:solidFill>
+            <a:schemeClr val="bg1"/>
+          </a:solidFill>
+        </p:spPr>
+        <p:txBody>
+          <a:bodyPr wrap="none" rtlCol="0">
+            <a:spAutoFit/>
+          </a:bodyPr>
+          <a:lstStyle/>
+          <a:p>
+            <a:r>
+              <a:rPr lang="en-US" sz="1200" dirty="0"/>
+              <a:t>4</a:t>
+            </a:r>
+          </a:p>
+        </p:txBody>
+      </p:sp>
+      <p:sp>
+        <p:nvSpPr>
+          <p:cNvPr id="44" name="TextBox 43">
+            <a:extLst>
+              <a:ext uri="{FF2B5EF4-FFF2-40B4-BE49-F238E27FC236}">
+                <a16:creationId xmlns:a16="http://schemas.microsoft.com/office/drawing/2014/main" id="{AE3B9E56-21F2-75D8-5730-DD0F4FCB357C}"/>
+              </a:ext>
+            </a:extLst>
+          </p:cNvPr>
+          <p:cNvSpPr txBox="1"/>
+          <p:nvPr/>
+        </p:nvSpPr>
+        <p:spPr>
+          <a:xfrm>
+            <a:off x="1636092" y="3443735"/>
+            <a:ext cx="439544" cy="276999"/>
+          </a:xfrm>
+          <a:prstGeom prst="rect">
+            <a:avLst/>
+          </a:prstGeom>
+          <a:solidFill>
+            <a:schemeClr val="bg1"/>
+          </a:solidFill>
+        </p:spPr>
+        <p:txBody>
+          <a:bodyPr wrap="none" rtlCol="0">
+            <a:spAutoFit/>
+          </a:bodyPr>
+          <a:lstStyle/>
+          <a:p>
+            <a:r>
+              <a:rPr lang="en-US" sz="1200" dirty="0"/>
+              <a:t>100</a:t>
+            </a:r>
+          </a:p>
+        </p:txBody>
+      </p:sp>
+      <p:sp>
+        <p:nvSpPr>
+          <p:cNvPr id="45" name="TextBox 44">
+            <a:extLst>
+              <a:ext uri="{FF2B5EF4-FFF2-40B4-BE49-F238E27FC236}">
+                <a16:creationId xmlns:a16="http://schemas.microsoft.com/office/drawing/2014/main" id="{30BD736D-A26C-2C75-4715-E97DA9E13E00}"/>
+              </a:ext>
+            </a:extLst>
+          </p:cNvPr>
+          <p:cNvSpPr txBox="1"/>
+          <p:nvPr/>
+        </p:nvSpPr>
+        <p:spPr>
+          <a:xfrm>
+            <a:off x="2720878" y="3423595"/>
+            <a:ext cx="354584" cy="276999"/>
+          </a:xfrm>
+          <a:prstGeom prst="rect">
+            <a:avLst/>
+          </a:prstGeom>
+          <a:solidFill>
+            <a:schemeClr val="bg1"/>
+          </a:solidFill>
+        </p:spPr>
+        <p:txBody>
+          <a:bodyPr wrap="none" rtlCol="0">
+            <a:spAutoFit/>
+          </a:bodyPr>
+          <a:lstStyle/>
+          <a:p>
+            <a:r>
+              <a:rPr lang="en-US" sz="1200" dirty="0"/>
+              <a:t>80</a:t>
+            </a:r>
+          </a:p>
+        </p:txBody>
+      </p:sp>
       <p:grpSp>
         <p:nvGrpSpPr>
-          <p:cNvPr id="35" name="Group 34">
+          <p:cNvPr id="63" name="Group 62">
             <a:extLst>
               <a:ext uri="{FF2B5EF4-FFF2-40B4-BE49-F238E27FC236}">
-                <a16:creationId xmlns:a16="http://schemas.microsoft.com/office/drawing/2014/main" id="{0A309B3A-F47C-D491-2671-D63C8997EA7F}"/>
+                <a16:creationId xmlns:a16="http://schemas.microsoft.com/office/drawing/2014/main" id="{0801FE49-B1A0-54FD-AE75-E87AA0EC5758}"/>
               </a:ext>
             </a:extLst>
           </p:cNvPr>
@@ -24845,129 +25178,104 @@
         </p:nvGrpSpPr>
         <p:grpSpPr>
           <a:xfrm>
-            <a:off x="1151702" y="1646546"/>
-            <a:ext cx="2814298" cy="2321875"/>
-            <a:chOff x="3907963" y="2723259"/>
-            <a:chExt cx="2814298" cy="2321875"/>
+            <a:off x="1732592" y="1649232"/>
+            <a:ext cx="2218199" cy="1753653"/>
+            <a:chOff x="1732592" y="1649232"/>
+            <a:chExt cx="2218199" cy="1753653"/>
           </a:xfrm>
         </p:grpSpPr>
-        <p:sp>
-          <p:nvSpPr>
-            <p:cNvPr id="36" name="TextBox 35">
+        <p:cxnSp>
+          <p:nvCxnSpPr>
+            <p:cNvPr id="13312" name="Straight Connector 13311">
               <a:extLst>
                 <a:ext uri="{FF2B5EF4-FFF2-40B4-BE49-F238E27FC236}">
-                  <a16:creationId xmlns:a16="http://schemas.microsoft.com/office/drawing/2014/main" id="{22028B64-72F3-FCF2-CBF7-F4C6EC55D06C}"/>
+                  <a16:creationId xmlns:a16="http://schemas.microsoft.com/office/drawing/2014/main" id="{B7DCC68B-DA7E-400A-E376-EE02277D7157}"/>
                 </a:ext>
               </a:extLst>
             </p:cNvPr>
-            <p:cNvSpPr txBox="1"/>
+            <p:cNvCxnSpPr>
+              <a:cxnSpLocks/>
+            </p:cNvCxnSpPr>
             <p:nvPr/>
-          </p:nvSpPr>
+          </p:nvCxnSpPr>
           <p:spPr>
             <a:xfrm>
-              <a:off x="5276694" y="3646474"/>
-              <a:ext cx="354584" cy="276999"/>
+              <a:off x="1784719" y="3390109"/>
+              <a:ext cx="1234188" cy="12776"/>
             </a:xfrm>
-            <a:prstGeom prst="rect">
+            <a:prstGeom prst="line">
               <a:avLst/>
             </a:prstGeom>
-            <a:solidFill>
-              <a:schemeClr val="bg1"/>
-            </a:solidFill>
+            <a:effectLst>
+              <a:outerShdw dist="20000" sx="1000" sy="1000" rotWithShape="0">
+                <a:srgbClr val="000000"/>
+              </a:outerShdw>
+            </a:effectLst>
           </p:spPr>
-          <p:txBody>
-            <a:bodyPr wrap="none" rtlCol="0">
-              <a:spAutoFit/>
-            </a:bodyPr>
-            <a:lstStyle/>
-            <a:p>
-              <a:r>
-                <a:rPr lang="en-US" sz="1200" dirty="0"/>
-                <a:t>25</a:t>
-              </a:r>
-            </a:p>
-          </p:txBody>
-        </p:sp>
-        <p:sp>
-          <p:nvSpPr>
-            <p:cNvPr id="37" name="TextBox 36">
+          <p:style>
+            <a:lnRef idx="2">
+              <a:schemeClr val="accent1"/>
+            </a:lnRef>
+            <a:fillRef idx="0">
+              <a:schemeClr val="accent1"/>
+            </a:fillRef>
+            <a:effectRef idx="1">
+              <a:schemeClr val="accent1"/>
+            </a:effectRef>
+            <a:fontRef idx="minor">
+              <a:schemeClr val="tx1"/>
+            </a:fontRef>
+          </p:style>
+        </p:cxnSp>
+        <p:cxnSp>
+          <p:nvCxnSpPr>
+            <p:cNvPr id="13313" name="Straight Connector 13312">
               <a:extLst>
                 <a:ext uri="{FF2B5EF4-FFF2-40B4-BE49-F238E27FC236}">
-                  <a16:creationId xmlns:a16="http://schemas.microsoft.com/office/drawing/2014/main" id="{C59C6308-B087-3323-0CB3-A0527A0BC02C}"/>
+                  <a16:creationId xmlns:a16="http://schemas.microsoft.com/office/drawing/2014/main" id="{02AE8278-584B-C819-BE74-F48B2227B906}"/>
                 </a:ext>
               </a:extLst>
             </p:cNvPr>
-            <p:cNvSpPr txBox="1"/>
+            <p:cNvCxnSpPr>
+              <a:cxnSpLocks/>
+            </p:cNvCxnSpPr>
             <p:nvPr/>
-          </p:nvSpPr>
+          </p:nvCxnSpPr>
           <p:spPr>
-            <a:xfrm>
-              <a:off x="4614189" y="4235746"/>
-              <a:ext cx="354584" cy="276999"/>
+            <a:xfrm flipV="1">
+              <a:off x="2691957" y="2461005"/>
+              <a:ext cx="1251340" cy="14799"/>
             </a:xfrm>
-            <a:prstGeom prst="rect">
+            <a:prstGeom prst="line">
               <a:avLst/>
             </a:prstGeom>
-            <a:solidFill>
-              <a:schemeClr val="bg1"/>
-            </a:solidFill>
+            <a:effectLst>
+              <a:outerShdw dist="20000" sx="1000" sy="1000" rotWithShape="0">
+                <a:srgbClr val="000000"/>
+              </a:outerShdw>
+            </a:effectLst>
           </p:spPr>
-          <p:txBody>
-            <a:bodyPr wrap="none" rtlCol="0">
-              <a:spAutoFit/>
-            </a:bodyPr>
-            <a:lstStyle/>
-            <a:p>
-              <a:r>
-                <a:rPr lang="en-US" sz="1200" dirty="0"/>
-                <a:t>50</a:t>
-              </a:r>
-            </a:p>
-          </p:txBody>
-        </p:sp>
-        <p:sp>
-          <p:nvSpPr>
-            <p:cNvPr id="38" name="TextBox 37">
+          <p:style>
+            <a:lnRef idx="2">
+              <a:schemeClr val="accent1"/>
+            </a:lnRef>
+            <a:fillRef idx="0">
+              <a:schemeClr val="accent1"/>
+            </a:fillRef>
+            <a:effectRef idx="1">
+              <a:schemeClr val="accent1"/>
+            </a:effectRef>
+            <a:fontRef idx="minor">
+              <a:schemeClr val="tx1"/>
+            </a:fontRef>
+          </p:style>
+        </p:cxnSp>
+        <p:grpSp>
+          <p:nvGrpSpPr>
+            <p:cNvPr id="13315" name="Group 13314">
               <a:extLst>
                 <a:ext uri="{FF2B5EF4-FFF2-40B4-BE49-F238E27FC236}">
-                  <a16:creationId xmlns:a16="http://schemas.microsoft.com/office/drawing/2014/main" id="{96D4F10C-B225-52E8-E71E-E178F71F2BCA}"/>
-                </a:ext>
-              </a:extLst>
-            </p:cNvPr>
-            <p:cNvSpPr txBox="1"/>
-            <p:nvPr/>
-          </p:nvSpPr>
-          <p:spPr>
-            <a:xfrm rot="18827094">
-              <a:off x="4482835" y="3580362"/>
-              <a:ext cx="902811" cy="338554"/>
-            </a:xfrm>
-            <a:prstGeom prst="rect">
-              <a:avLst/>
-            </a:prstGeom>
-            <a:solidFill>
-              <a:schemeClr val="bg1"/>
-            </a:solidFill>
-          </p:spPr>
-          <p:txBody>
-            <a:bodyPr wrap="none" rtlCol="0">
-              <a:spAutoFit/>
-            </a:bodyPr>
-            <a:lstStyle/>
-            <a:p>
-              <a:r>
-                <a:rPr lang="en-US" sz="1600" dirty="0"/>
-                <a:t>quantity</a:t>
-              </a:r>
-            </a:p>
-          </p:txBody>
-        </p:sp>
-        <p:grpSp>
-          <p:nvGrpSpPr>
-            <p:cNvPr id="39" name="Group 38">
-              <a:extLst>
-                <a:ext uri="{FF2B5EF4-FFF2-40B4-BE49-F238E27FC236}">
-                  <a16:creationId xmlns:a16="http://schemas.microsoft.com/office/drawing/2014/main" id="{74220AB5-E21B-3F2B-3D41-42BAF518E13F}"/>
+                  <a16:creationId xmlns:a16="http://schemas.microsoft.com/office/drawing/2014/main" id="{7ED2B8CC-EC41-A432-1162-15061E6E6C0C}"/>
                 </a:ext>
               </a:extLst>
             </p:cNvPr>
@@ -24976,18 +25284,18 @@
           </p:nvGrpSpPr>
           <p:grpSpPr>
             <a:xfrm>
-              <a:off x="4488853" y="2723259"/>
-              <a:ext cx="2233408" cy="1771138"/>
-              <a:chOff x="1927754" y="3957500"/>
-              <a:chExt cx="2233408" cy="1771138"/>
+              <a:off x="1732592" y="1649232"/>
+              <a:ext cx="2218199" cy="1753367"/>
+              <a:chOff x="1927754" y="3960186"/>
+              <a:chExt cx="2218199" cy="1753367"/>
             </a:xfrm>
           </p:grpSpPr>
           <p:cxnSp>
             <p:nvCxnSpPr>
-              <p:cNvPr id="50" name="Straight Connector 49">
+              <p:cNvPr id="13322" name="Straight Connector 13321">
                 <a:extLst>
                   <a:ext uri="{FF2B5EF4-FFF2-40B4-BE49-F238E27FC236}">
-                    <a16:creationId xmlns:a16="http://schemas.microsoft.com/office/drawing/2014/main" id="{BC382FF3-07A6-E712-15E8-9844C7BD8127}"/>
+                    <a16:creationId xmlns:a16="http://schemas.microsoft.com/office/drawing/2014/main" id="{272ADB9A-5204-CCBA-DF9F-6E9EF37DF7F9}"/>
                   </a:ext>
                 </a:extLst>
               </p:cNvPr>
@@ -24998,8 +25306,8 @@
             </p:nvCxnSpPr>
             <p:spPr>
               <a:xfrm flipV="1">
-                <a:off x="1962729" y="5713839"/>
-                <a:ext cx="1251340" cy="14799"/>
+                <a:off x="1979881" y="4779358"/>
+                <a:ext cx="907125" cy="934195"/>
               </a:xfrm>
               <a:prstGeom prst="line">
                 <a:avLst/>
@@ -25027,10 +25335,10 @@
           </p:cxnSp>
           <p:cxnSp>
             <p:nvCxnSpPr>
-              <p:cNvPr id="51" name="Straight Connector 50">
+              <p:cNvPr id="13323" name="Straight Connector 13322">
                 <a:extLst>
                   <a:ext uri="{FF2B5EF4-FFF2-40B4-BE49-F238E27FC236}">
-                    <a16:creationId xmlns:a16="http://schemas.microsoft.com/office/drawing/2014/main" id="{516EFEFD-B919-B3D9-11E2-00618AB4C949}"/>
+                    <a16:creationId xmlns:a16="http://schemas.microsoft.com/office/drawing/2014/main" id="{D45F6D83-3620-A880-78FE-839B9AAC2DE6}"/>
                   </a:ext>
                 </a:extLst>
               </p:cNvPr>
@@ -25041,244 +25349,8 @@
             </p:nvCxnSpPr>
             <p:spPr>
               <a:xfrm flipV="1">
-                <a:off x="2887119" y="4771959"/>
-                <a:ext cx="1251340" cy="14799"/>
-              </a:xfrm>
-              <a:prstGeom prst="line">
-                <a:avLst/>
-              </a:prstGeom>
-              <a:effectLst>
-                <a:outerShdw dist="20000" sx="1000" sy="1000" rotWithShape="0">
-                  <a:srgbClr val="000000"/>
-                </a:outerShdw>
-              </a:effectLst>
-            </p:spPr>
-            <p:style>
-              <a:lnRef idx="2">
-                <a:schemeClr val="accent1"/>
-              </a:lnRef>
-              <a:fillRef idx="0">
-                <a:schemeClr val="accent1"/>
-              </a:fillRef>
-              <a:effectRef idx="1">
-                <a:schemeClr val="accent1"/>
-              </a:effectRef>
-              <a:fontRef idx="minor">
-                <a:schemeClr val="tx1"/>
-              </a:fontRef>
-            </p:style>
-          </p:cxnSp>
-          <p:grpSp>
-            <p:nvGrpSpPr>
-              <p:cNvPr id="52" name="Group 51">
-                <a:extLst>
-                  <a:ext uri="{FF2B5EF4-FFF2-40B4-BE49-F238E27FC236}">
-                    <a16:creationId xmlns:a16="http://schemas.microsoft.com/office/drawing/2014/main" id="{5210D88F-B683-6A7A-90CE-567498B3C454}"/>
-                  </a:ext>
-                </a:extLst>
-              </p:cNvPr>
-              <p:cNvGrpSpPr/>
-              <p:nvPr/>
-            </p:nvGrpSpPr>
-            <p:grpSpPr>
-              <a:xfrm>
-                <a:off x="1927754" y="3960186"/>
-                <a:ext cx="2233408" cy="1768452"/>
-                <a:chOff x="1927754" y="3960186"/>
-                <a:chExt cx="2233408" cy="1768452"/>
-              </a:xfrm>
-            </p:grpSpPr>
-            <p:cxnSp>
-              <p:nvCxnSpPr>
-                <p:cNvPr id="59" name="Straight Connector 58">
-                  <a:extLst>
-                    <a:ext uri="{FF2B5EF4-FFF2-40B4-BE49-F238E27FC236}">
-                      <a16:creationId xmlns:a16="http://schemas.microsoft.com/office/drawing/2014/main" id="{DC327C9E-515E-CD77-F61C-89C36BD1D1C4}"/>
-                    </a:ext>
-                  </a:extLst>
-                </p:cNvPr>
-                <p:cNvCxnSpPr>
-                  <a:cxnSpLocks/>
-                </p:cNvCxnSpPr>
-                <p:nvPr/>
-              </p:nvCxnSpPr>
-              <p:spPr>
-                <a:xfrm flipV="1">
-                  <a:off x="1962729" y="4779358"/>
-                  <a:ext cx="924277" cy="934195"/>
-                </a:xfrm>
-                <a:prstGeom prst="line">
-                  <a:avLst/>
-                </a:prstGeom>
-                <a:effectLst>
-                  <a:outerShdw dist="20000" sx="1000" sy="1000" rotWithShape="0">
-                    <a:srgbClr val="000000"/>
-                  </a:outerShdw>
-                </a:effectLst>
-              </p:spPr>
-              <p:style>
-                <a:lnRef idx="2">
-                  <a:schemeClr val="accent1"/>
-                </a:lnRef>
-                <a:fillRef idx="0">
-                  <a:schemeClr val="accent1"/>
-                </a:fillRef>
-                <a:effectRef idx="1">
-                  <a:schemeClr val="accent1"/>
-                </a:effectRef>
-                <a:fontRef idx="minor">
-                  <a:schemeClr val="tx1"/>
-                </a:fontRef>
-              </p:style>
-            </p:cxnSp>
-            <p:cxnSp>
-              <p:nvCxnSpPr>
-                <p:cNvPr id="60" name="Straight Connector 59">
-                  <a:extLst>
-                    <a:ext uri="{FF2B5EF4-FFF2-40B4-BE49-F238E27FC236}">
-                      <a16:creationId xmlns:a16="http://schemas.microsoft.com/office/drawing/2014/main" id="{48DBFB72-D7A5-03E7-07CB-FA05E4E426EA}"/>
-                    </a:ext>
-                  </a:extLst>
-                </p:cNvPr>
-                <p:cNvCxnSpPr>
-                  <a:cxnSpLocks/>
-                </p:cNvCxnSpPr>
-                <p:nvPr/>
-              </p:nvCxnSpPr>
-              <p:spPr>
-                <a:xfrm flipV="1">
-                  <a:off x="3190855" y="4774645"/>
-                  <a:ext cx="970307" cy="953993"/>
-                </a:xfrm>
-                <a:prstGeom prst="line">
-                  <a:avLst/>
-                </a:prstGeom>
-                <a:effectLst>
-                  <a:outerShdw dist="20000" sx="1000" sy="1000" rotWithShape="0">
-                    <a:srgbClr val="000000"/>
-                  </a:outerShdw>
-                </a:effectLst>
-              </p:spPr>
-              <p:style>
-                <a:lnRef idx="2">
-                  <a:schemeClr val="accent1"/>
-                </a:lnRef>
-                <a:fillRef idx="0">
-                  <a:schemeClr val="accent1"/>
-                </a:fillRef>
-                <a:effectRef idx="1">
-                  <a:schemeClr val="accent1"/>
-                </a:effectRef>
-                <a:fontRef idx="minor">
-                  <a:schemeClr val="tx1"/>
-                </a:fontRef>
-              </p:style>
-            </p:cxnSp>
-            <p:cxnSp>
-              <p:nvCxnSpPr>
-                <p:cNvPr id="61" name="Straight Connector 60">
-                  <a:extLst>
-                    <a:ext uri="{FF2B5EF4-FFF2-40B4-BE49-F238E27FC236}">
-                      <a16:creationId xmlns:a16="http://schemas.microsoft.com/office/drawing/2014/main" id="{05D674B9-B924-787B-6749-CDEEC9A96E56}"/>
-                    </a:ext>
-                  </a:extLst>
-                </p:cNvPr>
-                <p:cNvCxnSpPr>
-                  <a:cxnSpLocks/>
-                </p:cNvCxnSpPr>
-                <p:nvPr/>
-              </p:nvCxnSpPr>
-              <p:spPr>
-                <a:xfrm flipV="1">
-                  <a:off x="1927754" y="3964899"/>
-                  <a:ext cx="924277" cy="934195"/>
-                </a:xfrm>
-                <a:prstGeom prst="line">
-                  <a:avLst/>
-                </a:prstGeom>
-                <a:effectLst>
-                  <a:outerShdw dist="20000" sx="1000" sy="1000" rotWithShape="0">
-                    <a:srgbClr val="000000"/>
-                  </a:outerShdw>
-                </a:effectLst>
-              </p:spPr>
-              <p:style>
-                <a:lnRef idx="2">
-                  <a:schemeClr val="accent1"/>
-                </a:lnRef>
-                <a:fillRef idx="0">
-                  <a:schemeClr val="accent1"/>
-                </a:fillRef>
-                <a:effectRef idx="1">
-                  <a:schemeClr val="accent1"/>
-                </a:effectRef>
-                <a:fontRef idx="minor">
-                  <a:schemeClr val="tx1"/>
-                </a:fontRef>
-              </p:style>
-            </p:cxnSp>
-            <p:cxnSp>
-              <p:nvCxnSpPr>
-                <p:cNvPr id="62" name="Straight Connector 61">
-                  <a:extLst>
-                    <a:ext uri="{FF2B5EF4-FFF2-40B4-BE49-F238E27FC236}">
-                      <a16:creationId xmlns:a16="http://schemas.microsoft.com/office/drawing/2014/main" id="{C5E4F8A6-671F-F8B3-0118-61DB53AB36ED}"/>
-                    </a:ext>
-                  </a:extLst>
-                </p:cNvPr>
-                <p:cNvCxnSpPr>
-                  <a:cxnSpLocks/>
-                </p:cNvCxnSpPr>
-                <p:nvPr/>
-              </p:nvCxnSpPr>
-              <p:spPr>
-                <a:xfrm flipV="1">
-                  <a:off x="3155880" y="3960186"/>
-                  <a:ext cx="970307" cy="953993"/>
-                </a:xfrm>
-                <a:prstGeom prst="line">
-                  <a:avLst/>
-                </a:prstGeom>
-                <a:effectLst>
-                  <a:outerShdw dist="20000" sx="1000" sy="1000" rotWithShape="0">
-                    <a:srgbClr val="000000"/>
-                  </a:outerShdw>
-                </a:effectLst>
-              </p:spPr>
-              <p:style>
-                <a:lnRef idx="2">
-                  <a:schemeClr val="accent1"/>
-                </a:lnRef>
-                <a:fillRef idx="0">
-                  <a:schemeClr val="accent1"/>
-                </a:fillRef>
-                <a:effectRef idx="1">
-                  <a:schemeClr val="accent1"/>
-                </a:effectRef>
-                <a:fontRef idx="minor">
-                  <a:schemeClr val="tx1"/>
-                </a:fontRef>
-              </p:style>
-            </p:cxnSp>
-          </p:grpSp>
-          <p:cxnSp>
-            <p:nvCxnSpPr>
-              <p:cNvPr id="53" name="Straight Connector 52">
-                <a:extLst>
-                  <a:ext uri="{FF2B5EF4-FFF2-40B4-BE49-F238E27FC236}">
-                    <a16:creationId xmlns:a16="http://schemas.microsoft.com/office/drawing/2014/main" id="{18F2CECB-18F0-C0CE-08DA-12ADE8729107}"/>
-                  </a:ext>
-                </a:extLst>
-              </p:cNvPr>
-              <p:cNvCxnSpPr>
-                <a:cxnSpLocks/>
-              </p:cNvCxnSpPr>
-              <p:nvPr/>
-            </p:nvCxnSpPr>
-            <p:spPr>
-              <a:xfrm flipV="1">
-                <a:off x="1927754" y="4899380"/>
-                <a:ext cx="1251340" cy="14799"/>
+                <a:off x="3190855" y="4771675"/>
+                <a:ext cx="955098" cy="941878"/>
               </a:xfrm>
               <a:prstGeom prst="line">
                 <a:avLst/>
@@ -25306,10 +25378,10 @@
           </p:cxnSp>
           <p:cxnSp>
             <p:nvCxnSpPr>
-              <p:cNvPr id="54" name="Straight Connector 53">
+              <p:cNvPr id="13324" name="Straight Connector 13323">
                 <a:extLst>
                   <a:ext uri="{FF2B5EF4-FFF2-40B4-BE49-F238E27FC236}">
-                    <a16:creationId xmlns:a16="http://schemas.microsoft.com/office/drawing/2014/main" id="{642D07AA-FAE7-BE1E-EDB5-88B7DB562F7E}"/>
+                    <a16:creationId xmlns:a16="http://schemas.microsoft.com/office/drawing/2014/main" id="{9BC18F40-6C77-D61E-2AF2-69C3C46CAA07}"/>
                   </a:ext>
                 </a:extLst>
               </p:cNvPr>
@@ -25320,8 +25392,8 @@
             </p:nvCxnSpPr>
             <p:spPr>
               <a:xfrm flipV="1">
-                <a:off x="2852144" y="3957500"/>
-                <a:ext cx="1251340" cy="14799"/>
+                <a:off x="1927754" y="3964899"/>
+                <a:ext cx="924277" cy="934195"/>
               </a:xfrm>
               <a:prstGeom prst="line">
                 <a:avLst/>
@@ -25349,10 +25421,10 @@
           </p:cxnSp>
           <p:cxnSp>
             <p:nvCxnSpPr>
-              <p:cNvPr id="55" name="Straight Connector 54">
+              <p:cNvPr id="13325" name="Straight Connector 13324">
                 <a:extLst>
                   <a:ext uri="{FF2B5EF4-FFF2-40B4-BE49-F238E27FC236}">
-                    <a16:creationId xmlns:a16="http://schemas.microsoft.com/office/drawing/2014/main" id="{53680424-2333-CE59-9977-6A3C855F19DB}"/>
+                    <a16:creationId xmlns:a16="http://schemas.microsoft.com/office/drawing/2014/main" id="{A0845250-535B-752C-2478-69717466D25C}"/>
                   </a:ext>
                 </a:extLst>
               </p:cNvPr>
@@ -25362,138 +25434,9 @@
               <p:nvPr/>
             </p:nvCxnSpPr>
             <p:spPr>
-              <a:xfrm flipH="1" flipV="1">
-                <a:off x="3167487" y="4914179"/>
-                <a:ext cx="46582" cy="799374"/>
-              </a:xfrm>
-              <a:prstGeom prst="line">
-                <a:avLst/>
-              </a:prstGeom>
-              <a:effectLst>
-                <a:outerShdw dist="20000" sx="1000" sy="1000" rotWithShape="0">
-                  <a:srgbClr val="000000"/>
-                </a:outerShdw>
-              </a:effectLst>
-            </p:spPr>
-            <p:style>
-              <a:lnRef idx="2">
-                <a:schemeClr val="accent1"/>
-              </a:lnRef>
-              <a:fillRef idx="0">
-                <a:schemeClr val="accent1"/>
-              </a:fillRef>
-              <a:effectRef idx="1">
-                <a:schemeClr val="accent1"/>
-              </a:effectRef>
-              <a:fontRef idx="minor">
-                <a:schemeClr val="tx1"/>
-              </a:fontRef>
-            </p:style>
-          </p:cxnSp>
-          <p:cxnSp>
-            <p:nvCxnSpPr>
-              <p:cNvPr id="56" name="Straight Connector 55">
-                <a:extLst>
-                  <a:ext uri="{FF2B5EF4-FFF2-40B4-BE49-F238E27FC236}">
-                    <a16:creationId xmlns:a16="http://schemas.microsoft.com/office/drawing/2014/main" id="{3B6BB549-57BC-E7D8-804A-CDD137F273FD}"/>
-                  </a:ext>
-                </a:extLst>
-              </p:cNvPr>
-              <p:cNvCxnSpPr>
-                <a:cxnSpLocks/>
-              </p:cNvCxnSpPr>
-              <p:nvPr/>
-            </p:nvCxnSpPr>
-            <p:spPr>
-              <a:xfrm flipH="1" flipV="1">
-                <a:off x="4099371" y="3972301"/>
-                <a:ext cx="46582" cy="799374"/>
-              </a:xfrm>
-              <a:prstGeom prst="line">
-                <a:avLst/>
-              </a:prstGeom>
-              <a:effectLst>
-                <a:outerShdw dist="20000" sx="1000" sy="1000" rotWithShape="0">
-                  <a:srgbClr val="000000"/>
-                </a:outerShdw>
-              </a:effectLst>
-            </p:spPr>
-            <p:style>
-              <a:lnRef idx="2">
-                <a:schemeClr val="accent1"/>
-              </a:lnRef>
-              <a:fillRef idx="0">
-                <a:schemeClr val="accent1"/>
-              </a:fillRef>
-              <a:effectRef idx="1">
-                <a:schemeClr val="accent1"/>
-              </a:effectRef>
-              <a:fontRef idx="minor">
-                <a:schemeClr val="tx1"/>
-              </a:fontRef>
-            </p:style>
-          </p:cxnSp>
-          <p:cxnSp>
-            <p:nvCxnSpPr>
-              <p:cNvPr id="57" name="Straight Connector 56">
-                <a:extLst>
-                  <a:ext uri="{FF2B5EF4-FFF2-40B4-BE49-F238E27FC236}">
-                    <a16:creationId xmlns:a16="http://schemas.microsoft.com/office/drawing/2014/main" id="{94BCC4D7-4BB0-64D8-0E90-8C1D0BA9DF94}"/>
-                  </a:ext>
-                </a:extLst>
-              </p:cNvPr>
-              <p:cNvCxnSpPr>
-                <a:cxnSpLocks/>
-              </p:cNvCxnSpPr>
-              <p:nvPr/>
-            </p:nvCxnSpPr>
-            <p:spPr>
-              <a:xfrm flipH="1" flipV="1">
-                <a:off x="1933299" y="4901689"/>
-                <a:ext cx="46582" cy="799374"/>
-              </a:xfrm>
-              <a:prstGeom prst="line">
-                <a:avLst/>
-              </a:prstGeom>
-              <a:effectLst>
-                <a:outerShdw dist="20000" sx="1000" sy="1000" rotWithShape="0">
-                  <a:srgbClr val="000000"/>
-                </a:outerShdw>
-              </a:effectLst>
-            </p:spPr>
-            <p:style>
-              <a:lnRef idx="2">
-                <a:schemeClr val="accent1"/>
-              </a:lnRef>
-              <a:fillRef idx="0">
-                <a:schemeClr val="accent1"/>
-              </a:fillRef>
-              <a:effectRef idx="1">
-                <a:schemeClr val="accent1"/>
-              </a:effectRef>
-              <a:fontRef idx="minor">
-                <a:schemeClr val="tx1"/>
-              </a:fontRef>
-            </p:style>
-          </p:cxnSp>
-          <p:cxnSp>
-            <p:nvCxnSpPr>
-              <p:cNvPr id="58" name="Straight Connector 57">
-                <a:extLst>
-                  <a:ext uri="{FF2B5EF4-FFF2-40B4-BE49-F238E27FC236}">
-                    <a16:creationId xmlns:a16="http://schemas.microsoft.com/office/drawing/2014/main" id="{2D9C3458-D89D-2159-6AF1-B587A7E9BFAE}"/>
-                  </a:ext>
-                </a:extLst>
-              </p:cNvPr>
-              <p:cNvCxnSpPr>
-                <a:cxnSpLocks/>
-              </p:cNvCxnSpPr>
-              <p:nvPr/>
-            </p:nvCxnSpPr>
-            <p:spPr>
-              <a:xfrm flipH="1" flipV="1">
-                <a:off x="2865183" y="3959811"/>
-                <a:ext cx="46582" cy="799374"/>
+              <a:xfrm flipV="1">
+                <a:off x="3155880" y="3960186"/>
+                <a:ext cx="970307" cy="953993"/>
               </a:xfrm>
               <a:prstGeom prst="line">
                 <a:avLst/>
@@ -25520,228 +25463,264 @@
             </p:style>
           </p:cxnSp>
         </p:grpSp>
-        <p:sp>
-          <p:nvSpPr>
-            <p:cNvPr id="40" name="TextBox 39">
+        <p:cxnSp>
+          <p:nvCxnSpPr>
+            <p:cNvPr id="13316" name="Straight Connector 13315">
               <a:extLst>
                 <a:ext uri="{FF2B5EF4-FFF2-40B4-BE49-F238E27FC236}">
-                  <a16:creationId xmlns:a16="http://schemas.microsoft.com/office/drawing/2014/main" id="{C088603C-C9D7-F56F-4DD8-305340B850E9}"/>
+                  <a16:creationId xmlns:a16="http://schemas.microsoft.com/office/drawing/2014/main" id="{F0E0EF2F-DF3E-E878-E2F9-99823BB847E0}"/>
                 </a:ext>
               </a:extLst>
             </p:cNvPr>
-            <p:cNvSpPr txBox="1"/>
+            <p:cNvCxnSpPr>
+              <a:cxnSpLocks/>
+            </p:cNvCxnSpPr>
             <p:nvPr/>
-          </p:nvSpPr>
+          </p:nvCxnSpPr>
           <p:spPr>
-            <a:xfrm>
-              <a:off x="4541318" y="4706580"/>
-              <a:ext cx="1292341" cy="338554"/>
+            <a:xfrm flipV="1">
+              <a:off x="1732592" y="2588426"/>
+              <a:ext cx="1251340" cy="14799"/>
             </a:xfrm>
-            <a:prstGeom prst="rect">
+            <a:prstGeom prst="line">
               <a:avLst/>
             </a:prstGeom>
-            <a:solidFill>
-              <a:schemeClr val="bg1"/>
-            </a:solidFill>
+            <a:effectLst>
+              <a:outerShdw dist="20000" sx="1000" sy="1000" rotWithShape="0">
+                <a:srgbClr val="000000"/>
+              </a:outerShdw>
+            </a:effectLst>
           </p:spPr>
-          <p:txBody>
-            <a:bodyPr wrap="none" rtlCol="0">
-              <a:spAutoFit/>
-            </a:bodyPr>
-            <a:lstStyle/>
-            <a:p>
-              <a:r>
-                <a:rPr lang="en-US" sz="1600" dirty="0"/>
-                <a:t>temperature</a:t>
-              </a:r>
-            </a:p>
-          </p:txBody>
-        </p:sp>
-        <p:sp>
-          <p:nvSpPr>
-            <p:cNvPr id="41" name="TextBox 40">
+          <p:style>
+            <a:lnRef idx="2">
+              <a:schemeClr val="accent1"/>
+            </a:lnRef>
+            <a:fillRef idx="0">
+              <a:schemeClr val="accent1"/>
+            </a:fillRef>
+            <a:effectRef idx="1">
+              <a:schemeClr val="accent1"/>
+            </a:effectRef>
+            <a:fontRef idx="minor">
+              <a:schemeClr val="tx1"/>
+            </a:fontRef>
+          </p:style>
+        </p:cxnSp>
+        <p:cxnSp>
+          <p:nvCxnSpPr>
+            <p:cNvPr id="13317" name="Straight Connector 13316">
               <a:extLst>
                 <a:ext uri="{FF2B5EF4-FFF2-40B4-BE49-F238E27FC236}">
-                  <a16:creationId xmlns:a16="http://schemas.microsoft.com/office/drawing/2014/main" id="{CF57FC55-D852-7BA7-3FEE-09589345ADE6}"/>
+                  <a16:creationId xmlns:a16="http://schemas.microsoft.com/office/drawing/2014/main" id="{EFB11C2B-52D8-930E-6F78-BC3C1AB3F92F}"/>
                 </a:ext>
               </a:extLst>
             </p:cNvPr>
-            <p:cNvSpPr txBox="1"/>
+            <p:cNvCxnSpPr>
+              <a:cxnSpLocks/>
+            </p:cNvCxnSpPr>
             <p:nvPr/>
-          </p:nvSpPr>
+          </p:nvCxnSpPr>
           <p:spPr>
-            <a:xfrm rot="16200000">
-              <a:off x="3637055" y="3884936"/>
-              <a:ext cx="880369" cy="338554"/>
+            <a:xfrm>
+              <a:off x="2656982" y="1661345"/>
+              <a:ext cx="1274043" cy="0"/>
             </a:xfrm>
-            <a:prstGeom prst="rect">
+            <a:prstGeom prst="line">
               <a:avLst/>
             </a:prstGeom>
-            <a:solidFill>
-              <a:schemeClr val="bg1"/>
-            </a:solidFill>
+            <a:effectLst>
+              <a:outerShdw dist="20000" sx="1000" sy="1000" rotWithShape="0">
+                <a:srgbClr val="000000"/>
+              </a:outerShdw>
+            </a:effectLst>
           </p:spPr>
-          <p:txBody>
-            <a:bodyPr wrap="none" rtlCol="0">
-              <a:spAutoFit/>
-            </a:bodyPr>
-            <a:lstStyle/>
-            <a:p>
-              <a:r>
-                <a:rPr lang="en-US" sz="1600" dirty="0"/>
-                <a:t>catalyst</a:t>
-              </a:r>
-            </a:p>
-          </p:txBody>
-        </p:sp>
-        <p:sp>
-          <p:nvSpPr>
-            <p:cNvPr id="42" name="TextBox 41">
+          <p:style>
+            <a:lnRef idx="2">
+              <a:schemeClr val="accent1"/>
+            </a:lnRef>
+            <a:fillRef idx="0">
+              <a:schemeClr val="accent1"/>
+            </a:fillRef>
+            <a:effectRef idx="1">
+              <a:schemeClr val="accent1"/>
+            </a:effectRef>
+            <a:fontRef idx="minor">
+              <a:schemeClr val="tx1"/>
+            </a:fontRef>
+          </p:style>
+        </p:cxnSp>
+        <p:cxnSp>
+          <p:nvCxnSpPr>
+            <p:cNvPr id="13318" name="Straight Connector 13317">
               <a:extLst>
                 <a:ext uri="{FF2B5EF4-FFF2-40B4-BE49-F238E27FC236}">
-                  <a16:creationId xmlns:a16="http://schemas.microsoft.com/office/drawing/2014/main" id="{F427AFF8-A3A2-D4D5-B6CC-C8173AED2D24}"/>
+                  <a16:creationId xmlns:a16="http://schemas.microsoft.com/office/drawing/2014/main" id="{A619119E-87C6-93E2-EF7F-28006BA6FECC}"/>
                 </a:ext>
               </a:extLst>
             </p:cNvPr>
-            <p:cNvSpPr txBox="1"/>
+            <p:cNvCxnSpPr>
+              <a:cxnSpLocks/>
+            </p:cNvCxnSpPr>
             <p:nvPr/>
-          </p:nvSpPr>
+          </p:nvCxnSpPr>
           <p:spPr>
-            <a:xfrm>
-              <a:off x="4183425" y="3649952"/>
-              <a:ext cx="269626" cy="276999"/>
+            <a:xfrm flipH="1" flipV="1">
+              <a:off x="2972325" y="2603225"/>
+              <a:ext cx="23368" cy="799374"/>
             </a:xfrm>
-            <a:prstGeom prst="rect">
+            <a:prstGeom prst="line">
               <a:avLst/>
             </a:prstGeom>
-            <a:solidFill>
-              <a:schemeClr val="bg1"/>
-            </a:solidFill>
+            <a:effectLst>
+              <a:outerShdw dist="20000" sx="1000" sy="1000" rotWithShape="0">
+                <a:srgbClr val="000000"/>
+              </a:outerShdw>
+            </a:effectLst>
           </p:spPr>
-          <p:txBody>
-            <a:bodyPr wrap="none" rtlCol="0">
-              <a:spAutoFit/>
-            </a:bodyPr>
-            <a:lstStyle/>
-            <a:p>
-              <a:r>
-                <a:rPr lang="en-US" sz="1200" dirty="0"/>
-                <a:t>2</a:t>
-              </a:r>
-            </a:p>
-          </p:txBody>
-        </p:sp>
-        <p:sp>
-          <p:nvSpPr>
-            <p:cNvPr id="43" name="TextBox 42">
+          <p:style>
+            <a:lnRef idx="2">
+              <a:schemeClr val="accent1"/>
+            </a:lnRef>
+            <a:fillRef idx="0">
+              <a:schemeClr val="accent1"/>
+            </a:fillRef>
+            <a:effectRef idx="1">
+              <a:schemeClr val="accent1"/>
+            </a:effectRef>
+            <a:fontRef idx="minor">
+              <a:schemeClr val="tx1"/>
+            </a:fontRef>
+          </p:style>
+        </p:cxnSp>
+        <p:cxnSp>
+          <p:nvCxnSpPr>
+            <p:cNvPr id="13319" name="Straight Connector 13318">
               <a:extLst>
                 <a:ext uri="{FF2B5EF4-FFF2-40B4-BE49-F238E27FC236}">
-                  <a16:creationId xmlns:a16="http://schemas.microsoft.com/office/drawing/2014/main" id="{DB71345B-3540-FAEF-9BEC-BC62D33FAAF0}"/>
+                  <a16:creationId xmlns:a16="http://schemas.microsoft.com/office/drawing/2014/main" id="{122EB31E-8EA5-AD90-CA9D-81E601A8EA58}"/>
                 </a:ext>
               </a:extLst>
             </p:cNvPr>
-            <p:cNvSpPr txBox="1"/>
+            <p:cNvCxnSpPr>
+              <a:cxnSpLocks/>
+            </p:cNvCxnSpPr>
             <p:nvPr/>
-          </p:nvSpPr>
+          </p:nvCxnSpPr>
           <p:spPr>
-            <a:xfrm>
-              <a:off x="4228046" y="4226742"/>
-              <a:ext cx="269626" cy="276999"/>
+            <a:xfrm flipH="1" flipV="1">
+              <a:off x="3931025" y="1653945"/>
+              <a:ext cx="19766" cy="806776"/>
             </a:xfrm>
-            <a:prstGeom prst="rect">
+            <a:prstGeom prst="line">
               <a:avLst/>
             </a:prstGeom>
-            <a:solidFill>
-              <a:schemeClr val="bg1"/>
-            </a:solidFill>
+            <a:effectLst>
+              <a:outerShdw dist="20000" sx="1000" sy="1000" rotWithShape="0">
+                <a:srgbClr val="000000"/>
+              </a:outerShdw>
+            </a:effectLst>
           </p:spPr>
-          <p:txBody>
-            <a:bodyPr wrap="none" rtlCol="0">
-              <a:spAutoFit/>
-            </a:bodyPr>
-            <a:lstStyle/>
-            <a:p>
-              <a:r>
-                <a:rPr lang="en-US" sz="1200" dirty="0"/>
-                <a:t>4</a:t>
-              </a:r>
-            </a:p>
-          </p:txBody>
-        </p:sp>
-        <p:sp>
-          <p:nvSpPr>
-            <p:cNvPr id="44" name="TextBox 43">
+          <p:style>
+            <a:lnRef idx="2">
+              <a:schemeClr val="accent1"/>
+            </a:lnRef>
+            <a:fillRef idx="0">
+              <a:schemeClr val="accent1"/>
+            </a:fillRef>
+            <a:effectRef idx="1">
+              <a:schemeClr val="accent1"/>
+            </a:effectRef>
+            <a:fontRef idx="minor">
+              <a:schemeClr val="tx1"/>
+            </a:fontRef>
+          </p:style>
+        </p:cxnSp>
+        <p:cxnSp>
+          <p:nvCxnSpPr>
+            <p:cNvPr id="13320" name="Straight Connector 13319">
               <a:extLst>
                 <a:ext uri="{FF2B5EF4-FFF2-40B4-BE49-F238E27FC236}">
-                  <a16:creationId xmlns:a16="http://schemas.microsoft.com/office/drawing/2014/main" id="{AE3B9E56-21F2-75D8-5730-DD0F4FCB357C}"/>
+                  <a16:creationId xmlns:a16="http://schemas.microsoft.com/office/drawing/2014/main" id="{8D1A9393-A217-8CCA-58A6-D5F5D5857AAF}"/>
                 </a:ext>
               </a:extLst>
             </p:cNvPr>
-            <p:cNvSpPr txBox="1"/>
+            <p:cNvCxnSpPr>
+              <a:cxnSpLocks/>
+            </p:cNvCxnSpPr>
             <p:nvPr/>
-          </p:nvSpPr>
+          </p:nvCxnSpPr>
           <p:spPr>
-            <a:xfrm>
-              <a:off x="4392353" y="4520448"/>
-              <a:ext cx="439544" cy="276999"/>
+            <a:xfrm flipH="1" flipV="1">
+              <a:off x="1738137" y="2590735"/>
+              <a:ext cx="46582" cy="799374"/>
             </a:xfrm>
-            <a:prstGeom prst="rect">
+            <a:prstGeom prst="line">
               <a:avLst/>
             </a:prstGeom>
-            <a:solidFill>
-              <a:schemeClr val="bg1"/>
-            </a:solidFill>
+            <a:effectLst>
+              <a:outerShdw dist="20000" sx="1000" sy="1000" rotWithShape="0">
+                <a:srgbClr val="000000"/>
+              </a:outerShdw>
+            </a:effectLst>
           </p:spPr>
-          <p:txBody>
-            <a:bodyPr wrap="none" rtlCol="0">
-              <a:spAutoFit/>
-            </a:bodyPr>
-            <a:lstStyle/>
-            <a:p>
-              <a:r>
-                <a:rPr lang="en-US" sz="1200" dirty="0"/>
-                <a:t>100</a:t>
-              </a:r>
-            </a:p>
-          </p:txBody>
-        </p:sp>
-        <p:sp>
-          <p:nvSpPr>
-            <p:cNvPr id="45" name="TextBox 44">
+          <p:style>
+            <a:lnRef idx="2">
+              <a:schemeClr val="accent1"/>
+            </a:lnRef>
+            <a:fillRef idx="0">
+              <a:schemeClr val="accent1"/>
+            </a:fillRef>
+            <a:effectRef idx="1">
+              <a:schemeClr val="accent1"/>
+            </a:effectRef>
+            <a:fontRef idx="minor">
+              <a:schemeClr val="tx1"/>
+            </a:fontRef>
+          </p:style>
+        </p:cxnSp>
+        <p:cxnSp>
+          <p:nvCxnSpPr>
+            <p:cNvPr id="13321" name="Straight Connector 13320">
               <a:extLst>
                 <a:ext uri="{FF2B5EF4-FFF2-40B4-BE49-F238E27FC236}">
-                  <a16:creationId xmlns:a16="http://schemas.microsoft.com/office/drawing/2014/main" id="{30BD736D-A26C-2C75-4715-E97DA9E13E00}"/>
+                  <a16:creationId xmlns:a16="http://schemas.microsoft.com/office/drawing/2014/main" id="{E16E145E-C142-B0C2-DF12-39149A6F2C2E}"/>
                 </a:ext>
               </a:extLst>
             </p:cNvPr>
-            <p:cNvSpPr txBox="1"/>
+            <p:cNvCxnSpPr>
+              <a:cxnSpLocks/>
+            </p:cNvCxnSpPr>
             <p:nvPr/>
-          </p:nvSpPr>
+          </p:nvCxnSpPr>
           <p:spPr>
-            <a:xfrm>
-              <a:off x="5477139" y="4500308"/>
-              <a:ext cx="354584" cy="276999"/>
+            <a:xfrm flipH="1" flipV="1">
+              <a:off x="2656869" y="1649232"/>
+              <a:ext cx="34975" cy="826572"/>
             </a:xfrm>
-            <a:prstGeom prst="rect">
+            <a:prstGeom prst="line">
               <a:avLst/>
             </a:prstGeom>
-            <a:solidFill>
-              <a:schemeClr val="bg1"/>
-            </a:solidFill>
+            <a:effectLst>
+              <a:outerShdw dist="20000" sx="1000" sy="1000" rotWithShape="0">
+                <a:srgbClr val="000000"/>
+              </a:outerShdw>
+            </a:effectLst>
           </p:spPr>
-          <p:txBody>
-            <a:bodyPr wrap="none" rtlCol="0">
-              <a:spAutoFit/>
-            </a:bodyPr>
-            <a:lstStyle/>
-            <a:p>
-              <a:r>
-                <a:rPr lang="en-US" sz="1200" dirty="0"/>
-                <a:t>80</a:t>
-              </a:r>
-            </a:p>
-          </p:txBody>
-        </p:sp>
+          <p:style>
+            <a:lnRef idx="2">
+              <a:schemeClr val="accent1"/>
+            </a:lnRef>
+            <a:fillRef idx="0">
+              <a:schemeClr val="accent1"/>
+            </a:fillRef>
+            <a:effectRef idx="1">
+              <a:schemeClr val="accent1"/>
+            </a:effectRef>
+            <a:fontRef idx="minor">
+              <a:schemeClr val="tx1"/>
+            </a:fontRef>
+          </p:style>
+        </p:cxnSp>
       </p:grpSp>
     </p:spTree>
     <p:extLst>
@@ -26148,12 +26127,123 @@
           </a:p>
         </p:txBody>
       </p:sp>
+      <p:sp>
+        <p:nvSpPr>
+          <p:cNvPr id="15" name="TextBox 14">
+            <a:extLst>
+              <a:ext uri="{FF2B5EF4-FFF2-40B4-BE49-F238E27FC236}">
+                <a16:creationId xmlns:a16="http://schemas.microsoft.com/office/drawing/2014/main" id="{93FC6E44-9EF4-BE69-97B9-029E38499593}"/>
+              </a:ext>
+            </a:extLst>
+          </p:cNvPr>
+          <p:cNvSpPr txBox="1"/>
+          <p:nvPr/>
+        </p:nvSpPr>
+        <p:spPr>
+          <a:xfrm>
+            <a:off x="2520433" y="2569761"/>
+            <a:ext cx="354584" cy="276999"/>
+          </a:xfrm>
+          <a:prstGeom prst="rect">
+            <a:avLst/>
+          </a:prstGeom>
+          <a:solidFill>
+            <a:schemeClr val="bg1"/>
+          </a:solidFill>
+        </p:spPr>
+        <p:txBody>
+          <a:bodyPr wrap="none" rtlCol="0">
+            <a:spAutoFit/>
+          </a:bodyPr>
+          <a:lstStyle/>
+          <a:p>
+            <a:r>
+              <a:rPr lang="en-US" sz="1200" dirty="0"/>
+              <a:t>25</a:t>
+            </a:r>
+          </a:p>
+        </p:txBody>
+      </p:sp>
+      <p:sp>
+        <p:nvSpPr>
+          <p:cNvPr id="16" name="TextBox 15">
+            <a:extLst>
+              <a:ext uri="{FF2B5EF4-FFF2-40B4-BE49-F238E27FC236}">
+                <a16:creationId xmlns:a16="http://schemas.microsoft.com/office/drawing/2014/main" id="{EF47FDD3-5C19-7E4E-014E-846A9698FEA1}"/>
+              </a:ext>
+            </a:extLst>
+          </p:cNvPr>
+          <p:cNvSpPr txBox="1"/>
+          <p:nvPr/>
+        </p:nvSpPr>
+        <p:spPr>
+          <a:xfrm>
+            <a:off x="1857928" y="3159033"/>
+            <a:ext cx="354584" cy="276999"/>
+          </a:xfrm>
+          <a:prstGeom prst="rect">
+            <a:avLst/>
+          </a:prstGeom>
+          <a:solidFill>
+            <a:schemeClr val="bg1"/>
+          </a:solidFill>
+        </p:spPr>
+        <p:txBody>
+          <a:bodyPr wrap="none" rtlCol="0">
+            <a:spAutoFit/>
+          </a:bodyPr>
+          <a:lstStyle/>
+          <a:p>
+            <a:r>
+              <a:rPr lang="en-US" sz="1200" dirty="0"/>
+              <a:t>50</a:t>
+            </a:r>
+          </a:p>
+        </p:txBody>
+      </p:sp>
+      <p:sp>
+        <p:nvSpPr>
+          <p:cNvPr id="17" name="TextBox 16">
+            <a:extLst>
+              <a:ext uri="{FF2B5EF4-FFF2-40B4-BE49-F238E27FC236}">
+                <a16:creationId xmlns:a16="http://schemas.microsoft.com/office/drawing/2014/main" id="{463A16D8-0F4A-3D72-8750-A5B22FA1CDB8}"/>
+              </a:ext>
+            </a:extLst>
+          </p:cNvPr>
+          <p:cNvSpPr txBox="1"/>
+          <p:nvPr/>
+        </p:nvSpPr>
+        <p:spPr>
+          <a:xfrm rot="18827094">
+            <a:off x="1726574" y="2503649"/>
+            <a:ext cx="902811" cy="338554"/>
+          </a:xfrm>
+          <a:prstGeom prst="rect">
+            <a:avLst/>
+          </a:prstGeom>
+          <a:solidFill>
+            <a:schemeClr val="bg1"/>
+          </a:solidFill>
+        </p:spPr>
+        <p:txBody>
+          <a:bodyPr wrap="none" rtlCol="0">
+            <a:spAutoFit/>
+          </a:bodyPr>
+          <a:lstStyle/>
+          <a:p>
+            <a:r>
+              <a:rPr lang="en-US" sz="1600" dirty="0"/>
+              <a:t>quantity</a:t>
+            </a:r>
+          </a:p>
+        </p:txBody>
+      </p:sp>
       <p:grpSp>
         <p:nvGrpSpPr>
-          <p:cNvPr id="14" name="Group 13">
+          <p:cNvPr id="57" name="Group 56">
             <a:extLst>
               <a:ext uri="{FF2B5EF4-FFF2-40B4-BE49-F238E27FC236}">
-                <a16:creationId xmlns:a16="http://schemas.microsoft.com/office/drawing/2014/main" id="{06B7EE74-82AA-3E11-9A9A-C539D95845B3}"/>
+                <a16:creationId xmlns:a16="http://schemas.microsoft.com/office/drawing/2014/main" id="{1EAB55F1-8B1E-0D0A-39E1-99FE6B84CC37}"/>
               </a:ext>
             </a:extLst>
           </p:cNvPr>
@@ -26162,129 +26252,104 @@
         </p:nvGrpSpPr>
         <p:grpSpPr>
           <a:xfrm>
-            <a:off x="1151702" y="1646546"/>
-            <a:ext cx="2814298" cy="2321875"/>
-            <a:chOff x="3907963" y="2723259"/>
-            <a:chExt cx="2814298" cy="2321875"/>
+            <a:off x="1732592" y="1649232"/>
+            <a:ext cx="2218199" cy="1753653"/>
+            <a:chOff x="1732592" y="1649232"/>
+            <a:chExt cx="2218199" cy="1753653"/>
           </a:xfrm>
         </p:grpSpPr>
-        <p:sp>
-          <p:nvSpPr>
-            <p:cNvPr id="15" name="TextBox 14">
+        <p:cxnSp>
+          <p:nvCxnSpPr>
+            <p:cNvPr id="29" name="Straight Connector 28">
               <a:extLst>
                 <a:ext uri="{FF2B5EF4-FFF2-40B4-BE49-F238E27FC236}">
-                  <a16:creationId xmlns:a16="http://schemas.microsoft.com/office/drawing/2014/main" id="{93FC6E44-9EF4-BE69-97B9-029E38499593}"/>
+                  <a16:creationId xmlns:a16="http://schemas.microsoft.com/office/drawing/2014/main" id="{0AE0BEAD-2C5C-E255-F2AF-C193089D51F8}"/>
                 </a:ext>
               </a:extLst>
             </p:cNvPr>
-            <p:cNvSpPr txBox="1"/>
+            <p:cNvCxnSpPr>
+              <a:cxnSpLocks/>
+            </p:cNvCxnSpPr>
             <p:nvPr/>
-          </p:nvSpPr>
+          </p:nvCxnSpPr>
           <p:spPr>
             <a:xfrm>
-              <a:off x="5276694" y="3646474"/>
-              <a:ext cx="354584" cy="276999"/>
+              <a:off x="1784719" y="3390109"/>
+              <a:ext cx="1234188" cy="12776"/>
             </a:xfrm>
-            <a:prstGeom prst="rect">
+            <a:prstGeom prst="line">
               <a:avLst/>
             </a:prstGeom>
-            <a:solidFill>
-              <a:schemeClr val="bg1"/>
-            </a:solidFill>
+            <a:effectLst>
+              <a:outerShdw dist="20000" sx="1000" sy="1000" rotWithShape="0">
+                <a:srgbClr val="000000"/>
+              </a:outerShdw>
+            </a:effectLst>
           </p:spPr>
-          <p:txBody>
-            <a:bodyPr wrap="none" rtlCol="0">
-              <a:spAutoFit/>
-            </a:bodyPr>
-            <a:lstStyle/>
-            <a:p>
-              <a:r>
-                <a:rPr lang="en-US" sz="1200" dirty="0"/>
-                <a:t>25</a:t>
-              </a:r>
-            </a:p>
-          </p:txBody>
-        </p:sp>
-        <p:sp>
-          <p:nvSpPr>
-            <p:cNvPr id="16" name="TextBox 15">
+          <p:style>
+            <a:lnRef idx="2">
+              <a:schemeClr val="accent1"/>
+            </a:lnRef>
+            <a:fillRef idx="0">
+              <a:schemeClr val="accent1"/>
+            </a:fillRef>
+            <a:effectRef idx="1">
+              <a:schemeClr val="accent1"/>
+            </a:effectRef>
+            <a:fontRef idx="minor">
+              <a:schemeClr val="tx1"/>
+            </a:fontRef>
+          </p:style>
+        </p:cxnSp>
+        <p:cxnSp>
+          <p:nvCxnSpPr>
+            <p:cNvPr id="30" name="Straight Connector 29">
               <a:extLst>
                 <a:ext uri="{FF2B5EF4-FFF2-40B4-BE49-F238E27FC236}">
-                  <a16:creationId xmlns:a16="http://schemas.microsoft.com/office/drawing/2014/main" id="{EF47FDD3-5C19-7E4E-014E-846A9698FEA1}"/>
+                  <a16:creationId xmlns:a16="http://schemas.microsoft.com/office/drawing/2014/main" id="{DB070D94-B41F-BB2A-4A92-7011F80C912C}"/>
                 </a:ext>
               </a:extLst>
             </p:cNvPr>
-            <p:cNvSpPr txBox="1"/>
+            <p:cNvCxnSpPr>
+              <a:cxnSpLocks/>
+            </p:cNvCxnSpPr>
             <p:nvPr/>
-          </p:nvSpPr>
+          </p:nvCxnSpPr>
           <p:spPr>
-            <a:xfrm>
-              <a:off x="4614189" y="4235746"/>
-              <a:ext cx="354584" cy="276999"/>
+            <a:xfrm flipV="1">
+              <a:off x="2691957" y="2461005"/>
+              <a:ext cx="1251340" cy="14799"/>
             </a:xfrm>
-            <a:prstGeom prst="rect">
+            <a:prstGeom prst="line">
               <a:avLst/>
             </a:prstGeom>
-            <a:solidFill>
-              <a:schemeClr val="bg1"/>
-            </a:solidFill>
+            <a:effectLst>
+              <a:outerShdw dist="20000" sx="1000" sy="1000" rotWithShape="0">
+                <a:srgbClr val="000000"/>
+              </a:outerShdw>
+            </a:effectLst>
           </p:spPr>
-          <p:txBody>
-            <a:bodyPr wrap="none" rtlCol="0">
-              <a:spAutoFit/>
-            </a:bodyPr>
-            <a:lstStyle/>
-            <a:p>
-              <a:r>
-                <a:rPr lang="en-US" sz="1200" dirty="0"/>
-                <a:t>50</a:t>
-              </a:r>
-            </a:p>
-          </p:txBody>
-        </p:sp>
-        <p:sp>
-          <p:nvSpPr>
-            <p:cNvPr id="17" name="TextBox 16">
+          <p:style>
+            <a:lnRef idx="2">
+              <a:schemeClr val="accent1"/>
+            </a:lnRef>
+            <a:fillRef idx="0">
+              <a:schemeClr val="accent1"/>
+            </a:fillRef>
+            <a:effectRef idx="1">
+              <a:schemeClr val="accent1"/>
+            </a:effectRef>
+            <a:fontRef idx="minor">
+              <a:schemeClr val="tx1"/>
+            </a:fontRef>
+          </p:style>
+        </p:cxnSp>
+        <p:grpSp>
+          <p:nvGrpSpPr>
+            <p:cNvPr id="31" name="Group 30">
               <a:extLst>
                 <a:ext uri="{FF2B5EF4-FFF2-40B4-BE49-F238E27FC236}">
-                  <a16:creationId xmlns:a16="http://schemas.microsoft.com/office/drawing/2014/main" id="{463A16D8-0F4A-3D72-8750-A5B22FA1CDB8}"/>
-                </a:ext>
-              </a:extLst>
-            </p:cNvPr>
-            <p:cNvSpPr txBox="1"/>
-            <p:nvPr/>
-          </p:nvSpPr>
-          <p:spPr>
-            <a:xfrm rot="18827094">
-              <a:off x="4482835" y="3580362"/>
-              <a:ext cx="902811" cy="338554"/>
-            </a:xfrm>
-            <a:prstGeom prst="rect">
-              <a:avLst/>
-            </a:prstGeom>
-            <a:solidFill>
-              <a:schemeClr val="bg1"/>
-            </a:solidFill>
-          </p:spPr>
-          <p:txBody>
-            <a:bodyPr wrap="none" rtlCol="0">
-              <a:spAutoFit/>
-            </a:bodyPr>
-            <a:lstStyle/>
-            <a:p>
-              <a:r>
-                <a:rPr lang="en-US" sz="1600" dirty="0"/>
-                <a:t>quantity</a:t>
-              </a:r>
-            </a:p>
-          </p:txBody>
-        </p:sp>
-        <p:grpSp>
-          <p:nvGrpSpPr>
-            <p:cNvPr id="18" name="Group 17">
-              <a:extLst>
-                <a:ext uri="{FF2B5EF4-FFF2-40B4-BE49-F238E27FC236}">
-                  <a16:creationId xmlns:a16="http://schemas.microsoft.com/office/drawing/2014/main" id="{9145C62E-FA03-4A10-CBBB-A768E135976F}"/>
+                  <a16:creationId xmlns:a16="http://schemas.microsoft.com/office/drawing/2014/main" id="{F3BE6BF6-E7EF-2878-6A08-A794AD409D5D}"/>
                 </a:ext>
               </a:extLst>
             </p:cNvPr>
@@ -26293,18 +26358,18 @@
           </p:nvGrpSpPr>
           <p:grpSpPr>
             <a:xfrm>
-              <a:off x="4488853" y="2723259"/>
-              <a:ext cx="2233408" cy="1771138"/>
-              <a:chOff x="1927754" y="3957500"/>
-              <a:chExt cx="2233408" cy="1771138"/>
+              <a:off x="1732592" y="1649232"/>
+              <a:ext cx="2218199" cy="1753367"/>
+              <a:chOff x="1927754" y="3960186"/>
+              <a:chExt cx="2218199" cy="1753367"/>
             </a:xfrm>
           </p:grpSpPr>
           <p:cxnSp>
             <p:nvCxnSpPr>
-              <p:cNvPr id="29" name="Straight Connector 28">
+              <p:cNvPr id="38" name="Straight Connector 37">
                 <a:extLst>
                   <a:ext uri="{FF2B5EF4-FFF2-40B4-BE49-F238E27FC236}">
-                    <a16:creationId xmlns:a16="http://schemas.microsoft.com/office/drawing/2014/main" id="{0AE0BEAD-2C5C-E255-F2AF-C193089D51F8}"/>
+                    <a16:creationId xmlns:a16="http://schemas.microsoft.com/office/drawing/2014/main" id="{456CED5A-2EF8-97B3-0186-CD2B9CA7F072}"/>
                   </a:ext>
                 </a:extLst>
               </p:cNvPr>
@@ -26315,8 +26380,8 @@
             </p:nvCxnSpPr>
             <p:spPr>
               <a:xfrm flipV="1">
-                <a:off x="1962729" y="5713839"/>
-                <a:ext cx="1251340" cy="14799"/>
+                <a:off x="1979881" y="4779358"/>
+                <a:ext cx="907125" cy="934195"/>
               </a:xfrm>
               <a:prstGeom prst="line">
                 <a:avLst/>
@@ -26344,10 +26409,10 @@
           </p:cxnSp>
           <p:cxnSp>
             <p:nvCxnSpPr>
-              <p:cNvPr id="30" name="Straight Connector 29">
+              <p:cNvPr id="39" name="Straight Connector 38">
                 <a:extLst>
                   <a:ext uri="{FF2B5EF4-FFF2-40B4-BE49-F238E27FC236}">
-                    <a16:creationId xmlns:a16="http://schemas.microsoft.com/office/drawing/2014/main" id="{DB070D94-B41F-BB2A-4A92-7011F80C912C}"/>
+                    <a16:creationId xmlns:a16="http://schemas.microsoft.com/office/drawing/2014/main" id="{3F79639A-B0F7-8A66-D580-C5B5E0F45557}"/>
                   </a:ext>
                 </a:extLst>
               </p:cNvPr>
@@ -26358,244 +26423,8 @@
             </p:nvCxnSpPr>
             <p:spPr>
               <a:xfrm flipV="1">
-                <a:off x="2887119" y="4771959"/>
-                <a:ext cx="1251340" cy="14799"/>
-              </a:xfrm>
-              <a:prstGeom prst="line">
-                <a:avLst/>
-              </a:prstGeom>
-              <a:effectLst>
-                <a:outerShdw dist="20000" sx="1000" sy="1000" rotWithShape="0">
-                  <a:srgbClr val="000000"/>
-                </a:outerShdw>
-              </a:effectLst>
-            </p:spPr>
-            <p:style>
-              <a:lnRef idx="2">
-                <a:schemeClr val="accent1"/>
-              </a:lnRef>
-              <a:fillRef idx="0">
-                <a:schemeClr val="accent1"/>
-              </a:fillRef>
-              <a:effectRef idx="1">
-                <a:schemeClr val="accent1"/>
-              </a:effectRef>
-              <a:fontRef idx="minor">
-                <a:schemeClr val="tx1"/>
-              </a:fontRef>
-            </p:style>
-          </p:cxnSp>
-          <p:grpSp>
-            <p:nvGrpSpPr>
-              <p:cNvPr id="31" name="Group 30">
-                <a:extLst>
-                  <a:ext uri="{FF2B5EF4-FFF2-40B4-BE49-F238E27FC236}">
-                    <a16:creationId xmlns:a16="http://schemas.microsoft.com/office/drawing/2014/main" id="{F3BE6BF6-E7EF-2878-6A08-A794AD409D5D}"/>
-                  </a:ext>
-                </a:extLst>
-              </p:cNvPr>
-              <p:cNvGrpSpPr/>
-              <p:nvPr/>
-            </p:nvGrpSpPr>
-            <p:grpSpPr>
-              <a:xfrm>
-                <a:off x="1927754" y="3960186"/>
-                <a:ext cx="2233408" cy="1768452"/>
-                <a:chOff x="1927754" y="3960186"/>
-                <a:chExt cx="2233408" cy="1768452"/>
-              </a:xfrm>
-            </p:grpSpPr>
-            <p:cxnSp>
-              <p:nvCxnSpPr>
-                <p:cNvPr id="38" name="Straight Connector 37">
-                  <a:extLst>
-                    <a:ext uri="{FF2B5EF4-FFF2-40B4-BE49-F238E27FC236}">
-                      <a16:creationId xmlns:a16="http://schemas.microsoft.com/office/drawing/2014/main" id="{456CED5A-2EF8-97B3-0186-CD2B9CA7F072}"/>
-                    </a:ext>
-                  </a:extLst>
-                </p:cNvPr>
-                <p:cNvCxnSpPr>
-                  <a:cxnSpLocks/>
-                </p:cNvCxnSpPr>
-                <p:nvPr/>
-              </p:nvCxnSpPr>
-              <p:spPr>
-                <a:xfrm flipV="1">
-                  <a:off x="1962729" y="4779358"/>
-                  <a:ext cx="924277" cy="934195"/>
-                </a:xfrm>
-                <a:prstGeom prst="line">
-                  <a:avLst/>
-                </a:prstGeom>
-                <a:effectLst>
-                  <a:outerShdw dist="20000" sx="1000" sy="1000" rotWithShape="0">
-                    <a:srgbClr val="000000"/>
-                  </a:outerShdw>
-                </a:effectLst>
-              </p:spPr>
-              <p:style>
-                <a:lnRef idx="2">
-                  <a:schemeClr val="accent1"/>
-                </a:lnRef>
-                <a:fillRef idx="0">
-                  <a:schemeClr val="accent1"/>
-                </a:fillRef>
-                <a:effectRef idx="1">
-                  <a:schemeClr val="accent1"/>
-                </a:effectRef>
-                <a:fontRef idx="minor">
-                  <a:schemeClr val="tx1"/>
-                </a:fontRef>
-              </p:style>
-            </p:cxnSp>
-            <p:cxnSp>
-              <p:nvCxnSpPr>
-                <p:cNvPr id="39" name="Straight Connector 38">
-                  <a:extLst>
-                    <a:ext uri="{FF2B5EF4-FFF2-40B4-BE49-F238E27FC236}">
-                      <a16:creationId xmlns:a16="http://schemas.microsoft.com/office/drawing/2014/main" id="{3F79639A-B0F7-8A66-D580-C5B5E0F45557}"/>
-                    </a:ext>
-                  </a:extLst>
-                </p:cNvPr>
-                <p:cNvCxnSpPr>
-                  <a:cxnSpLocks/>
-                </p:cNvCxnSpPr>
-                <p:nvPr/>
-              </p:nvCxnSpPr>
-              <p:spPr>
-                <a:xfrm flipV="1">
-                  <a:off x="3190855" y="4774645"/>
-                  <a:ext cx="970307" cy="953993"/>
-                </a:xfrm>
-                <a:prstGeom prst="line">
-                  <a:avLst/>
-                </a:prstGeom>
-                <a:effectLst>
-                  <a:outerShdw dist="20000" sx="1000" sy="1000" rotWithShape="0">
-                    <a:srgbClr val="000000"/>
-                  </a:outerShdw>
-                </a:effectLst>
-              </p:spPr>
-              <p:style>
-                <a:lnRef idx="2">
-                  <a:schemeClr val="accent1"/>
-                </a:lnRef>
-                <a:fillRef idx="0">
-                  <a:schemeClr val="accent1"/>
-                </a:fillRef>
-                <a:effectRef idx="1">
-                  <a:schemeClr val="accent1"/>
-                </a:effectRef>
-                <a:fontRef idx="minor">
-                  <a:schemeClr val="tx1"/>
-                </a:fontRef>
-              </p:style>
-            </p:cxnSp>
-            <p:cxnSp>
-              <p:nvCxnSpPr>
-                <p:cNvPr id="40" name="Straight Connector 39">
-                  <a:extLst>
-                    <a:ext uri="{FF2B5EF4-FFF2-40B4-BE49-F238E27FC236}">
-                      <a16:creationId xmlns:a16="http://schemas.microsoft.com/office/drawing/2014/main" id="{FEC8BC68-7473-BA98-CA39-DDCCA12DCC3A}"/>
-                    </a:ext>
-                  </a:extLst>
-                </p:cNvPr>
-                <p:cNvCxnSpPr>
-                  <a:cxnSpLocks/>
-                </p:cNvCxnSpPr>
-                <p:nvPr/>
-              </p:nvCxnSpPr>
-              <p:spPr>
-                <a:xfrm flipV="1">
-                  <a:off x="1927754" y="3964899"/>
-                  <a:ext cx="924277" cy="934195"/>
-                </a:xfrm>
-                <a:prstGeom prst="line">
-                  <a:avLst/>
-                </a:prstGeom>
-                <a:effectLst>
-                  <a:outerShdw dist="20000" sx="1000" sy="1000" rotWithShape="0">
-                    <a:srgbClr val="000000"/>
-                  </a:outerShdw>
-                </a:effectLst>
-              </p:spPr>
-              <p:style>
-                <a:lnRef idx="2">
-                  <a:schemeClr val="accent1"/>
-                </a:lnRef>
-                <a:fillRef idx="0">
-                  <a:schemeClr val="accent1"/>
-                </a:fillRef>
-                <a:effectRef idx="1">
-                  <a:schemeClr val="accent1"/>
-                </a:effectRef>
-                <a:fontRef idx="minor">
-                  <a:schemeClr val="tx1"/>
-                </a:fontRef>
-              </p:style>
-            </p:cxnSp>
-            <p:cxnSp>
-              <p:nvCxnSpPr>
-                <p:cNvPr id="41" name="Straight Connector 40">
-                  <a:extLst>
-                    <a:ext uri="{FF2B5EF4-FFF2-40B4-BE49-F238E27FC236}">
-                      <a16:creationId xmlns:a16="http://schemas.microsoft.com/office/drawing/2014/main" id="{A62F14E6-A197-5F74-CD93-A919ECAF1D88}"/>
-                    </a:ext>
-                  </a:extLst>
-                </p:cNvPr>
-                <p:cNvCxnSpPr>
-                  <a:cxnSpLocks/>
-                </p:cNvCxnSpPr>
-                <p:nvPr/>
-              </p:nvCxnSpPr>
-              <p:spPr>
-                <a:xfrm flipV="1">
-                  <a:off x="3155880" y="3960186"/>
-                  <a:ext cx="970307" cy="953993"/>
-                </a:xfrm>
-                <a:prstGeom prst="line">
-                  <a:avLst/>
-                </a:prstGeom>
-                <a:effectLst>
-                  <a:outerShdw dist="20000" sx="1000" sy="1000" rotWithShape="0">
-                    <a:srgbClr val="000000"/>
-                  </a:outerShdw>
-                </a:effectLst>
-              </p:spPr>
-              <p:style>
-                <a:lnRef idx="2">
-                  <a:schemeClr val="accent1"/>
-                </a:lnRef>
-                <a:fillRef idx="0">
-                  <a:schemeClr val="accent1"/>
-                </a:fillRef>
-                <a:effectRef idx="1">
-                  <a:schemeClr val="accent1"/>
-                </a:effectRef>
-                <a:fontRef idx="minor">
-                  <a:schemeClr val="tx1"/>
-                </a:fontRef>
-              </p:style>
-            </p:cxnSp>
-          </p:grpSp>
-          <p:cxnSp>
-            <p:nvCxnSpPr>
-              <p:cNvPr id="32" name="Straight Connector 31">
-                <a:extLst>
-                  <a:ext uri="{FF2B5EF4-FFF2-40B4-BE49-F238E27FC236}">
-                    <a16:creationId xmlns:a16="http://schemas.microsoft.com/office/drawing/2014/main" id="{F7F888E8-DAC1-F72A-8C45-9D2EE9C8971B}"/>
-                  </a:ext>
-                </a:extLst>
-              </p:cNvPr>
-              <p:cNvCxnSpPr>
-                <a:cxnSpLocks/>
-              </p:cNvCxnSpPr>
-              <p:nvPr/>
-            </p:nvCxnSpPr>
-            <p:spPr>
-              <a:xfrm flipV="1">
-                <a:off x="1927754" y="4899380"/>
-                <a:ext cx="1251340" cy="14799"/>
+                <a:off x="3190855" y="4771675"/>
+                <a:ext cx="955098" cy="941878"/>
               </a:xfrm>
               <a:prstGeom prst="line">
                 <a:avLst/>
@@ -26623,10 +26452,10 @@
           </p:cxnSp>
           <p:cxnSp>
             <p:nvCxnSpPr>
-              <p:cNvPr id="33" name="Straight Connector 32">
+              <p:cNvPr id="40" name="Straight Connector 39">
                 <a:extLst>
                   <a:ext uri="{FF2B5EF4-FFF2-40B4-BE49-F238E27FC236}">
-                    <a16:creationId xmlns:a16="http://schemas.microsoft.com/office/drawing/2014/main" id="{700EBFEC-9601-CB6D-3928-685E83DE7125}"/>
+                    <a16:creationId xmlns:a16="http://schemas.microsoft.com/office/drawing/2014/main" id="{FEC8BC68-7473-BA98-CA39-DDCCA12DCC3A}"/>
                   </a:ext>
                 </a:extLst>
               </p:cNvPr>
@@ -26637,8 +26466,8 @@
             </p:nvCxnSpPr>
             <p:spPr>
               <a:xfrm flipV="1">
-                <a:off x="2852144" y="3957500"/>
-                <a:ext cx="1251340" cy="14799"/>
+                <a:off x="1927754" y="3964899"/>
+                <a:ext cx="924277" cy="934195"/>
               </a:xfrm>
               <a:prstGeom prst="line">
                 <a:avLst/>
@@ -26666,10 +26495,10 @@
           </p:cxnSp>
           <p:cxnSp>
             <p:nvCxnSpPr>
-              <p:cNvPr id="34" name="Straight Connector 33">
+              <p:cNvPr id="41" name="Straight Connector 40">
                 <a:extLst>
                   <a:ext uri="{FF2B5EF4-FFF2-40B4-BE49-F238E27FC236}">
-                    <a16:creationId xmlns:a16="http://schemas.microsoft.com/office/drawing/2014/main" id="{42E31EFF-113B-9039-EBF4-EF908BD003D2}"/>
+                    <a16:creationId xmlns:a16="http://schemas.microsoft.com/office/drawing/2014/main" id="{A62F14E6-A197-5F74-CD93-A919ECAF1D88}"/>
                   </a:ext>
                 </a:extLst>
               </p:cNvPr>
@@ -26679,138 +26508,9 @@
               <p:nvPr/>
             </p:nvCxnSpPr>
             <p:spPr>
-              <a:xfrm flipH="1" flipV="1">
-                <a:off x="3167487" y="4914179"/>
-                <a:ext cx="46582" cy="799374"/>
-              </a:xfrm>
-              <a:prstGeom prst="line">
-                <a:avLst/>
-              </a:prstGeom>
-              <a:effectLst>
-                <a:outerShdw dist="20000" sx="1000" sy="1000" rotWithShape="0">
-                  <a:srgbClr val="000000"/>
-                </a:outerShdw>
-              </a:effectLst>
-            </p:spPr>
-            <p:style>
-              <a:lnRef idx="2">
-                <a:schemeClr val="accent1"/>
-              </a:lnRef>
-              <a:fillRef idx="0">
-                <a:schemeClr val="accent1"/>
-              </a:fillRef>
-              <a:effectRef idx="1">
-                <a:schemeClr val="accent1"/>
-              </a:effectRef>
-              <a:fontRef idx="minor">
-                <a:schemeClr val="tx1"/>
-              </a:fontRef>
-            </p:style>
-          </p:cxnSp>
-          <p:cxnSp>
-            <p:nvCxnSpPr>
-              <p:cNvPr id="35" name="Straight Connector 34">
-                <a:extLst>
-                  <a:ext uri="{FF2B5EF4-FFF2-40B4-BE49-F238E27FC236}">
-                    <a16:creationId xmlns:a16="http://schemas.microsoft.com/office/drawing/2014/main" id="{C7E210A5-FE31-CC4C-AA29-41273D813DC2}"/>
-                  </a:ext>
-                </a:extLst>
-              </p:cNvPr>
-              <p:cNvCxnSpPr>
-                <a:cxnSpLocks/>
-              </p:cNvCxnSpPr>
-              <p:nvPr/>
-            </p:nvCxnSpPr>
-            <p:spPr>
-              <a:xfrm flipH="1" flipV="1">
-                <a:off x="4099371" y="3972301"/>
-                <a:ext cx="46582" cy="799374"/>
-              </a:xfrm>
-              <a:prstGeom prst="line">
-                <a:avLst/>
-              </a:prstGeom>
-              <a:effectLst>
-                <a:outerShdw dist="20000" sx="1000" sy="1000" rotWithShape="0">
-                  <a:srgbClr val="000000"/>
-                </a:outerShdw>
-              </a:effectLst>
-            </p:spPr>
-            <p:style>
-              <a:lnRef idx="2">
-                <a:schemeClr val="accent1"/>
-              </a:lnRef>
-              <a:fillRef idx="0">
-                <a:schemeClr val="accent1"/>
-              </a:fillRef>
-              <a:effectRef idx="1">
-                <a:schemeClr val="accent1"/>
-              </a:effectRef>
-              <a:fontRef idx="minor">
-                <a:schemeClr val="tx1"/>
-              </a:fontRef>
-            </p:style>
-          </p:cxnSp>
-          <p:cxnSp>
-            <p:nvCxnSpPr>
-              <p:cNvPr id="36" name="Straight Connector 35">
-                <a:extLst>
-                  <a:ext uri="{FF2B5EF4-FFF2-40B4-BE49-F238E27FC236}">
-                    <a16:creationId xmlns:a16="http://schemas.microsoft.com/office/drawing/2014/main" id="{C2988CF9-8D27-479E-ACDF-2A3FB53D6617}"/>
-                  </a:ext>
-                </a:extLst>
-              </p:cNvPr>
-              <p:cNvCxnSpPr>
-                <a:cxnSpLocks/>
-              </p:cNvCxnSpPr>
-              <p:nvPr/>
-            </p:nvCxnSpPr>
-            <p:spPr>
-              <a:xfrm flipH="1" flipV="1">
-                <a:off x="1933299" y="4901689"/>
-                <a:ext cx="46582" cy="799374"/>
-              </a:xfrm>
-              <a:prstGeom prst="line">
-                <a:avLst/>
-              </a:prstGeom>
-              <a:effectLst>
-                <a:outerShdw dist="20000" sx="1000" sy="1000" rotWithShape="0">
-                  <a:srgbClr val="000000"/>
-                </a:outerShdw>
-              </a:effectLst>
-            </p:spPr>
-            <p:style>
-              <a:lnRef idx="2">
-                <a:schemeClr val="accent1"/>
-              </a:lnRef>
-              <a:fillRef idx="0">
-                <a:schemeClr val="accent1"/>
-              </a:fillRef>
-              <a:effectRef idx="1">
-                <a:schemeClr val="accent1"/>
-              </a:effectRef>
-              <a:fontRef idx="minor">
-                <a:schemeClr val="tx1"/>
-              </a:fontRef>
-            </p:style>
-          </p:cxnSp>
-          <p:cxnSp>
-            <p:nvCxnSpPr>
-              <p:cNvPr id="37" name="Straight Connector 36">
-                <a:extLst>
-                  <a:ext uri="{FF2B5EF4-FFF2-40B4-BE49-F238E27FC236}">
-                    <a16:creationId xmlns:a16="http://schemas.microsoft.com/office/drawing/2014/main" id="{E7A96053-57D2-8033-EBA2-6ED63DA5F4CE}"/>
-                  </a:ext>
-                </a:extLst>
-              </p:cNvPr>
-              <p:cNvCxnSpPr>
-                <a:cxnSpLocks/>
-              </p:cNvCxnSpPr>
-              <p:nvPr/>
-            </p:nvCxnSpPr>
-            <p:spPr>
-              <a:xfrm flipH="1" flipV="1">
-                <a:off x="2865183" y="3959811"/>
-                <a:ext cx="46582" cy="799374"/>
+              <a:xfrm flipV="1">
+                <a:off x="3155880" y="3960186"/>
+                <a:ext cx="970307" cy="953993"/>
               </a:xfrm>
               <a:prstGeom prst="line">
                 <a:avLst/>
@@ -26837,192 +26537,450 @@
             </p:style>
           </p:cxnSp>
         </p:grpSp>
-        <p:sp>
-          <p:nvSpPr>
-            <p:cNvPr id="19" name="TextBox 18">
+        <p:cxnSp>
+          <p:nvCxnSpPr>
+            <p:cNvPr id="32" name="Straight Connector 31">
               <a:extLst>
                 <a:ext uri="{FF2B5EF4-FFF2-40B4-BE49-F238E27FC236}">
-                  <a16:creationId xmlns:a16="http://schemas.microsoft.com/office/drawing/2014/main" id="{D097BC90-65D9-988C-E722-A39B13DC19B4}"/>
+                  <a16:creationId xmlns:a16="http://schemas.microsoft.com/office/drawing/2014/main" id="{F7F888E8-DAC1-F72A-8C45-9D2EE9C8971B}"/>
                 </a:ext>
               </a:extLst>
             </p:cNvPr>
-            <p:cNvSpPr txBox="1"/>
+            <p:cNvCxnSpPr>
+              <a:cxnSpLocks/>
+            </p:cNvCxnSpPr>
             <p:nvPr/>
-          </p:nvSpPr>
+          </p:nvCxnSpPr>
           <p:spPr>
-            <a:xfrm>
-              <a:off x="4541318" y="4706580"/>
-              <a:ext cx="1292341" cy="338554"/>
+            <a:xfrm flipV="1">
+              <a:off x="1732592" y="2588426"/>
+              <a:ext cx="1251340" cy="14799"/>
             </a:xfrm>
-            <a:prstGeom prst="rect">
+            <a:prstGeom prst="line">
               <a:avLst/>
             </a:prstGeom>
-            <a:solidFill>
-              <a:schemeClr val="bg1"/>
-            </a:solidFill>
+            <a:effectLst>
+              <a:outerShdw dist="20000" sx="1000" sy="1000" rotWithShape="0">
+                <a:srgbClr val="000000"/>
+              </a:outerShdw>
+            </a:effectLst>
           </p:spPr>
-          <p:txBody>
-            <a:bodyPr wrap="none" rtlCol="0">
-              <a:spAutoFit/>
-            </a:bodyPr>
-            <a:lstStyle/>
-            <a:p>
-              <a:r>
-                <a:rPr lang="en-US" sz="1600" dirty="0"/>
-                <a:t>temperature</a:t>
-              </a:r>
-            </a:p>
-          </p:txBody>
-        </p:sp>
-        <p:sp>
-          <p:nvSpPr>
-            <p:cNvPr id="20" name="TextBox 19">
+          <p:style>
+            <a:lnRef idx="2">
+              <a:schemeClr val="accent1"/>
+            </a:lnRef>
+            <a:fillRef idx="0">
+              <a:schemeClr val="accent1"/>
+            </a:fillRef>
+            <a:effectRef idx="1">
+              <a:schemeClr val="accent1"/>
+            </a:effectRef>
+            <a:fontRef idx="minor">
+              <a:schemeClr val="tx1"/>
+            </a:fontRef>
+          </p:style>
+        </p:cxnSp>
+        <p:cxnSp>
+          <p:nvCxnSpPr>
+            <p:cNvPr id="33" name="Straight Connector 32">
               <a:extLst>
                 <a:ext uri="{FF2B5EF4-FFF2-40B4-BE49-F238E27FC236}">
-                  <a16:creationId xmlns:a16="http://schemas.microsoft.com/office/drawing/2014/main" id="{94C0CB87-3E91-1035-120F-798D683145DE}"/>
+                  <a16:creationId xmlns:a16="http://schemas.microsoft.com/office/drawing/2014/main" id="{700EBFEC-9601-CB6D-3928-685E83DE7125}"/>
                 </a:ext>
               </a:extLst>
             </p:cNvPr>
-            <p:cNvSpPr txBox="1"/>
+            <p:cNvCxnSpPr>
+              <a:cxnSpLocks/>
+            </p:cNvCxnSpPr>
             <p:nvPr/>
-          </p:nvSpPr>
+          </p:nvCxnSpPr>
           <p:spPr>
-            <a:xfrm rot="16200000">
-              <a:off x="3637055" y="3884936"/>
-              <a:ext cx="880369" cy="338554"/>
+            <a:xfrm>
+              <a:off x="2656982" y="1661345"/>
+              <a:ext cx="1274043" cy="0"/>
             </a:xfrm>
-            <a:prstGeom prst="rect">
+            <a:prstGeom prst="line">
               <a:avLst/>
             </a:prstGeom>
-            <a:solidFill>
-              <a:schemeClr val="bg1"/>
-            </a:solidFill>
+            <a:effectLst>
+              <a:outerShdw dist="20000" sx="1000" sy="1000" rotWithShape="0">
+                <a:srgbClr val="000000"/>
+              </a:outerShdw>
+            </a:effectLst>
           </p:spPr>
-          <p:txBody>
-            <a:bodyPr wrap="none" rtlCol="0">
-              <a:spAutoFit/>
-            </a:bodyPr>
-            <a:lstStyle/>
-            <a:p>
-              <a:r>
-                <a:rPr lang="en-US" sz="1600" dirty="0"/>
-                <a:t>catalyst</a:t>
-              </a:r>
-            </a:p>
-          </p:txBody>
-        </p:sp>
-        <p:sp>
-          <p:nvSpPr>
-            <p:cNvPr id="21" name="TextBox 20">
+          <p:style>
+            <a:lnRef idx="2">
+              <a:schemeClr val="accent1"/>
+            </a:lnRef>
+            <a:fillRef idx="0">
+              <a:schemeClr val="accent1"/>
+            </a:fillRef>
+            <a:effectRef idx="1">
+              <a:schemeClr val="accent1"/>
+            </a:effectRef>
+            <a:fontRef idx="minor">
+              <a:schemeClr val="tx1"/>
+            </a:fontRef>
+          </p:style>
+        </p:cxnSp>
+        <p:cxnSp>
+          <p:nvCxnSpPr>
+            <p:cNvPr id="34" name="Straight Connector 33">
               <a:extLst>
                 <a:ext uri="{FF2B5EF4-FFF2-40B4-BE49-F238E27FC236}">
-                  <a16:creationId xmlns:a16="http://schemas.microsoft.com/office/drawing/2014/main" id="{6554A9C4-FB56-8FC8-D8CD-078E12C091EF}"/>
+                  <a16:creationId xmlns:a16="http://schemas.microsoft.com/office/drawing/2014/main" id="{42E31EFF-113B-9039-EBF4-EF908BD003D2}"/>
                 </a:ext>
               </a:extLst>
             </p:cNvPr>
-            <p:cNvSpPr txBox="1"/>
+            <p:cNvCxnSpPr>
+              <a:cxnSpLocks/>
+            </p:cNvCxnSpPr>
             <p:nvPr/>
-          </p:nvSpPr>
+          </p:nvCxnSpPr>
           <p:spPr>
-            <a:xfrm>
-              <a:off x="4183425" y="3649952"/>
-              <a:ext cx="269626" cy="276999"/>
+            <a:xfrm flipH="1" flipV="1">
+              <a:off x="2972325" y="2603225"/>
+              <a:ext cx="23368" cy="799374"/>
             </a:xfrm>
-            <a:prstGeom prst="rect">
+            <a:prstGeom prst="line">
               <a:avLst/>
             </a:prstGeom>
-            <a:solidFill>
-              <a:schemeClr val="bg1"/>
-            </a:solidFill>
+            <a:effectLst>
+              <a:outerShdw dist="20000" sx="1000" sy="1000" rotWithShape="0">
+                <a:srgbClr val="000000"/>
+              </a:outerShdw>
+            </a:effectLst>
           </p:spPr>
-          <p:txBody>
-            <a:bodyPr wrap="none" rtlCol="0">
-              <a:spAutoFit/>
-            </a:bodyPr>
-            <a:lstStyle/>
-            <a:p>
-              <a:r>
-                <a:rPr lang="en-US" sz="1200" dirty="0"/>
-                <a:t>2</a:t>
-              </a:r>
-            </a:p>
-          </p:txBody>
-        </p:sp>
-        <p:sp>
-          <p:nvSpPr>
-            <p:cNvPr id="22" name="TextBox 21">
+          <p:style>
+            <a:lnRef idx="2">
+              <a:schemeClr val="accent1"/>
+            </a:lnRef>
+            <a:fillRef idx="0">
+              <a:schemeClr val="accent1"/>
+            </a:fillRef>
+            <a:effectRef idx="1">
+              <a:schemeClr val="accent1"/>
+            </a:effectRef>
+            <a:fontRef idx="minor">
+              <a:schemeClr val="tx1"/>
+            </a:fontRef>
+          </p:style>
+        </p:cxnSp>
+        <p:cxnSp>
+          <p:nvCxnSpPr>
+            <p:cNvPr id="35" name="Straight Connector 34">
               <a:extLst>
                 <a:ext uri="{FF2B5EF4-FFF2-40B4-BE49-F238E27FC236}">
-                  <a16:creationId xmlns:a16="http://schemas.microsoft.com/office/drawing/2014/main" id="{BAE81342-02B1-FDAA-BD37-CAD846E5C575}"/>
+                  <a16:creationId xmlns:a16="http://schemas.microsoft.com/office/drawing/2014/main" id="{C7E210A5-FE31-CC4C-AA29-41273D813DC2}"/>
                 </a:ext>
               </a:extLst>
             </p:cNvPr>
-            <p:cNvSpPr txBox="1"/>
+            <p:cNvCxnSpPr>
+              <a:cxnSpLocks/>
+            </p:cNvCxnSpPr>
             <p:nvPr/>
-          </p:nvSpPr>
+          </p:nvCxnSpPr>
           <p:spPr>
-            <a:xfrm>
-              <a:off x="4228046" y="4226742"/>
-              <a:ext cx="269626" cy="276999"/>
+            <a:xfrm flipH="1" flipV="1">
+              <a:off x="3931025" y="1653945"/>
+              <a:ext cx="19766" cy="806776"/>
             </a:xfrm>
-            <a:prstGeom prst="rect">
+            <a:prstGeom prst="line">
               <a:avLst/>
             </a:prstGeom>
-            <a:solidFill>
-              <a:schemeClr val="bg1"/>
-            </a:solidFill>
+            <a:effectLst>
+              <a:outerShdw dist="20000" sx="1000" sy="1000" rotWithShape="0">
+                <a:srgbClr val="000000"/>
+              </a:outerShdw>
+            </a:effectLst>
           </p:spPr>
-          <p:txBody>
-            <a:bodyPr wrap="none" rtlCol="0">
-              <a:spAutoFit/>
-            </a:bodyPr>
-            <a:lstStyle/>
-            <a:p>
-              <a:r>
-                <a:rPr lang="en-US" sz="1200" dirty="0"/>
-                <a:t>4</a:t>
-              </a:r>
-            </a:p>
-          </p:txBody>
-        </p:sp>
-        <p:sp>
-          <p:nvSpPr>
-            <p:cNvPr id="23" name="TextBox 22">
+          <p:style>
+            <a:lnRef idx="2">
+              <a:schemeClr val="accent1"/>
+            </a:lnRef>
+            <a:fillRef idx="0">
+              <a:schemeClr val="accent1"/>
+            </a:fillRef>
+            <a:effectRef idx="1">
+              <a:schemeClr val="accent1"/>
+            </a:effectRef>
+            <a:fontRef idx="minor">
+              <a:schemeClr val="tx1"/>
+            </a:fontRef>
+          </p:style>
+        </p:cxnSp>
+        <p:cxnSp>
+          <p:nvCxnSpPr>
+            <p:cNvPr id="36" name="Straight Connector 35">
               <a:extLst>
                 <a:ext uri="{FF2B5EF4-FFF2-40B4-BE49-F238E27FC236}">
-                  <a16:creationId xmlns:a16="http://schemas.microsoft.com/office/drawing/2014/main" id="{E4D9837B-4419-0570-1CD3-C5E9624C8619}"/>
+                  <a16:creationId xmlns:a16="http://schemas.microsoft.com/office/drawing/2014/main" id="{C2988CF9-8D27-479E-ACDF-2A3FB53D6617}"/>
                 </a:ext>
               </a:extLst>
             </p:cNvPr>
-            <p:cNvSpPr txBox="1"/>
+            <p:cNvCxnSpPr>
+              <a:cxnSpLocks/>
+            </p:cNvCxnSpPr>
             <p:nvPr/>
-          </p:nvSpPr>
+          </p:nvCxnSpPr>
           <p:spPr>
-            <a:xfrm>
-              <a:off x="4392353" y="4520448"/>
-              <a:ext cx="439544" cy="276999"/>
+            <a:xfrm flipH="1" flipV="1">
+              <a:off x="1738137" y="2590735"/>
+              <a:ext cx="46582" cy="799374"/>
             </a:xfrm>
-            <a:prstGeom prst="rect">
+            <a:prstGeom prst="line">
               <a:avLst/>
             </a:prstGeom>
-            <a:solidFill>
-              <a:schemeClr val="bg1"/>
-            </a:solidFill>
+            <a:effectLst>
+              <a:outerShdw dist="20000" sx="1000" sy="1000" rotWithShape="0">
+                <a:srgbClr val="000000"/>
+              </a:outerShdw>
+            </a:effectLst>
           </p:spPr>
-          <p:txBody>
-            <a:bodyPr wrap="none" rtlCol="0">
-              <a:spAutoFit/>
-            </a:bodyPr>
-            <a:lstStyle/>
-            <a:p>
-              <a:r>
-                <a:rPr lang="en-US" sz="1200" dirty="0"/>
-                <a:t>100</a:t>
-              </a:r>
-            </a:p>
-          </p:txBody>
-        </p:sp>
+          <p:style>
+            <a:lnRef idx="2">
+              <a:schemeClr val="accent1"/>
+            </a:lnRef>
+            <a:fillRef idx="0">
+              <a:schemeClr val="accent1"/>
+            </a:fillRef>
+            <a:effectRef idx="1">
+              <a:schemeClr val="accent1"/>
+            </a:effectRef>
+            <a:fontRef idx="minor">
+              <a:schemeClr val="tx1"/>
+            </a:fontRef>
+          </p:style>
+        </p:cxnSp>
+        <p:cxnSp>
+          <p:nvCxnSpPr>
+            <p:cNvPr id="37" name="Straight Connector 36">
+              <a:extLst>
+                <a:ext uri="{FF2B5EF4-FFF2-40B4-BE49-F238E27FC236}">
+                  <a16:creationId xmlns:a16="http://schemas.microsoft.com/office/drawing/2014/main" id="{E7A96053-57D2-8033-EBA2-6ED63DA5F4CE}"/>
+                </a:ext>
+              </a:extLst>
+            </p:cNvPr>
+            <p:cNvCxnSpPr>
+              <a:cxnSpLocks/>
+            </p:cNvCxnSpPr>
+            <p:nvPr/>
+          </p:nvCxnSpPr>
+          <p:spPr>
+            <a:xfrm flipH="1" flipV="1">
+              <a:off x="2656869" y="1649232"/>
+              <a:ext cx="34975" cy="826572"/>
+            </a:xfrm>
+            <a:prstGeom prst="line">
+              <a:avLst/>
+            </a:prstGeom>
+            <a:effectLst>
+              <a:outerShdw dist="20000" sx="1000" sy="1000" rotWithShape="0">
+                <a:srgbClr val="000000"/>
+              </a:outerShdw>
+            </a:effectLst>
+          </p:spPr>
+          <p:style>
+            <a:lnRef idx="2">
+              <a:schemeClr val="accent1"/>
+            </a:lnRef>
+            <a:fillRef idx="0">
+              <a:schemeClr val="accent1"/>
+            </a:fillRef>
+            <a:effectRef idx="1">
+              <a:schemeClr val="accent1"/>
+            </a:effectRef>
+            <a:fontRef idx="minor">
+              <a:schemeClr val="tx1"/>
+            </a:fontRef>
+          </p:style>
+        </p:cxnSp>
       </p:grpSp>
+      <p:sp>
+        <p:nvSpPr>
+          <p:cNvPr id="19" name="TextBox 18">
+            <a:extLst>
+              <a:ext uri="{FF2B5EF4-FFF2-40B4-BE49-F238E27FC236}">
+                <a16:creationId xmlns:a16="http://schemas.microsoft.com/office/drawing/2014/main" id="{D097BC90-65D9-988C-E722-A39B13DC19B4}"/>
+              </a:ext>
+            </a:extLst>
+          </p:cNvPr>
+          <p:cNvSpPr txBox="1"/>
+          <p:nvPr/>
+        </p:nvSpPr>
+        <p:spPr>
+          <a:xfrm>
+            <a:off x="1785057" y="3629867"/>
+            <a:ext cx="1292341" cy="338554"/>
+          </a:xfrm>
+          <a:prstGeom prst="rect">
+            <a:avLst/>
+          </a:prstGeom>
+          <a:solidFill>
+            <a:schemeClr val="bg1"/>
+          </a:solidFill>
+        </p:spPr>
+        <p:txBody>
+          <a:bodyPr wrap="none" rtlCol="0">
+            <a:spAutoFit/>
+          </a:bodyPr>
+          <a:lstStyle/>
+          <a:p>
+            <a:r>
+              <a:rPr lang="en-US" sz="1600" dirty="0"/>
+              <a:t>temperature</a:t>
+            </a:r>
+          </a:p>
+        </p:txBody>
+      </p:sp>
+      <p:sp>
+        <p:nvSpPr>
+          <p:cNvPr id="20" name="TextBox 19">
+            <a:extLst>
+              <a:ext uri="{FF2B5EF4-FFF2-40B4-BE49-F238E27FC236}">
+                <a16:creationId xmlns:a16="http://schemas.microsoft.com/office/drawing/2014/main" id="{94C0CB87-3E91-1035-120F-798D683145DE}"/>
+              </a:ext>
+            </a:extLst>
+          </p:cNvPr>
+          <p:cNvSpPr txBox="1"/>
+          <p:nvPr/>
+        </p:nvSpPr>
+        <p:spPr>
+          <a:xfrm rot="16200000">
+            <a:off x="880794" y="2808223"/>
+            <a:ext cx="880369" cy="338554"/>
+          </a:xfrm>
+          <a:prstGeom prst="rect">
+            <a:avLst/>
+          </a:prstGeom>
+          <a:solidFill>
+            <a:schemeClr val="bg1"/>
+          </a:solidFill>
+        </p:spPr>
+        <p:txBody>
+          <a:bodyPr wrap="none" rtlCol="0">
+            <a:spAutoFit/>
+          </a:bodyPr>
+          <a:lstStyle/>
+          <a:p>
+            <a:r>
+              <a:rPr lang="en-US" sz="1600" dirty="0"/>
+              <a:t>catalyst</a:t>
+            </a:r>
+          </a:p>
+        </p:txBody>
+      </p:sp>
+      <p:sp>
+        <p:nvSpPr>
+          <p:cNvPr id="21" name="TextBox 20">
+            <a:extLst>
+              <a:ext uri="{FF2B5EF4-FFF2-40B4-BE49-F238E27FC236}">
+                <a16:creationId xmlns:a16="http://schemas.microsoft.com/office/drawing/2014/main" id="{6554A9C4-FB56-8FC8-D8CD-078E12C091EF}"/>
+              </a:ext>
+            </a:extLst>
+          </p:cNvPr>
+          <p:cNvSpPr txBox="1"/>
+          <p:nvPr/>
+        </p:nvSpPr>
+        <p:spPr>
+          <a:xfrm>
+            <a:off x="1427164" y="2573239"/>
+            <a:ext cx="269626" cy="276999"/>
+          </a:xfrm>
+          <a:prstGeom prst="rect">
+            <a:avLst/>
+          </a:prstGeom>
+          <a:solidFill>
+            <a:schemeClr val="bg1"/>
+          </a:solidFill>
+        </p:spPr>
+        <p:txBody>
+          <a:bodyPr wrap="none" rtlCol="0">
+            <a:spAutoFit/>
+          </a:bodyPr>
+          <a:lstStyle/>
+          <a:p>
+            <a:r>
+              <a:rPr lang="en-US" sz="1200" dirty="0"/>
+              <a:t>2</a:t>
+            </a:r>
+          </a:p>
+        </p:txBody>
+      </p:sp>
+      <p:sp>
+        <p:nvSpPr>
+          <p:cNvPr id="22" name="TextBox 21">
+            <a:extLst>
+              <a:ext uri="{FF2B5EF4-FFF2-40B4-BE49-F238E27FC236}">
+                <a16:creationId xmlns:a16="http://schemas.microsoft.com/office/drawing/2014/main" id="{BAE81342-02B1-FDAA-BD37-CAD846E5C575}"/>
+              </a:ext>
+            </a:extLst>
+          </p:cNvPr>
+          <p:cNvSpPr txBox="1"/>
+          <p:nvPr/>
+        </p:nvSpPr>
+        <p:spPr>
+          <a:xfrm>
+            <a:off x="1471785" y="3150029"/>
+            <a:ext cx="269626" cy="276999"/>
+          </a:xfrm>
+          <a:prstGeom prst="rect">
+            <a:avLst/>
+          </a:prstGeom>
+          <a:solidFill>
+            <a:schemeClr val="bg1"/>
+          </a:solidFill>
+        </p:spPr>
+        <p:txBody>
+          <a:bodyPr wrap="none" rtlCol="0">
+            <a:spAutoFit/>
+          </a:bodyPr>
+          <a:lstStyle/>
+          <a:p>
+            <a:r>
+              <a:rPr lang="en-US" sz="1200" dirty="0"/>
+              <a:t>4</a:t>
+            </a:r>
+          </a:p>
+        </p:txBody>
+      </p:sp>
+      <p:sp>
+        <p:nvSpPr>
+          <p:cNvPr id="23" name="TextBox 22">
+            <a:extLst>
+              <a:ext uri="{FF2B5EF4-FFF2-40B4-BE49-F238E27FC236}">
+                <a16:creationId xmlns:a16="http://schemas.microsoft.com/office/drawing/2014/main" id="{E4D9837B-4419-0570-1CD3-C5E9624C8619}"/>
+              </a:ext>
+            </a:extLst>
+          </p:cNvPr>
+          <p:cNvSpPr txBox="1"/>
+          <p:nvPr/>
+        </p:nvSpPr>
+        <p:spPr>
+          <a:xfrm>
+            <a:off x="1636092" y="3443735"/>
+            <a:ext cx="439544" cy="276999"/>
+          </a:xfrm>
+          <a:prstGeom prst="rect">
+            <a:avLst/>
+          </a:prstGeom>
+          <a:solidFill>
+            <a:schemeClr val="bg1"/>
+          </a:solidFill>
+        </p:spPr>
+        <p:txBody>
+          <a:bodyPr wrap="none" rtlCol="0">
+            <a:spAutoFit/>
+          </a:bodyPr>
+          <a:lstStyle/>
+          <a:p>
+            <a:r>
+              <a:rPr lang="en-US" sz="1200" dirty="0"/>
+              <a:t>100</a:t>
+            </a:r>
+          </a:p>
+        </p:txBody>
+      </p:sp>
     </p:spTree>
     <p:extLst>
       <p:ext uri="{BB962C8B-B14F-4D97-AF65-F5344CB8AC3E}">

--- a/Lectures/Design-Of-Experiments/doe_overview.pptx
+++ b/Lectures/Design-Of-Experiments/doe_overview.pptx
@@ -298,7 +298,7 @@
               <a:pPr>
                 <a:defRPr/>
               </a:pPr>
-              <a:t>10/31/22</a:t>
+              <a:t>11/2/22</a:t>
             </a:fld>
             <a:endParaRPr lang="en-US" altLang="x-none"/>
           </a:p>
@@ -507,7 +507,7 @@
               <a:pPr>
                 <a:defRPr/>
               </a:pPr>
-              <a:t>10/31/22</a:t>
+              <a:t>11/2/22</a:t>
             </a:fld>
             <a:endParaRPr lang="en-US" altLang="x-none"/>
           </a:p>
@@ -13377,8 +13377,8 @@
           </a:p>
         </p:txBody>
       </p:sp>
-      <mc:AlternateContent xmlns:mc="http://schemas.openxmlformats.org/markup-compatibility/2006">
-        <mc:Choice xmlns:a14="http://schemas.microsoft.com/office/drawing/2010/main" Requires="a14">
+      <mc:AlternateContent xmlns:mc="http://schemas.openxmlformats.org/markup-compatibility/2006" xmlns:a14="http://schemas.microsoft.com/office/drawing/2010/main">
+        <mc:Choice Requires="a14">
           <p:sp>
             <p:nvSpPr>
               <p:cNvPr id="22" name="TextBox 21">
@@ -13787,7 +13787,7 @@
             </p:txBody>
           </p:sp>
         </mc:Choice>
-        <mc:Fallback>
+        <mc:Fallback xmlns="">
           <p:sp>
             <p:nvSpPr>
               <p:cNvPr id="22" name="TextBox 21">
@@ -23594,129 +23594,6 @@
           <a:chExt cx="0" cy="0"/>
         </a:xfrm>
       </p:grpSpPr>
-      <p:grpSp>
-        <p:nvGrpSpPr>
-          <p:cNvPr id="10" name="Group 9">
-            <a:extLst>
-              <a:ext uri="{FF2B5EF4-FFF2-40B4-BE49-F238E27FC236}">
-                <a16:creationId xmlns:a16="http://schemas.microsoft.com/office/drawing/2014/main" id="{A7C0795D-0E9A-C0BD-5951-5D785A68FC48}"/>
-              </a:ext>
-            </a:extLst>
-          </p:cNvPr>
-          <p:cNvGrpSpPr/>
-          <p:nvPr/>
-        </p:nvGrpSpPr>
-        <p:grpSpPr>
-          <a:xfrm>
-            <a:off x="987552" y="839007"/>
-            <a:ext cx="6163056" cy="2880848"/>
-            <a:chOff x="987552" y="839007"/>
-            <a:chExt cx="6163056" cy="2880848"/>
-          </a:xfrm>
-        </p:grpSpPr>
-        <p:pic>
-          <p:nvPicPr>
-            <p:cNvPr id="13314" name="Picture 2" descr="Design of Experiments (DoE) | Method, Chemistry, Videos">
-              <a:extLst>
-                <a:ext uri="{FF2B5EF4-FFF2-40B4-BE49-F238E27FC236}">
-                  <a16:creationId xmlns:a16="http://schemas.microsoft.com/office/drawing/2014/main" id="{C176EC80-0088-F042-B839-B09C7DC218B6}"/>
-                </a:ext>
-              </a:extLst>
-            </p:cNvPr>
-            <p:cNvPicPr>
-              <a:picLocks noChangeAspect="1" noChangeArrowheads="1"/>
-            </p:cNvPicPr>
-            <p:nvPr/>
-          </p:nvPicPr>
-          <p:blipFill>
-            <a:blip r:embed="rId2">
-              <a:extLst>
-                <a:ext uri="{28A0092B-C50C-407E-A947-70E740481C1C}">
-                  <a14:useLocalDpi xmlns:a14="http://schemas.microsoft.com/office/drawing/2010/main" val="0"/>
-                </a:ext>
-              </a:extLst>
-            </a:blip>
-            <a:srcRect/>
-            <a:stretch>
-              <a:fillRect/>
-            </a:stretch>
-          </p:blipFill>
-          <p:spPr bwMode="auto">
-            <a:xfrm>
-              <a:off x="987552" y="856488"/>
-              <a:ext cx="6163056" cy="2863367"/>
-            </a:xfrm>
-            <a:prstGeom prst="rect">
-              <a:avLst/>
-            </a:prstGeom>
-            <a:noFill/>
-            <a:extLst>
-              <a:ext uri="{909E8E84-426E-40DD-AFC4-6F175D3DCCD1}">
-                <a14:hiddenFill xmlns:a14="http://schemas.microsoft.com/office/drawing/2010/main">
-                  <a:solidFill>
-                    <a:srgbClr val="FFFFFF"/>
-                  </a:solidFill>
-                </a14:hiddenFill>
-              </a:ext>
-            </a:extLst>
-          </p:spPr>
-        </p:pic>
-        <p:sp>
-          <p:nvSpPr>
-            <p:cNvPr id="6" name="Rectangle 5">
-              <a:extLst>
-                <a:ext uri="{FF2B5EF4-FFF2-40B4-BE49-F238E27FC236}">
-                  <a16:creationId xmlns:a16="http://schemas.microsoft.com/office/drawing/2014/main" id="{0C78D342-2525-F44F-61D5-E8B8E568B340}"/>
-                </a:ext>
-              </a:extLst>
-            </p:cNvPr>
-            <p:cNvSpPr/>
-            <p:nvPr/>
-          </p:nvSpPr>
-          <p:spPr>
-            <a:xfrm>
-              <a:off x="987552" y="839007"/>
-              <a:ext cx="3086737" cy="2737570"/>
-            </a:xfrm>
-            <a:prstGeom prst="rect">
-              <a:avLst/>
-            </a:prstGeom>
-            <a:solidFill>
-              <a:schemeClr val="bg1"/>
-            </a:solidFill>
-            <a:ln>
-              <a:noFill/>
-            </a:ln>
-            <a:effectLst>
-              <a:outerShdw dist="23000" sx="1000" sy="1000" rotWithShape="0">
-                <a:srgbClr val="000000"/>
-              </a:outerShdw>
-            </a:effectLst>
-          </p:spPr>
-          <p:style>
-            <a:lnRef idx="1">
-              <a:schemeClr val="accent1"/>
-            </a:lnRef>
-            <a:fillRef idx="3">
-              <a:schemeClr val="accent1"/>
-            </a:fillRef>
-            <a:effectRef idx="2">
-              <a:schemeClr val="accent1"/>
-            </a:effectRef>
-            <a:fontRef idx="minor">
-              <a:schemeClr val="lt1"/>
-            </a:fontRef>
-          </p:style>
-          <p:txBody>
-            <a:bodyPr rtlCol="0" anchor="ctr"/>
-            <a:lstStyle/>
-            <a:p>
-              <a:pPr algn="ctr"/>
-              <a:endParaRPr lang="en-US"/>
-            </a:p>
-          </p:txBody>
-        </p:sp>
-      </p:grpSp>
       <p:sp>
         <p:nvSpPr>
           <p:cNvPr id="4" name="Title 3">
@@ -23963,6 +23840,312 @@
           </a:p>
         </p:txBody>
       </p:sp>
+      <p:grpSp>
+        <p:nvGrpSpPr>
+          <p:cNvPr id="21" name="Group 20">
+            <a:extLst>
+              <a:ext uri="{FF2B5EF4-FFF2-40B4-BE49-F238E27FC236}">
+                <a16:creationId xmlns:a16="http://schemas.microsoft.com/office/drawing/2014/main" id="{7FEDCF9E-347F-25E8-0D11-7E228DE03C47}"/>
+              </a:ext>
+            </a:extLst>
+          </p:cNvPr>
+          <p:cNvGrpSpPr/>
+          <p:nvPr/>
+        </p:nvGrpSpPr>
+        <p:grpSpPr>
+          <a:xfrm>
+            <a:off x="1118584" y="770659"/>
+            <a:ext cx="6163056" cy="2880848"/>
+            <a:chOff x="987552" y="839007"/>
+            <a:chExt cx="6163056" cy="2880848"/>
+          </a:xfrm>
+        </p:grpSpPr>
+        <p:grpSp>
+          <p:nvGrpSpPr>
+            <p:cNvPr id="20" name="Group 19">
+              <a:extLst>
+                <a:ext uri="{FF2B5EF4-FFF2-40B4-BE49-F238E27FC236}">
+                  <a16:creationId xmlns:a16="http://schemas.microsoft.com/office/drawing/2014/main" id="{64DBBE3D-49CC-0EA3-0390-BA26FD1261C3}"/>
+                </a:ext>
+              </a:extLst>
+            </p:cNvPr>
+            <p:cNvGrpSpPr/>
+            <p:nvPr/>
+          </p:nvGrpSpPr>
+          <p:grpSpPr>
+            <a:xfrm>
+              <a:off x="987552" y="839007"/>
+              <a:ext cx="6163056" cy="2880848"/>
+              <a:chOff x="987552" y="839007"/>
+              <a:chExt cx="6163056" cy="2880848"/>
+            </a:xfrm>
+          </p:grpSpPr>
+          <p:pic>
+            <p:nvPicPr>
+              <p:cNvPr id="13314" name="Picture 2" descr="Design of Experiments (DoE) | Method, Chemistry, Videos">
+                <a:extLst>
+                  <a:ext uri="{FF2B5EF4-FFF2-40B4-BE49-F238E27FC236}">
+                    <a16:creationId xmlns:a16="http://schemas.microsoft.com/office/drawing/2014/main" id="{C176EC80-0088-F042-B839-B09C7DC218B6}"/>
+                  </a:ext>
+                </a:extLst>
+              </p:cNvPr>
+              <p:cNvPicPr>
+                <a:picLocks noChangeAspect="1" noChangeArrowheads="1"/>
+              </p:cNvPicPr>
+              <p:nvPr/>
+            </p:nvPicPr>
+            <p:blipFill>
+              <a:blip r:embed="rId2">
+                <a:extLst>
+                  <a:ext uri="{28A0092B-C50C-407E-A947-70E740481C1C}">
+                    <a14:useLocalDpi xmlns:a14="http://schemas.microsoft.com/office/drawing/2010/main" val="0"/>
+                  </a:ext>
+                </a:extLst>
+              </a:blip>
+              <a:srcRect/>
+              <a:stretch>
+                <a:fillRect/>
+              </a:stretch>
+            </p:blipFill>
+            <p:spPr bwMode="auto">
+              <a:xfrm>
+                <a:off x="987552" y="856488"/>
+                <a:ext cx="6163056" cy="2863367"/>
+              </a:xfrm>
+              <a:prstGeom prst="rect">
+                <a:avLst/>
+              </a:prstGeom>
+              <a:noFill/>
+              <a:extLst>
+                <a:ext uri="{909E8E84-426E-40DD-AFC4-6F175D3DCCD1}">
+                  <a14:hiddenFill xmlns:a14="http://schemas.microsoft.com/office/drawing/2010/main">
+                    <a:solidFill>
+                      <a:srgbClr val="FFFFFF"/>
+                    </a:solidFill>
+                  </a14:hiddenFill>
+                </a:ext>
+              </a:extLst>
+            </p:spPr>
+          </p:pic>
+          <p:sp>
+            <p:nvSpPr>
+              <p:cNvPr id="6" name="Rectangle 5">
+                <a:extLst>
+                  <a:ext uri="{FF2B5EF4-FFF2-40B4-BE49-F238E27FC236}">
+                    <a16:creationId xmlns:a16="http://schemas.microsoft.com/office/drawing/2014/main" id="{0C78D342-2525-F44F-61D5-E8B8E568B340}"/>
+                  </a:ext>
+                </a:extLst>
+              </p:cNvPr>
+              <p:cNvSpPr/>
+              <p:nvPr/>
+            </p:nvSpPr>
+            <p:spPr>
+              <a:xfrm>
+                <a:off x="987552" y="839007"/>
+                <a:ext cx="3086737" cy="2737570"/>
+              </a:xfrm>
+              <a:prstGeom prst="rect">
+                <a:avLst/>
+              </a:prstGeom>
+              <a:solidFill>
+                <a:schemeClr val="bg1"/>
+              </a:solidFill>
+              <a:ln>
+                <a:noFill/>
+              </a:ln>
+              <a:effectLst>
+                <a:outerShdw dist="23000" sx="1000" sy="1000" rotWithShape="0">
+                  <a:srgbClr val="000000"/>
+                </a:outerShdw>
+              </a:effectLst>
+            </p:spPr>
+            <p:style>
+              <a:lnRef idx="1">
+                <a:schemeClr val="accent1"/>
+              </a:lnRef>
+              <a:fillRef idx="3">
+                <a:schemeClr val="accent1"/>
+              </a:fillRef>
+              <a:effectRef idx="2">
+                <a:schemeClr val="accent1"/>
+              </a:effectRef>
+              <a:fontRef idx="minor">
+                <a:schemeClr val="lt1"/>
+              </a:fontRef>
+            </p:style>
+            <p:txBody>
+              <a:bodyPr rtlCol="0" anchor="ctr"/>
+              <a:lstStyle/>
+              <a:p>
+                <a:pPr algn="ctr"/>
+                <a:endParaRPr lang="en-US"/>
+              </a:p>
+            </p:txBody>
+          </p:sp>
+        </p:grpSp>
+        <p:sp>
+          <p:nvSpPr>
+            <p:cNvPr id="8" name="Rectangle 7">
+              <a:extLst>
+                <a:ext uri="{FF2B5EF4-FFF2-40B4-BE49-F238E27FC236}">
+                  <a16:creationId xmlns:a16="http://schemas.microsoft.com/office/drawing/2014/main" id="{CA188A9C-A5DA-164B-F0D9-EB87CEA70940}"/>
+                </a:ext>
+              </a:extLst>
+            </p:cNvPr>
+            <p:cNvSpPr/>
+            <p:nvPr/>
+          </p:nvSpPr>
+          <p:spPr>
+            <a:xfrm>
+              <a:off x="6006779" y="2245488"/>
+              <a:ext cx="752836" cy="162045"/>
+            </a:xfrm>
+            <a:prstGeom prst="rect">
+              <a:avLst/>
+            </a:prstGeom>
+            <a:noFill/>
+            <a:ln w="76200">
+              <a:solidFill>
+                <a:schemeClr val="tx2">
+                  <a:lumMod val="20000"/>
+                  <a:lumOff val="80000"/>
+                </a:schemeClr>
+              </a:solidFill>
+            </a:ln>
+            <a:effectLst>
+              <a:outerShdw dist="23000" sx="1000" sy="1000" rotWithShape="0">
+                <a:srgbClr val="000000"/>
+              </a:outerShdw>
+            </a:effectLst>
+          </p:spPr>
+          <p:style>
+            <a:lnRef idx="1">
+              <a:schemeClr val="accent1"/>
+            </a:lnRef>
+            <a:fillRef idx="3">
+              <a:schemeClr val="accent1"/>
+            </a:fillRef>
+            <a:effectRef idx="2">
+              <a:schemeClr val="accent1"/>
+            </a:effectRef>
+            <a:fontRef idx="minor">
+              <a:schemeClr val="lt1"/>
+            </a:fontRef>
+          </p:style>
+          <p:txBody>
+            <a:bodyPr rtlCol="0" anchor="ctr"/>
+            <a:lstStyle/>
+            <a:p>
+              <a:pPr algn="ctr"/>
+              <a:endParaRPr lang="en-US"/>
+            </a:p>
+          </p:txBody>
+        </p:sp>
+        <p:cxnSp>
+          <p:nvCxnSpPr>
+            <p:cNvPr id="12" name="Straight Connector 11">
+              <a:extLst>
+                <a:ext uri="{FF2B5EF4-FFF2-40B4-BE49-F238E27FC236}">
+                  <a16:creationId xmlns:a16="http://schemas.microsoft.com/office/drawing/2014/main" id="{3CB8F0BF-9469-7282-14E3-FC44755BAD55}"/>
+                </a:ext>
+              </a:extLst>
+            </p:cNvPr>
+            <p:cNvCxnSpPr>
+              <a:cxnSpLocks/>
+              <a:stCxn id="8" idx="2"/>
+              <a:endCxn id="16" idx="2"/>
+            </p:cNvCxnSpPr>
+            <p:nvPr/>
+          </p:nvCxnSpPr>
+          <p:spPr>
+            <a:xfrm>
+              <a:off x="6383197" y="2407533"/>
+              <a:ext cx="0" cy="165169"/>
+            </a:xfrm>
+            <a:prstGeom prst="line">
+              <a:avLst/>
+            </a:prstGeom>
+            <a:ln w="38100">
+              <a:solidFill>
+                <a:schemeClr val="accent1">
+                  <a:lumMod val="40000"/>
+                  <a:lumOff val="60000"/>
+                </a:schemeClr>
+              </a:solidFill>
+            </a:ln>
+            <a:effectLst/>
+          </p:spPr>
+          <p:style>
+            <a:lnRef idx="2">
+              <a:schemeClr val="accent1"/>
+            </a:lnRef>
+            <a:fillRef idx="0">
+              <a:schemeClr val="accent1"/>
+            </a:fillRef>
+            <a:effectRef idx="1">
+              <a:schemeClr val="accent1"/>
+            </a:effectRef>
+            <a:fontRef idx="minor">
+              <a:schemeClr val="tx1"/>
+            </a:fontRef>
+          </p:style>
+        </p:cxnSp>
+        <p:sp>
+          <p:nvSpPr>
+            <p:cNvPr id="16" name="Rectangle 15">
+              <a:extLst>
+                <a:ext uri="{FF2B5EF4-FFF2-40B4-BE49-F238E27FC236}">
+                  <a16:creationId xmlns:a16="http://schemas.microsoft.com/office/drawing/2014/main" id="{98ED895C-56C4-89FE-3633-9C12F3205A34}"/>
+                </a:ext>
+              </a:extLst>
+            </p:cNvPr>
+            <p:cNvSpPr/>
+            <p:nvPr/>
+          </p:nvSpPr>
+          <p:spPr>
+            <a:xfrm>
+              <a:off x="6006779" y="2410657"/>
+              <a:ext cx="752836" cy="162045"/>
+            </a:xfrm>
+            <a:prstGeom prst="rect">
+              <a:avLst/>
+            </a:prstGeom>
+            <a:noFill/>
+            <a:ln w="12700">
+              <a:solidFill>
+                <a:srgbClr val="FF0000"/>
+              </a:solidFill>
+            </a:ln>
+            <a:effectLst>
+              <a:outerShdw dist="23000" sx="1000" sy="1000" rotWithShape="0">
+                <a:srgbClr val="000000"/>
+              </a:outerShdw>
+            </a:effectLst>
+          </p:spPr>
+          <p:style>
+            <a:lnRef idx="1">
+              <a:schemeClr val="accent1"/>
+            </a:lnRef>
+            <a:fillRef idx="3">
+              <a:schemeClr val="accent1"/>
+            </a:fillRef>
+            <a:effectRef idx="2">
+              <a:schemeClr val="accent1"/>
+            </a:effectRef>
+            <a:fontRef idx="minor">
+              <a:schemeClr val="lt1"/>
+            </a:fontRef>
+          </p:style>
+          <p:txBody>
+            <a:bodyPr rtlCol="0" anchor="ctr"/>
+            <a:lstStyle/>
+            <a:p>
+              <a:pPr algn="ctr"/>
+              <a:endParaRPr lang="en-US"/>
+            </a:p>
+          </p:txBody>
+        </p:sp>
+      </p:grpSp>
       <p:sp>
         <p:nvSpPr>
           <p:cNvPr id="9" name="TextBox 8">
@@ -24029,7 +24212,7 @@
                             </p:stCondLst>
                             <p:childTnLst>
                               <p:par>
-                                <p:cTn id="5" presetID="1" presetClass="entr" presetSubtype="0" fill="hold" nodeType="clickEffect">
+                                <p:cTn id="5" presetID="1" presetClass="entr" presetSubtype="0" fill="hold" grpId="0" nodeType="clickEffect">
                                   <p:stCondLst>
                                     <p:cond delay="0"/>
                                   </p:stCondLst>
@@ -24042,7 +24225,7 @@
                                           </p:stCondLst>
                                         </p:cTn>
                                         <p:tgtEl>
-                                          <p:spTgt spid="10"/>
+                                          <p:spTgt spid="3"/>
                                         </p:tgtEl>
                                         <p:attrNameLst>
                                           <p:attrName>style.visibility</p:attrName>
@@ -24087,7 +24270,7 @@
                                           </p:stCondLst>
                                         </p:cTn>
                                         <p:tgtEl>
-                                          <p:spTgt spid="3"/>
+                                          <p:spTgt spid="7"/>
                                         </p:tgtEl>
                                         <p:attrNameLst>
                                           <p:attrName>style.visibility</p:attrName>
@@ -24127,51 +24310,6 @@
                                     <p:set>
                                       <p:cBhvr>
                                         <p:cTn id="14" dur="1" fill="hold">
-                                          <p:stCondLst>
-                                            <p:cond delay="0"/>
-                                          </p:stCondLst>
-                                        </p:cTn>
-                                        <p:tgtEl>
-                                          <p:spTgt spid="7"/>
-                                        </p:tgtEl>
-                                        <p:attrNameLst>
-                                          <p:attrName>style.visibility</p:attrName>
-                                        </p:attrNameLst>
-                                      </p:cBhvr>
-                                      <p:to>
-                                        <p:strVal val="visible"/>
-                                      </p:to>
-                                    </p:set>
-                                  </p:childTnLst>
-                                </p:cTn>
-                              </p:par>
-                            </p:childTnLst>
-                          </p:cTn>
-                        </p:par>
-                      </p:childTnLst>
-                    </p:cTn>
-                  </p:par>
-                  <p:par>
-                    <p:cTn id="15" fill="hold">
-                      <p:stCondLst>
-                        <p:cond delay="indefinite"/>
-                      </p:stCondLst>
-                      <p:childTnLst>
-                        <p:par>
-                          <p:cTn id="16" fill="hold">
-                            <p:stCondLst>
-                              <p:cond delay="0"/>
-                            </p:stCondLst>
-                            <p:childTnLst>
-                              <p:par>
-                                <p:cTn id="17" presetID="1" presetClass="entr" presetSubtype="0" fill="hold" grpId="0" nodeType="clickEffect">
-                                  <p:stCondLst>
-                                    <p:cond delay="0"/>
-                                  </p:stCondLst>
-                                  <p:childTnLst>
-                                    <p:set>
-                                      <p:cBhvr>
-                                        <p:cTn id="18" dur="1" fill="hold">
                                           <p:stCondLst>
                                             <p:cond delay="0"/>
                                           </p:stCondLst>
@@ -24701,7 +24839,7 @@
         <p:spPr>
           <a:xfrm>
             <a:off x="514805" y="4576899"/>
-            <a:ext cx="7263527" cy="369332"/>
+            <a:ext cx="7327647" cy="646331"/>
           </a:xfrm>
           <a:prstGeom prst="rect">
             <a:avLst/>
@@ -24719,6 +24857,17 @@
               <a:t>Each vertex is an experiment condition, a combination of factor levels.</a:t>
             </a:r>
           </a:p>
+          <a:p>
+            <a:r>
+              <a:rPr lang="en-US" dirty="0"/>
+              <a:t>This corresponds to a row in </a:t>
+            </a:r>
+            <a:r>
+              <a:rPr lang="en-US"/>
+              <a:t>the table.</a:t>
+            </a:r>
+            <a:endParaRPr lang="en-US" dirty="0"/>
+          </a:p>
         </p:txBody>
       </p:sp>
       <p:sp>
@@ -24735,7 +24884,7 @@
         </p:nvSpPr>
         <p:spPr>
           <a:xfrm>
-            <a:off x="987552" y="1476085"/>
+            <a:off x="941252" y="1476085"/>
             <a:ext cx="3086737" cy="2737570"/>
           </a:xfrm>
           <a:prstGeom prst="rect">
@@ -25722,6 +25871,36 @@
           </p:style>
         </p:cxnSp>
       </p:grpSp>
+      <p:pic>
+        <p:nvPicPr>
+          <p:cNvPr id="5" name="Picture 4" descr="Table&#10;&#10;Description automatically generated">
+            <a:extLst>
+              <a:ext uri="{FF2B5EF4-FFF2-40B4-BE49-F238E27FC236}">
+                <a16:creationId xmlns:a16="http://schemas.microsoft.com/office/drawing/2014/main" id="{9331E7BB-BF9C-8A35-ED65-49104BB04E2C}"/>
+              </a:ext>
+            </a:extLst>
+          </p:cNvPr>
+          <p:cNvPicPr>
+            <a:picLocks noChangeAspect="1"/>
+          </p:cNvPicPr>
+          <p:nvPr/>
+        </p:nvPicPr>
+        <p:blipFill>
+          <a:blip r:embed="rId3"/>
+          <a:stretch>
+            <a:fillRect/>
+          </a:stretch>
+        </p:blipFill>
+        <p:spPr>
+          <a:xfrm>
+            <a:off x="3999469" y="1413592"/>
+            <a:ext cx="3365500" cy="2844800"/>
+          </a:xfrm>
+          <a:prstGeom prst="rect">
+            <a:avLst/>
+          </a:prstGeom>
+        </p:spPr>
+      </p:pic>
     </p:spTree>
     <p:extLst>
       <p:ext uri="{BB962C8B-B14F-4D97-AF65-F5344CB8AC3E}">

--- a/Lectures/Design-Of-Experiments/doe_overview.pptx
+++ b/Lectures/Design-Of-Experiments/doe_overview.pptx
@@ -298,7 +298,7 @@
               <a:pPr>
                 <a:defRPr/>
               </a:pPr>
-              <a:t>11/2/22</a:t>
+              <a:t>11/6/22</a:t>
             </a:fld>
             <a:endParaRPr lang="en-US" altLang="x-none"/>
           </a:p>
@@ -507,7 +507,7 @@
               <a:pPr>
                 <a:defRPr/>
               </a:pPr>
-              <a:t>11/2/22</a:t>
+              <a:t>11/6/22</a:t>
             </a:fld>
             <a:endParaRPr lang="en-US" altLang="x-none"/>
           </a:p>
@@ -6078,7 +6078,13 @@
               <a:rPr lang="en-US" altLang="en-US" sz="3200" b="1" u="sng" dirty="0">
                 <a:ea typeface="ＭＳ Ｐゴシック" panose="020B0600070205080204" pitchFamily="34" charset="-128"/>
               </a:rPr>
-              <a:t>Design of Experiments Overview</a:t>
+              <a:t>Design of </a:t>
+            </a:r>
+            <a:r>
+              <a:rPr lang="en-US" altLang="en-US" sz="3200" b="1" u="sng">
+                <a:ea typeface="ＭＳ Ｐゴシック" panose="020B0600070205080204" pitchFamily="34" charset="-128"/>
+              </a:rPr>
+              <a:t>Experiments: Overview</a:t>
             </a:r>
             <a:br>
               <a:rPr lang="en-US" altLang="en-US" sz="3200" b="1" dirty="0">

--- a/Lectures/Design-Of-Experiments/doe_overview.pptx
+++ b/Lectures/Design-Of-Experiments/doe_overview.pptx
@@ -5,10 +5,10 @@
     <p:sldMasterId id="2147483648" r:id="rId1"/>
   </p:sldMasterIdLst>
   <p:notesMasterIdLst>
-    <p:notesMasterId r:id="rId23"/>
+    <p:notesMasterId r:id="rId24"/>
   </p:notesMasterIdLst>
   <p:handoutMasterIdLst>
-    <p:handoutMasterId r:id="rId24"/>
+    <p:handoutMasterId r:id="rId25"/>
   </p:handoutMasterIdLst>
   <p:sldIdLst>
     <p:sldId id="473" r:id="rId2"/>
@@ -29,9 +29,10 @@
     <p:sldId id="390" r:id="rId17"/>
     <p:sldId id="480" r:id="rId18"/>
     <p:sldId id="391" r:id="rId19"/>
-    <p:sldId id="385" r:id="rId20"/>
-    <p:sldId id="271" r:id="rId21"/>
-    <p:sldId id="474" r:id="rId22"/>
+    <p:sldId id="481" r:id="rId20"/>
+    <p:sldId id="385" r:id="rId21"/>
+    <p:sldId id="271" r:id="rId22"/>
+    <p:sldId id="474" r:id="rId23"/>
   </p:sldIdLst>
   <p:sldSz cx="9144000" cy="6858000" type="screen4x3"/>
   <p:notesSz cx="6858000" cy="9144000"/>
@@ -301,7 +302,7 @@
               <a:pPr>
                 <a:defRPr/>
               </a:pPr>
-              <a:t>10/27/23</a:t>
+              <a:t>11/6/23</a:t>
             </a:fld>
             <a:endParaRPr lang="en-US" altLang="x-none"/>
           </a:p>
@@ -510,7 +511,7 @@
               <a:pPr>
                 <a:defRPr/>
               </a:pPr>
-              <a:t>10/27/23</a:t>
+              <a:t>11/3/23</a:t>
             </a:fld>
             <a:endParaRPr lang="en-US" altLang="x-none"/>
           </a:p>
@@ -1026,7 +1027,7 @@
               <a:pPr>
                 <a:defRPr/>
               </a:pPr>
-              <a:t>19</a:t>
+              <a:t>20</a:t>
             </a:fld>
             <a:endParaRPr lang="en-US" altLang="x-none"/>
           </a:p>
@@ -1199,7 +1200,7 @@
             </a:pPr>
             <a:fld id="{00000000-1234-1234-1234-123412341234}" type="slidenum">
               <a:rPr lang="en-US"/>
-              <a:t>20</a:t>
+              <a:t>21</a:t>
             </a:fld>
             <a:endParaRPr/>
           </a:p>
@@ -20428,8 +20429,8 @@
           </p:sp>
         </mc:Fallback>
       </mc:AlternateContent>
-      <mc:AlternateContent xmlns:mc="http://schemas.openxmlformats.org/markup-compatibility/2006">
-        <mc:Choice xmlns:a14="http://schemas.microsoft.com/office/drawing/2010/main" Requires="a14">
+      <mc:AlternateContent xmlns:mc="http://schemas.openxmlformats.org/markup-compatibility/2006" xmlns:a14="http://schemas.microsoft.com/office/drawing/2010/main">
+        <mc:Choice Requires="a14">
           <p:sp>
             <p:nvSpPr>
               <p:cNvPr id="22" name="TextBox 21">
@@ -20838,7 +20839,7 @@
             </p:txBody>
           </p:sp>
         </mc:Choice>
-        <mc:Fallback>
+        <mc:Fallback xmlns="">
           <p:sp>
             <p:nvSpPr>
               <p:cNvPr id="22" name="TextBox 21">
@@ -25715,6 +25716,705 @@
           <p:cNvPr id="2" name="Title 1">
             <a:extLst>
               <a:ext uri="{FF2B5EF4-FFF2-40B4-BE49-F238E27FC236}">
+                <a16:creationId xmlns:a16="http://schemas.microsoft.com/office/drawing/2014/main" id="{C932673B-6C72-B82D-15BB-ACFCEDAD1115}"/>
+              </a:ext>
+            </a:extLst>
+          </p:cNvPr>
+          <p:cNvSpPr>
+            <a:spLocks noGrp="1"/>
+          </p:cNvSpPr>
+          <p:nvPr>
+            <p:ph type="title"/>
+          </p:nvPr>
+        </p:nvSpPr>
+        <p:spPr/>
+        <p:txBody>
+          <a:bodyPr/>
+          <a:lstStyle/>
+          <a:p>
+            <a:endParaRPr lang="en-US"/>
+          </a:p>
+        </p:txBody>
+      </p:sp>
+      <p:sp>
+        <p:nvSpPr>
+          <p:cNvPr id="3" name="Slide Number Placeholder 2">
+            <a:extLst>
+              <a:ext uri="{FF2B5EF4-FFF2-40B4-BE49-F238E27FC236}">
+                <a16:creationId xmlns:a16="http://schemas.microsoft.com/office/drawing/2014/main" id="{5863176D-F268-D728-1DD2-B3A97349C74F}"/>
+              </a:ext>
+            </a:extLst>
+          </p:cNvPr>
+          <p:cNvSpPr>
+            <a:spLocks noGrp="1"/>
+          </p:cNvSpPr>
+          <p:nvPr>
+            <p:ph type="sldNum" sz="quarter" idx="11"/>
+          </p:nvPr>
+        </p:nvSpPr>
+        <p:spPr/>
+        <p:txBody>
+          <a:bodyPr/>
+          <a:lstStyle/>
+          <a:p>
+            <a:pPr>
+              <a:defRPr/>
+            </a:pPr>
+            <a:fld id="{2E4304A7-0FB2-4094-BC1E-DB17183AD0C1}" type="slidenum">
+              <a:rPr lang="en-US" altLang="x-none" smtClean="0"/>
+              <a:pPr>
+                <a:defRPr/>
+              </a:pPr>
+              <a:t>19</a:t>
+            </a:fld>
+            <a:endParaRPr lang="en-US" altLang="x-none"/>
+          </a:p>
+        </p:txBody>
+      </p:sp>
+      <mc:AlternateContent xmlns:mc="http://schemas.openxmlformats.org/markup-compatibility/2006">
+        <mc:Choice xmlns:a14="http://schemas.microsoft.com/office/drawing/2010/main" Requires="a14">
+          <p:sp>
+            <p:nvSpPr>
+              <p:cNvPr id="5" name="TextBox 4">
+                <a:extLst>
+                  <a:ext uri="{FF2B5EF4-FFF2-40B4-BE49-F238E27FC236}">
+                    <a16:creationId xmlns:a16="http://schemas.microsoft.com/office/drawing/2014/main" id="{BD37DAD3-8B7E-3BE2-81C3-5DBEE74D6FAA}"/>
+                  </a:ext>
+                </a:extLst>
+              </p:cNvPr>
+              <p:cNvSpPr txBox="1"/>
+              <p:nvPr/>
+            </p:nvSpPr>
+            <p:spPr>
+              <a:xfrm>
+                <a:off x="2286000" y="3219616"/>
+                <a:ext cx="4572000" cy="629018"/>
+              </a:xfrm>
+              <a:prstGeom prst="rect">
+                <a:avLst/>
+              </a:prstGeom>
+              <a:noFill/>
+            </p:spPr>
+            <p:txBody>
+              <a:bodyPr wrap="square">
+                <a:spAutoFit/>
+              </a:bodyPr>
+              <a:lstStyle/>
+              <a:p>
+                <a:pPr/>
+                <a14:m>
+                  <m:oMathPara xmlns:m="http://schemas.openxmlformats.org/officeDocument/2006/math">
+                    <m:oMathParaPr>
+                      <m:jc m:val="centerGroup"/>
+                    </m:oMathParaPr>
+                    <m:oMath xmlns:m="http://schemas.openxmlformats.org/officeDocument/2006/math">
+                      <m:sSub>
+                        <m:sSubPr>
+                          <m:ctrlPr>
+                            <a:rPr lang="en-US" sz="3200" b="1" i="1" smtClean="0">
+                              <a:latin typeface="Cambria Math" panose="02040503050406030204" pitchFamily="18" charset="0"/>
+                            </a:rPr>
+                          </m:ctrlPr>
+                        </m:sSubPr>
+                        <m:e>
+                          <m:r>
+                            <a:rPr lang="en-US" sz="3200" b="1" i="1" smtClean="0">
+                              <a:latin typeface="Cambria Math" panose="02040503050406030204" pitchFamily="18" charset="0"/>
+                            </a:rPr>
+                            <m:t>𝒚</m:t>
+                          </m:r>
+                        </m:e>
+                        <m:sub>
+                          <m:r>
+                            <a:rPr lang="en-US" sz="3200" b="1" i="1" smtClean="0">
+                              <a:latin typeface="Cambria Math" panose="02040503050406030204" pitchFamily="18" charset="0"/>
+                            </a:rPr>
+                            <m:t>𝒊</m:t>
+                          </m:r>
+                          <m:r>
+                            <a:rPr lang="en-US" sz="3200" b="1" i="1" smtClean="0">
+                              <a:latin typeface="Cambria Math" panose="02040503050406030204" pitchFamily="18" charset="0"/>
+                            </a:rPr>
+                            <m:t>, </m:t>
+                          </m:r>
+                          <m:sSub>
+                            <m:sSubPr>
+                              <m:ctrlPr>
+                                <a:rPr lang="en-US" sz="3200" b="1" i="1" smtClean="0">
+                                  <a:latin typeface="Cambria Math" panose="02040503050406030204" pitchFamily="18" charset="0"/>
+                                </a:rPr>
+                              </m:ctrlPr>
+                            </m:sSubPr>
+                            <m:e>
+                              <m:r>
+                                <a:rPr lang="en-US" sz="3200" b="1" i="1" smtClean="0">
+                                  <a:latin typeface="Cambria Math" panose="02040503050406030204" pitchFamily="18" charset="0"/>
+                                </a:rPr>
+                                <m:t>𝒌</m:t>
+                              </m:r>
+                            </m:e>
+                            <m:sub>
+                              <m:r>
+                                <a:rPr lang="en-US" sz="3200" b="1" i="1" smtClean="0">
+                                  <a:latin typeface="Cambria Math" panose="02040503050406030204" pitchFamily="18" charset="0"/>
+                                </a:rPr>
+                                <m:t>𝒊</m:t>
+                              </m:r>
+                            </m:sub>
+                          </m:sSub>
+                          <m:r>
+                            <a:rPr lang="en-US" sz="3200" b="1" i="1" smtClean="0">
+                              <a:latin typeface="Cambria Math" panose="02040503050406030204" pitchFamily="18" charset="0"/>
+                            </a:rPr>
+                            <m:t> </m:t>
+                          </m:r>
+                        </m:sub>
+                      </m:sSub>
+                      <m:r>
+                        <a:rPr lang="en-US" sz="3200" b="1" i="1" smtClean="0">
+                          <a:latin typeface="Cambria Math" panose="02040503050406030204" pitchFamily="18" charset="0"/>
+                        </a:rPr>
+                        <m:t>=</m:t>
+                      </m:r>
+                      <m:r>
+                        <a:rPr lang="en-US" sz="3200" b="1" i="1" smtClean="0">
+                          <a:latin typeface="Cambria Math" panose="02040503050406030204" pitchFamily="18" charset="0"/>
+                        </a:rPr>
+                        <m:t>𝝁</m:t>
+                      </m:r>
+                      <m:r>
+                        <a:rPr lang="en-US" sz="3200" b="1" i="1" smtClean="0">
+                          <a:latin typeface="Cambria Math" panose="02040503050406030204" pitchFamily="18" charset="0"/>
+                        </a:rPr>
+                        <m:t>+</m:t>
+                      </m:r>
+                      <m:sSub>
+                        <m:sSubPr>
+                          <m:ctrlPr>
+                            <a:rPr lang="en-US" sz="3200" b="1" i="1" smtClean="0">
+                              <a:latin typeface="Cambria Math" panose="02040503050406030204" pitchFamily="18" charset="0"/>
+                            </a:rPr>
+                          </m:ctrlPr>
+                        </m:sSubPr>
+                        <m:e>
+                          <m:r>
+                            <a:rPr lang="en-US" sz="3200" b="1" i="1" smtClean="0">
+                              <a:latin typeface="Cambria Math" panose="02040503050406030204" pitchFamily="18" charset="0"/>
+                            </a:rPr>
+                            <m:t>𝜶</m:t>
+                          </m:r>
+                        </m:e>
+                        <m:sub>
+                          <m:r>
+                            <a:rPr lang="en-US" sz="3200" b="1" i="1" smtClean="0">
+                              <a:latin typeface="Cambria Math" panose="02040503050406030204" pitchFamily="18" charset="0"/>
+                            </a:rPr>
+                            <m:t>𝒊</m:t>
+                          </m:r>
+                          <m:r>
+                            <a:rPr lang="en-US" sz="3200" b="1" i="1" smtClean="0">
+                              <a:latin typeface="Cambria Math" panose="02040503050406030204" pitchFamily="18" charset="0"/>
+                            </a:rPr>
+                            <m:t>,</m:t>
+                          </m:r>
+                          <m:sSub>
+                            <m:sSubPr>
+                              <m:ctrlPr>
+                                <a:rPr lang="en-US" sz="3200" b="1" i="1" smtClean="0">
+                                  <a:latin typeface="Cambria Math" panose="02040503050406030204" pitchFamily="18" charset="0"/>
+                                </a:rPr>
+                              </m:ctrlPr>
+                            </m:sSubPr>
+                            <m:e>
+                              <m:r>
+                                <a:rPr lang="en-US" sz="3200" b="1" i="1" smtClean="0">
+                                  <a:latin typeface="Cambria Math" panose="02040503050406030204" pitchFamily="18" charset="0"/>
+                                </a:rPr>
+                                <m:t>𝒌</m:t>
+                              </m:r>
+                            </m:e>
+                            <m:sub>
+                              <m:r>
+                                <a:rPr lang="en-US" sz="3200" b="1" i="1" smtClean="0">
+                                  <a:latin typeface="Cambria Math" panose="02040503050406030204" pitchFamily="18" charset="0"/>
+                                </a:rPr>
+                                <m:t>𝒊</m:t>
+                              </m:r>
+                            </m:sub>
+                          </m:sSub>
+                          <m:r>
+                            <a:rPr lang="en-US" sz="3200" b="1" i="1" smtClean="0">
+                              <a:latin typeface="Cambria Math" panose="02040503050406030204" pitchFamily="18" charset="0"/>
+                            </a:rPr>
+                            <m:t> </m:t>
+                          </m:r>
+                        </m:sub>
+                      </m:sSub>
+                    </m:oMath>
+                  </m:oMathPara>
+                </a14:m>
+                <a:endParaRPr lang="en-US" sz="3200" b="1" dirty="0"/>
+              </a:p>
+            </p:txBody>
+          </p:sp>
+        </mc:Choice>
+        <mc:Fallback>
+          <p:sp>
+            <p:nvSpPr>
+              <p:cNvPr id="5" name="TextBox 4">
+                <a:extLst>
+                  <a:ext uri="{FF2B5EF4-FFF2-40B4-BE49-F238E27FC236}">
+                    <a16:creationId xmlns:a16="http://schemas.microsoft.com/office/drawing/2014/main" id="{BD37DAD3-8B7E-3BE2-81C3-5DBEE74D6FAA}"/>
+                  </a:ext>
+                </a:extLst>
+              </p:cNvPr>
+              <p:cNvSpPr txBox="1">
+                <a:spLocks noRot="1" noChangeAspect="1" noMove="1" noResize="1" noEditPoints="1" noAdjustHandles="1" noChangeArrowheads="1" noChangeShapeType="1" noTextEdit="1"/>
+              </p:cNvSpPr>
+              <p:nvPr/>
+            </p:nvSpPr>
+            <p:spPr>
+              <a:xfrm>
+                <a:off x="2286000" y="3219616"/>
+                <a:ext cx="4572000" cy="629018"/>
+              </a:xfrm>
+              <a:prstGeom prst="rect">
+                <a:avLst/>
+              </a:prstGeom>
+              <a:blipFill>
+                <a:blip r:embed="rId2"/>
+                <a:stretch>
+                  <a:fillRect b="-18000"/>
+                </a:stretch>
+              </a:blipFill>
+            </p:spPr>
+            <p:txBody>
+              <a:bodyPr/>
+              <a:lstStyle/>
+              <a:p>
+                <a:r>
+                  <a:rPr lang="en-US">
+                    <a:noFill/>
+                  </a:rPr>
+                  <a:t> </a:t>
+                </a:r>
+              </a:p>
+            </p:txBody>
+          </p:sp>
+        </mc:Fallback>
+      </mc:AlternateContent>
+      <mc:AlternateContent xmlns:mc="http://schemas.openxmlformats.org/markup-compatibility/2006">
+        <mc:Choice xmlns:a14="http://schemas.microsoft.com/office/drawing/2010/main" Requires="a14">
+          <p:sp>
+            <p:nvSpPr>
+              <p:cNvPr id="6" name="TextBox 5">
+                <a:extLst>
+                  <a:ext uri="{FF2B5EF4-FFF2-40B4-BE49-F238E27FC236}">
+                    <a16:creationId xmlns:a16="http://schemas.microsoft.com/office/drawing/2014/main" id="{7EF2160C-9EE8-DFEB-72FC-14DABDE5B5A4}"/>
+                  </a:ext>
+                </a:extLst>
+              </p:cNvPr>
+              <p:cNvSpPr txBox="1"/>
+              <p:nvPr/>
+            </p:nvSpPr>
+            <p:spPr>
+              <a:xfrm>
+                <a:off x="2286000" y="3848634"/>
+                <a:ext cx="4572000" cy="629018"/>
+              </a:xfrm>
+              <a:prstGeom prst="rect">
+                <a:avLst/>
+              </a:prstGeom>
+              <a:noFill/>
+            </p:spPr>
+            <p:txBody>
+              <a:bodyPr wrap="square">
+                <a:spAutoFit/>
+              </a:bodyPr>
+              <a:lstStyle/>
+              <a:p>
+                <a:pPr/>
+                <a14:m>
+                  <m:oMathPara xmlns:m="http://schemas.openxmlformats.org/officeDocument/2006/math">
+                    <m:oMathParaPr>
+                      <m:jc m:val="centerGroup"/>
+                    </m:oMathParaPr>
+                    <m:oMath xmlns:m="http://schemas.openxmlformats.org/officeDocument/2006/math">
+                      <m:sSub>
+                        <m:sSubPr>
+                          <m:ctrlPr>
+                            <a:rPr lang="en-US" sz="3200" b="1" i="1" smtClean="0">
+                              <a:latin typeface="Cambria Math" panose="02040503050406030204" pitchFamily="18" charset="0"/>
+                            </a:rPr>
+                          </m:ctrlPr>
+                        </m:sSubPr>
+                        <m:e>
+                          <m:sSub>
+                            <m:sSubPr>
+                              <m:ctrlPr>
+                                <a:rPr lang="en-US" sz="3200" b="1" i="1">
+                                  <a:latin typeface="Cambria Math" panose="02040503050406030204" pitchFamily="18" charset="0"/>
+                                </a:rPr>
+                              </m:ctrlPr>
+                            </m:sSubPr>
+                            <m:e>
+                              <m:r>
+                                <a:rPr lang="en-US" sz="3200" b="1" i="1">
+                                  <a:latin typeface="Cambria Math" panose="02040503050406030204" pitchFamily="18" charset="0"/>
+                                </a:rPr>
+                                <m:t>𝜶</m:t>
+                              </m:r>
+                            </m:e>
+                            <m:sub>
+                              <m:r>
+                                <a:rPr lang="en-US" sz="3200" b="1" i="1">
+                                  <a:latin typeface="Cambria Math" panose="02040503050406030204" pitchFamily="18" charset="0"/>
+                                </a:rPr>
+                                <m:t>𝒊</m:t>
+                              </m:r>
+                              <m:r>
+                                <a:rPr lang="en-US" sz="3200" b="1" i="1">
+                                  <a:latin typeface="Cambria Math" panose="02040503050406030204" pitchFamily="18" charset="0"/>
+                                </a:rPr>
+                                <m:t>,</m:t>
+                              </m:r>
+                              <m:sSub>
+                                <m:sSubPr>
+                                  <m:ctrlPr>
+                                    <a:rPr lang="en-US" sz="3200" b="1" i="1">
+                                      <a:latin typeface="Cambria Math" panose="02040503050406030204" pitchFamily="18" charset="0"/>
+                                    </a:rPr>
+                                  </m:ctrlPr>
+                                </m:sSubPr>
+                                <m:e>
+                                  <m:r>
+                                    <a:rPr lang="en-US" sz="3200" b="1" i="1">
+                                      <a:latin typeface="Cambria Math" panose="02040503050406030204" pitchFamily="18" charset="0"/>
+                                    </a:rPr>
+                                    <m:t>𝒌</m:t>
+                                  </m:r>
+                                </m:e>
+                                <m:sub>
+                                  <m:r>
+                                    <a:rPr lang="en-US" sz="3200" b="1" i="1">
+                                      <a:latin typeface="Cambria Math" panose="02040503050406030204" pitchFamily="18" charset="0"/>
+                                    </a:rPr>
+                                    <m:t>𝒊</m:t>
+                                  </m:r>
+                                </m:sub>
+                              </m:sSub>
+                              <m:r>
+                                <a:rPr lang="en-US" sz="3200" b="1" i="1">
+                                  <a:latin typeface="Cambria Math" panose="02040503050406030204" pitchFamily="18" charset="0"/>
+                                </a:rPr>
+                                <m:t> </m:t>
+                              </m:r>
+                            </m:sub>
+                          </m:sSub>
+                          <m:r>
+                            <a:rPr lang="en-US" sz="3200" b="1" i="1" smtClean="0">
+                              <a:latin typeface="Cambria Math" panose="02040503050406030204" pitchFamily="18" charset="0"/>
+                            </a:rPr>
+                            <m:t>=</m:t>
+                          </m:r>
+                          <m:r>
+                            <a:rPr lang="en-US" sz="3200" b="1" i="1" smtClean="0">
+                              <a:latin typeface="Cambria Math" panose="02040503050406030204" pitchFamily="18" charset="0"/>
+                            </a:rPr>
+                            <m:t>𝒚</m:t>
+                          </m:r>
+                        </m:e>
+                        <m:sub>
+                          <m:r>
+                            <a:rPr lang="en-US" sz="3200" b="1" i="1" smtClean="0">
+                              <a:latin typeface="Cambria Math" panose="02040503050406030204" pitchFamily="18" charset="0"/>
+                            </a:rPr>
+                            <m:t>𝒊</m:t>
+                          </m:r>
+                          <m:r>
+                            <a:rPr lang="en-US" sz="3200" b="1" i="1" smtClean="0">
+                              <a:latin typeface="Cambria Math" panose="02040503050406030204" pitchFamily="18" charset="0"/>
+                            </a:rPr>
+                            <m:t>, </m:t>
+                          </m:r>
+                          <m:sSub>
+                            <m:sSubPr>
+                              <m:ctrlPr>
+                                <a:rPr lang="en-US" sz="3200" b="1" i="1" smtClean="0">
+                                  <a:latin typeface="Cambria Math" panose="02040503050406030204" pitchFamily="18" charset="0"/>
+                                </a:rPr>
+                              </m:ctrlPr>
+                            </m:sSubPr>
+                            <m:e>
+                              <m:r>
+                                <a:rPr lang="en-US" sz="3200" b="1" i="1" smtClean="0">
+                                  <a:latin typeface="Cambria Math" panose="02040503050406030204" pitchFamily="18" charset="0"/>
+                                </a:rPr>
+                                <m:t>𝒌</m:t>
+                              </m:r>
+                            </m:e>
+                            <m:sub>
+                              <m:r>
+                                <a:rPr lang="en-US" sz="3200" b="1" i="1" smtClean="0">
+                                  <a:latin typeface="Cambria Math" panose="02040503050406030204" pitchFamily="18" charset="0"/>
+                                </a:rPr>
+                                <m:t>𝒊</m:t>
+                              </m:r>
+                            </m:sub>
+                          </m:sSub>
+                          <m:r>
+                            <a:rPr lang="en-US" sz="3200" b="1" i="1" smtClean="0">
+                              <a:latin typeface="Cambria Math" panose="02040503050406030204" pitchFamily="18" charset="0"/>
+                            </a:rPr>
+                            <m:t> </m:t>
+                          </m:r>
+                        </m:sub>
+                      </m:sSub>
+                      <m:r>
+                        <a:rPr lang="en-US" sz="3200" b="1" i="1" smtClean="0">
+                          <a:latin typeface="Cambria Math" panose="02040503050406030204" pitchFamily="18" charset="0"/>
+                        </a:rPr>
+                        <m:t>−</m:t>
+                      </m:r>
+                      <m:r>
+                        <a:rPr lang="en-US" sz="3200" b="1" i="1" smtClean="0">
+                          <a:latin typeface="Cambria Math" panose="02040503050406030204" pitchFamily="18" charset="0"/>
+                        </a:rPr>
+                        <m:t>𝝁</m:t>
+                      </m:r>
+                    </m:oMath>
+                  </m:oMathPara>
+                </a14:m>
+                <a:endParaRPr lang="en-US" sz="3200" b="1" dirty="0"/>
+              </a:p>
+            </p:txBody>
+          </p:sp>
+        </mc:Choice>
+        <mc:Fallback>
+          <p:sp>
+            <p:nvSpPr>
+              <p:cNvPr id="6" name="TextBox 5">
+                <a:extLst>
+                  <a:ext uri="{FF2B5EF4-FFF2-40B4-BE49-F238E27FC236}">
+                    <a16:creationId xmlns:a16="http://schemas.microsoft.com/office/drawing/2014/main" id="{7EF2160C-9EE8-DFEB-72FC-14DABDE5B5A4}"/>
+                  </a:ext>
+                </a:extLst>
+              </p:cNvPr>
+              <p:cNvSpPr txBox="1">
+                <a:spLocks noRot="1" noChangeAspect="1" noMove="1" noResize="1" noEditPoints="1" noAdjustHandles="1" noChangeArrowheads="1" noChangeShapeType="1" noTextEdit="1"/>
+              </p:cNvSpPr>
+              <p:nvPr/>
+            </p:nvSpPr>
+            <p:spPr>
+              <a:xfrm>
+                <a:off x="2286000" y="3848634"/>
+                <a:ext cx="4572000" cy="629018"/>
+              </a:xfrm>
+              <a:prstGeom prst="rect">
+                <a:avLst/>
+              </a:prstGeom>
+              <a:blipFill>
+                <a:blip r:embed="rId3"/>
+                <a:stretch>
+                  <a:fillRect b="-15686"/>
+                </a:stretch>
+              </a:blipFill>
+            </p:spPr>
+            <p:txBody>
+              <a:bodyPr/>
+              <a:lstStyle/>
+              <a:p>
+                <a:r>
+                  <a:rPr lang="en-US">
+                    <a:noFill/>
+                  </a:rPr>
+                  <a:t> </a:t>
+                </a:r>
+              </a:p>
+            </p:txBody>
+          </p:sp>
+        </mc:Fallback>
+      </mc:AlternateContent>
+    </p:spTree>
+    <p:extLst>
+      <p:ext uri="{BB962C8B-B14F-4D97-AF65-F5344CB8AC3E}">
+        <p14:creationId xmlns:p14="http://schemas.microsoft.com/office/powerpoint/2010/main" val="1958787543"/>
+      </p:ext>
+    </p:extLst>
+  </p:cSld>
+  <p:clrMapOvr>
+    <a:masterClrMapping/>
+  </p:clrMapOvr>
+</p:sld>
+</file>
+
+<file path=ppt/slides/slide2.xml><?xml version="1.0" encoding="utf-8"?>
+<p:sld xmlns:a="http://schemas.openxmlformats.org/drawingml/2006/main" xmlns:r="http://schemas.openxmlformats.org/officeDocument/2006/relationships" xmlns:p="http://schemas.openxmlformats.org/presentationml/2006/main">
+  <p:cSld>
+    <p:spTree>
+      <p:nvGrpSpPr>
+        <p:cNvPr id="1" name=""/>
+        <p:cNvGrpSpPr/>
+        <p:nvPr/>
+      </p:nvGrpSpPr>
+      <p:grpSpPr>
+        <a:xfrm>
+          <a:off x="0" y="0"/>
+          <a:ext cx="0" cy="0"/>
+          <a:chOff x="0" y="0"/>
+          <a:chExt cx="0" cy="0"/>
+        </a:xfrm>
+      </p:grpSpPr>
+      <p:sp>
+        <p:nvSpPr>
+          <p:cNvPr id="5" name="Title 4">
+            <a:extLst>
+              <a:ext uri="{FF2B5EF4-FFF2-40B4-BE49-F238E27FC236}">
+                <a16:creationId xmlns:a16="http://schemas.microsoft.com/office/drawing/2014/main" id="{CEEFAF6C-41B8-70FD-5ABD-DACB6FA82256}"/>
+              </a:ext>
+            </a:extLst>
+          </p:cNvPr>
+          <p:cNvSpPr>
+            <a:spLocks noGrp="1"/>
+          </p:cNvSpPr>
+          <p:nvPr>
+            <p:ph type="title"/>
+          </p:nvPr>
+        </p:nvSpPr>
+        <p:spPr>
+          <a:xfrm>
+            <a:off x="457200" y="377891"/>
+            <a:ext cx="8229600" cy="838200"/>
+          </a:xfrm>
+        </p:spPr>
+        <p:txBody>
+          <a:bodyPr/>
+          <a:lstStyle/>
+          <a:p>
+            <a:r>
+              <a:rPr lang="en-US" dirty="0"/>
+              <a:t>Design of Experiments (DOE) is exemplified by optimizing industrial processes.</a:t>
+            </a:r>
+          </a:p>
+        </p:txBody>
+      </p:sp>
+      <p:sp>
+        <p:nvSpPr>
+          <p:cNvPr id="4" name="Slide Number Placeholder 3">
+            <a:extLst>
+              <a:ext uri="{FF2B5EF4-FFF2-40B4-BE49-F238E27FC236}">
+                <a16:creationId xmlns:a16="http://schemas.microsoft.com/office/drawing/2014/main" id="{FF844F1C-6852-C9A7-A9CE-15EF2CF86BB5}"/>
+              </a:ext>
+            </a:extLst>
+          </p:cNvPr>
+          <p:cNvSpPr>
+            <a:spLocks noGrp="1"/>
+          </p:cNvSpPr>
+          <p:nvPr>
+            <p:ph type="sldNum" sz="quarter" idx="11"/>
+          </p:nvPr>
+        </p:nvSpPr>
+        <p:spPr/>
+        <p:txBody>
+          <a:bodyPr/>
+          <a:lstStyle/>
+          <a:p>
+            <a:pPr>
+              <a:defRPr/>
+            </a:pPr>
+            <a:fld id="{3EF4E9CC-9D91-476E-91FD-5BEEC1642931}" type="slidenum">
+              <a:rPr lang="en-US" altLang="x-none" smtClean="0"/>
+              <a:pPr>
+                <a:defRPr/>
+              </a:pPr>
+              <a:t>2</a:t>
+            </a:fld>
+            <a:endParaRPr lang="en-US" altLang="x-none"/>
+          </a:p>
+        </p:txBody>
+      </p:sp>
+      <p:pic>
+        <p:nvPicPr>
+          <p:cNvPr id="1026" name="Picture 2" descr="Optimizing Chemical Processes - algorithmica technologies GmbH">
+            <a:extLst>
+              <a:ext uri="{FF2B5EF4-FFF2-40B4-BE49-F238E27FC236}">
+                <a16:creationId xmlns:a16="http://schemas.microsoft.com/office/drawing/2014/main" id="{497C0DE5-182E-1A5D-F882-07EFE4A3C082}"/>
+              </a:ext>
+            </a:extLst>
+          </p:cNvPr>
+          <p:cNvPicPr>
+            <a:picLocks noChangeAspect="1" noChangeArrowheads="1"/>
+          </p:cNvPicPr>
+          <p:nvPr/>
+        </p:nvPicPr>
+        <p:blipFill>
+          <a:blip r:embed="rId2">
+            <a:extLst>
+              <a:ext uri="{28A0092B-C50C-407E-A947-70E740481C1C}">
+                <a14:useLocalDpi xmlns:a14="http://schemas.microsoft.com/office/drawing/2010/main" val="0"/>
+              </a:ext>
+            </a:extLst>
+          </a:blip>
+          <a:srcRect/>
+          <a:stretch>
+            <a:fillRect/>
+          </a:stretch>
+        </p:blipFill>
+        <p:spPr bwMode="auto">
+          <a:xfrm>
+            <a:off x="956388" y="2060835"/>
+            <a:ext cx="7231224" cy="3615612"/>
+          </a:xfrm>
+          <a:prstGeom prst="rect">
+            <a:avLst/>
+          </a:prstGeom>
+          <a:noFill/>
+          <a:extLst>
+            <a:ext uri="{909E8E84-426E-40DD-AFC4-6F175D3DCCD1}">
+              <a14:hiddenFill xmlns:a14="http://schemas.microsoft.com/office/drawing/2010/main">
+                <a:solidFill>
+                  <a:srgbClr val="FFFFFF"/>
+                </a:solidFill>
+              </a14:hiddenFill>
+            </a:ext>
+          </a:extLst>
+        </p:spPr>
+      </p:pic>
+    </p:spTree>
+    <p:extLst>
+      <p:ext uri="{BB962C8B-B14F-4D97-AF65-F5344CB8AC3E}">
+        <p14:creationId xmlns:p14="http://schemas.microsoft.com/office/powerpoint/2010/main" val="4108088672"/>
+      </p:ext>
+    </p:extLst>
+  </p:cSld>
+  <p:clrMapOvr>
+    <a:masterClrMapping/>
+  </p:clrMapOvr>
+</p:sld>
+</file>
+
+<file path=ppt/slides/slide20.xml><?xml version="1.0" encoding="utf-8"?>
+<p:sld xmlns:a="http://schemas.openxmlformats.org/drawingml/2006/main" xmlns:r="http://schemas.openxmlformats.org/officeDocument/2006/relationships" xmlns:p="http://schemas.openxmlformats.org/presentationml/2006/main">
+  <p:cSld>
+    <p:spTree>
+      <p:nvGrpSpPr>
+        <p:cNvPr id="1" name=""/>
+        <p:cNvGrpSpPr/>
+        <p:nvPr/>
+      </p:nvGrpSpPr>
+      <p:grpSpPr>
+        <a:xfrm>
+          <a:off x="0" y="0"/>
+          <a:ext cx="0" cy="0"/>
+          <a:chOff x="0" y="0"/>
+          <a:chExt cx="0" cy="0"/>
+        </a:xfrm>
+      </p:grpSpPr>
+      <p:sp>
+        <p:nvSpPr>
+          <p:cNvPr id="2" name="Title 1">
+            <a:extLst>
+              <a:ext uri="{FF2B5EF4-FFF2-40B4-BE49-F238E27FC236}">
                 <a16:creationId xmlns:a16="http://schemas.microsoft.com/office/drawing/2014/main" id="{6FF69BD2-5FD1-1D45-8751-B2538C000281}"/>
               </a:ext>
             </a:extLst>
@@ -25865,71 +26565,12 @@
                         </m:sSub>
                       </m:sub>
                     </m:sSub>
-                    <m:r>
-                      <a:rPr lang="en-US" sz="2000" b="0" i="1" smtClean="0">
-                        <a:latin typeface="Cambria Math" panose="02040503050406030204" pitchFamily="18" charset="0"/>
-                      </a:rPr>
-                      <m:t>=</m:t>
-                    </m:r>
-                    <m:sSub>
-                      <m:sSubPr>
-                        <m:ctrlPr>
-                          <a:rPr lang="en-US" sz="2000" b="0" i="1" smtClean="0">
-                            <a:latin typeface="Cambria Math" panose="02040503050406030204" pitchFamily="18" charset="0"/>
-                          </a:rPr>
-                        </m:ctrlPr>
-                      </m:sSubPr>
-                      <m:e>
-                        <m:r>
-                          <a:rPr lang="en-US" sz="2000" b="0" i="1" smtClean="0">
-                            <a:latin typeface="Cambria Math" panose="02040503050406030204" pitchFamily="18" charset="0"/>
-                          </a:rPr>
-                          <m:t>𝛼</m:t>
-                        </m:r>
-                      </m:e>
-                      <m:sub>
-                        <m:r>
-                          <a:rPr lang="en-US" sz="2000" b="0" i="1" smtClean="0">
-                            <a:latin typeface="Cambria Math" panose="02040503050406030204" pitchFamily="18" charset="0"/>
-                          </a:rPr>
-                          <m:t>𝑗</m:t>
-                        </m:r>
-                        <m:r>
-                          <a:rPr lang="en-US" sz="2000" b="0" i="1" smtClean="0">
-                            <a:latin typeface="Cambria Math" panose="02040503050406030204" pitchFamily="18" charset="0"/>
-                          </a:rPr>
-                          <m:t>,</m:t>
-                        </m:r>
-                        <m:sSub>
-                          <m:sSubPr>
-                            <m:ctrlPr>
-                              <a:rPr lang="en-US" sz="2000" b="0" i="1" smtClean="0">
-                                <a:latin typeface="Cambria Math" panose="02040503050406030204" pitchFamily="18" charset="0"/>
-                              </a:rPr>
-                            </m:ctrlPr>
-                          </m:sSubPr>
-                          <m:e>
-                            <m:r>
-                              <a:rPr lang="en-US" sz="2000" b="0" i="1" smtClean="0">
-                                <a:latin typeface="Cambria Math" panose="02040503050406030204" pitchFamily="18" charset="0"/>
-                              </a:rPr>
-                              <m:t>𝑘</m:t>
-                            </m:r>
-                          </m:e>
-                          <m:sub>
-                            <m:r>
-                              <a:rPr lang="en-US" sz="2000" b="0" i="1" smtClean="0">
-                                <a:latin typeface="Cambria Math" panose="02040503050406030204" pitchFamily="18" charset="0"/>
-                              </a:rPr>
-                              <m:t>𝑖</m:t>
-                            </m:r>
-                          </m:sub>
-                        </m:sSub>
-                      </m:sub>
-                    </m:sSub>
                   </m:oMath>
                 </a14:m>
-                <a:endParaRPr lang="en-US" sz="2000" b="0" dirty="0"/>
+                <a:r>
+                  <a:rPr lang="en-US" sz="2000" b="0" dirty="0"/>
+                  <a:t> for F1= -1</a:t>
+                </a:r>
               </a:p>
               <a:p>
                 <a:pPr lvl="1"/>
@@ -25948,7 +26589,7 @@
                           <a:rPr lang="en-US" sz="2000" b="0" i="1" smtClean="0">
                             <a:latin typeface="Cambria Math" panose="02040503050406030204" pitchFamily="18" charset="0"/>
                           </a:rPr>
-                          <m:t>𝛾</m:t>
+                          <m:t>𝛽</m:t>
                         </m:r>
                       </m:e>
                       <m:sub>
@@ -26034,114 +26675,12 @@
                         </m:sSub>
                       </m:sub>
                     </m:sSub>
-                    <m:r>
-                      <a:rPr lang="en-US" sz="2000" b="0" i="0" smtClean="0">
-                        <a:latin typeface="Cambria Math" panose="02040503050406030204" pitchFamily="18" charset="0"/>
-                      </a:rPr>
-                      <m:t>=</m:t>
-                    </m:r>
-                    <m:sSub>
-                      <m:sSubPr>
-                        <m:ctrlPr>
-                          <a:rPr lang="en-US" sz="2000" b="0" i="1" smtClean="0">
-                            <a:latin typeface="Cambria Math" panose="02040503050406030204" pitchFamily="18" charset="0"/>
-                          </a:rPr>
-                        </m:ctrlPr>
-                      </m:sSubPr>
-                      <m:e>
-                        <m:r>
-                          <a:rPr lang="en-US" sz="2000" b="0" i="1" smtClean="0">
-                            <a:latin typeface="Cambria Math" panose="02040503050406030204" pitchFamily="18" charset="0"/>
-                          </a:rPr>
-                          <m:t>𝛾</m:t>
-                        </m:r>
-                      </m:e>
-                      <m:sub>
-                        <m:r>
-                          <a:rPr lang="en-US" sz="2000" b="0" i="1" smtClean="0">
-                            <a:latin typeface="Cambria Math" panose="02040503050406030204" pitchFamily="18" charset="0"/>
-                          </a:rPr>
-                          <m:t>𝑛</m:t>
-                        </m:r>
-                        <m:r>
-                          <a:rPr lang="en-US" sz="2000" b="0" i="1" smtClean="0">
-                            <a:latin typeface="Cambria Math" panose="02040503050406030204" pitchFamily="18" charset="0"/>
-                          </a:rPr>
-                          <m:t>,</m:t>
-                        </m:r>
-                        <m:sSub>
-                          <m:sSubPr>
-                            <m:ctrlPr>
-                              <a:rPr lang="en-US" sz="2000" b="0" i="1" smtClean="0">
-                                <a:latin typeface="Cambria Math" panose="02040503050406030204" pitchFamily="18" charset="0"/>
-                              </a:rPr>
-                            </m:ctrlPr>
-                          </m:sSubPr>
-                          <m:e>
-                            <m:r>
-                              <a:rPr lang="en-US" sz="2000" b="0" i="1" smtClean="0">
-                                <a:latin typeface="Cambria Math" panose="02040503050406030204" pitchFamily="18" charset="0"/>
-                              </a:rPr>
-                              <m:t>𝑘</m:t>
-                            </m:r>
-                          </m:e>
-                          <m:sub>
-                            <m:r>
-                              <a:rPr lang="en-US" sz="2000" b="0" i="1" smtClean="0">
-                                <a:latin typeface="Cambria Math" panose="02040503050406030204" pitchFamily="18" charset="0"/>
-                              </a:rPr>
-                              <m:t>𝑛</m:t>
-                            </m:r>
-                          </m:sub>
-                        </m:sSub>
-                        <m:r>
-                          <a:rPr lang="en-US" sz="2000" b="0" i="1" smtClean="0">
-                            <a:latin typeface="Cambria Math" panose="02040503050406030204" pitchFamily="18" charset="0"/>
-                          </a:rPr>
-                          <m:t>,</m:t>
-                        </m:r>
-                        <m:r>
-                          <a:rPr lang="en-US" sz="2000" b="0" i="1" smtClean="0">
-                            <a:latin typeface="Cambria Math" panose="02040503050406030204" pitchFamily="18" charset="0"/>
-                          </a:rPr>
-                          <m:t>𝑙</m:t>
-                        </m:r>
-                        <m:r>
-                          <a:rPr lang="en-US" sz="2000" b="0" i="1" smtClean="0">
-                            <a:latin typeface="Cambria Math" panose="02040503050406030204" pitchFamily="18" charset="0"/>
-                          </a:rPr>
-                          <m:t>,</m:t>
-                        </m:r>
-                        <m:sSub>
-                          <m:sSubPr>
-                            <m:ctrlPr>
-                              <a:rPr lang="en-US" sz="2000" b="0" i="1" smtClean="0">
-                                <a:latin typeface="Cambria Math" panose="02040503050406030204" pitchFamily="18" charset="0"/>
-                              </a:rPr>
-                            </m:ctrlPr>
-                          </m:sSubPr>
-                          <m:e>
-                            <m:r>
-                              <a:rPr lang="en-US" sz="2000" b="0" i="1" smtClean="0">
-                                <a:latin typeface="Cambria Math" panose="02040503050406030204" pitchFamily="18" charset="0"/>
-                              </a:rPr>
-                              <m:t>𝑘</m:t>
-                            </m:r>
-                          </m:e>
-                          <m:sub>
-                            <m:r>
-                              <a:rPr lang="en-US" sz="2000" b="0" i="1" smtClean="0">
-                                <a:latin typeface="Cambria Math" panose="02040503050406030204" pitchFamily="18" charset="0"/>
-                              </a:rPr>
-                              <m:t>𝑗</m:t>
-                            </m:r>
-                          </m:sub>
-                        </m:sSub>
-                      </m:sub>
-                    </m:sSub>
                   </m:oMath>
                 </a14:m>
-                <a:endParaRPr lang="en-US" sz="2000" dirty="0"/>
+                <a:r>
+                  <a:rPr lang="en-US" sz="2000" dirty="0"/>
+                  <a:t> for F1=1, F2=-1</a:t>
+                </a:r>
               </a:p>
             </p:txBody>
           </p:sp>
@@ -26219,7 +26758,7 @@
               <a:pPr>
                 <a:defRPr/>
               </a:pPr>
-              <a:t>19</a:t>
+              <a:t>20</a:t>
             </a:fld>
             <a:endParaRPr lang="en-US" altLang="x-none"/>
           </a:p>
@@ -29065,152 +29604,7 @@
 </p:sld>
 </file>
 
-<file path=ppt/slides/slide2.xml><?xml version="1.0" encoding="utf-8"?>
-<p:sld xmlns:a="http://schemas.openxmlformats.org/drawingml/2006/main" xmlns:r="http://schemas.openxmlformats.org/officeDocument/2006/relationships" xmlns:p="http://schemas.openxmlformats.org/presentationml/2006/main">
-  <p:cSld>
-    <p:spTree>
-      <p:nvGrpSpPr>
-        <p:cNvPr id="1" name=""/>
-        <p:cNvGrpSpPr/>
-        <p:nvPr/>
-      </p:nvGrpSpPr>
-      <p:grpSpPr>
-        <a:xfrm>
-          <a:off x="0" y="0"/>
-          <a:ext cx="0" cy="0"/>
-          <a:chOff x="0" y="0"/>
-          <a:chExt cx="0" cy="0"/>
-        </a:xfrm>
-      </p:grpSpPr>
-      <p:sp>
-        <p:nvSpPr>
-          <p:cNvPr id="5" name="Title 4">
-            <a:extLst>
-              <a:ext uri="{FF2B5EF4-FFF2-40B4-BE49-F238E27FC236}">
-                <a16:creationId xmlns:a16="http://schemas.microsoft.com/office/drawing/2014/main" id="{CEEFAF6C-41B8-70FD-5ABD-DACB6FA82256}"/>
-              </a:ext>
-            </a:extLst>
-          </p:cNvPr>
-          <p:cNvSpPr>
-            <a:spLocks noGrp="1"/>
-          </p:cNvSpPr>
-          <p:nvPr>
-            <p:ph type="title"/>
-          </p:nvPr>
-        </p:nvSpPr>
-        <p:spPr>
-          <a:xfrm>
-            <a:off x="457200" y="377891"/>
-            <a:ext cx="8229600" cy="838200"/>
-          </a:xfrm>
-        </p:spPr>
-        <p:txBody>
-          <a:bodyPr/>
-          <a:lstStyle/>
-          <a:p>
-            <a:r>
-              <a:rPr lang="en-US" dirty="0"/>
-              <a:t>Design of Experiments (DOE) is exemplified by optimizing industrial processes.</a:t>
-            </a:r>
-          </a:p>
-        </p:txBody>
-      </p:sp>
-      <p:sp>
-        <p:nvSpPr>
-          <p:cNvPr id="4" name="Slide Number Placeholder 3">
-            <a:extLst>
-              <a:ext uri="{FF2B5EF4-FFF2-40B4-BE49-F238E27FC236}">
-                <a16:creationId xmlns:a16="http://schemas.microsoft.com/office/drawing/2014/main" id="{FF844F1C-6852-C9A7-A9CE-15EF2CF86BB5}"/>
-              </a:ext>
-            </a:extLst>
-          </p:cNvPr>
-          <p:cNvSpPr>
-            <a:spLocks noGrp="1"/>
-          </p:cNvSpPr>
-          <p:nvPr>
-            <p:ph type="sldNum" sz="quarter" idx="11"/>
-          </p:nvPr>
-        </p:nvSpPr>
-        <p:spPr/>
-        <p:txBody>
-          <a:bodyPr/>
-          <a:lstStyle/>
-          <a:p>
-            <a:pPr>
-              <a:defRPr/>
-            </a:pPr>
-            <a:fld id="{3EF4E9CC-9D91-476E-91FD-5BEEC1642931}" type="slidenum">
-              <a:rPr lang="en-US" altLang="x-none" smtClean="0"/>
-              <a:pPr>
-                <a:defRPr/>
-              </a:pPr>
-              <a:t>2</a:t>
-            </a:fld>
-            <a:endParaRPr lang="en-US" altLang="x-none"/>
-          </a:p>
-        </p:txBody>
-      </p:sp>
-      <p:pic>
-        <p:nvPicPr>
-          <p:cNvPr id="1026" name="Picture 2" descr="Optimizing Chemical Processes - algorithmica technologies GmbH">
-            <a:extLst>
-              <a:ext uri="{FF2B5EF4-FFF2-40B4-BE49-F238E27FC236}">
-                <a16:creationId xmlns:a16="http://schemas.microsoft.com/office/drawing/2014/main" id="{497C0DE5-182E-1A5D-F882-07EFE4A3C082}"/>
-              </a:ext>
-            </a:extLst>
-          </p:cNvPr>
-          <p:cNvPicPr>
-            <a:picLocks noChangeAspect="1" noChangeArrowheads="1"/>
-          </p:cNvPicPr>
-          <p:nvPr/>
-        </p:nvPicPr>
-        <p:blipFill>
-          <a:blip r:embed="rId2">
-            <a:extLst>
-              <a:ext uri="{28A0092B-C50C-407E-A947-70E740481C1C}">
-                <a14:useLocalDpi xmlns:a14="http://schemas.microsoft.com/office/drawing/2010/main" val="0"/>
-              </a:ext>
-            </a:extLst>
-          </a:blip>
-          <a:srcRect/>
-          <a:stretch>
-            <a:fillRect/>
-          </a:stretch>
-        </p:blipFill>
-        <p:spPr bwMode="auto">
-          <a:xfrm>
-            <a:off x="956388" y="2060835"/>
-            <a:ext cx="7231224" cy="3615612"/>
-          </a:xfrm>
-          <a:prstGeom prst="rect">
-            <a:avLst/>
-          </a:prstGeom>
-          <a:noFill/>
-          <a:extLst>
-            <a:ext uri="{909E8E84-426E-40DD-AFC4-6F175D3DCCD1}">
-              <a14:hiddenFill xmlns:a14="http://schemas.microsoft.com/office/drawing/2010/main">
-                <a:solidFill>
-                  <a:srgbClr val="FFFFFF"/>
-                </a:solidFill>
-              </a14:hiddenFill>
-            </a:ext>
-          </a:extLst>
-        </p:spPr>
-      </p:pic>
-    </p:spTree>
-    <p:extLst>
-      <p:ext uri="{BB962C8B-B14F-4D97-AF65-F5344CB8AC3E}">
-        <p14:creationId xmlns:p14="http://schemas.microsoft.com/office/powerpoint/2010/main" val="4108088672"/>
-      </p:ext>
-    </p:extLst>
-  </p:cSld>
-  <p:clrMapOvr>
-    <a:masterClrMapping/>
-  </p:clrMapOvr>
-</p:sld>
-</file>
-
-<file path=ppt/slides/slide20.xml><?xml version="1.0" encoding="utf-8"?>
+<file path=ppt/slides/slide21.xml><?xml version="1.0" encoding="utf-8"?>
 <p:sld xmlns:a="http://schemas.openxmlformats.org/drawingml/2006/main" xmlns:r="http://schemas.openxmlformats.org/officeDocument/2006/relationships" xmlns:p="http://schemas.openxmlformats.org/presentationml/2006/main">
   <p:cSld>
     <p:spTree>
@@ -29693,7 +30087,7 @@
                 </a:spcAft>
                 <a:buNone/>
               </a:pPr>
-              <a:t>20</a:t>
+              <a:t>21</a:t>
             </a:fld>
             <a:endParaRPr/>
           </a:p>
@@ -29707,7 +30101,7 @@
 </p:sld>
 </file>
 
-<file path=ppt/slides/slide21.xml><?xml version="1.0" encoding="utf-8"?>
+<file path=ppt/slides/slide22.xml><?xml version="1.0" encoding="utf-8"?>
 <p:sld xmlns:a="http://schemas.openxmlformats.org/drawingml/2006/main" xmlns:r="http://schemas.openxmlformats.org/officeDocument/2006/relationships" xmlns:p="http://schemas.openxmlformats.org/presentationml/2006/main">
   <p:cSld>
     <p:spTree>
@@ -29781,7 +30175,7 @@
               <a:pPr>
                 <a:defRPr/>
               </a:pPr>
-              <a:t>21</a:t>
+              <a:t>22</a:t>
             </a:fld>
             <a:endParaRPr lang="en-US" altLang="x-none"/>
           </a:p>
@@ -30579,8 +30973,8 @@
           </a:p>
         </p:txBody>
       </p:sp>
-      <mc:AlternateContent xmlns:mc="http://schemas.openxmlformats.org/markup-compatibility/2006">
-        <mc:Choice xmlns:a14="http://schemas.microsoft.com/office/drawing/2010/main" Requires="a14">
+      <mc:AlternateContent xmlns:mc="http://schemas.openxmlformats.org/markup-compatibility/2006" xmlns:a14="http://schemas.microsoft.com/office/drawing/2010/main">
+        <mc:Choice Requires="a14">
           <p:sp>
             <p:nvSpPr>
               <p:cNvPr id="12" name="TextBox 11">
@@ -30596,7 +30990,7 @@
             <p:spPr>
               <a:xfrm>
                 <a:off x="350014" y="5480088"/>
-                <a:ext cx="8378576" cy="276999"/>
+                <a:ext cx="7618752" cy="276999"/>
               </a:xfrm>
               <a:prstGeom prst="rect">
                 <a:avLst/>
@@ -30609,66 +31003,64 @@
               </a:bodyPr>
               <a:lstStyle/>
               <a:p>
-                <a:r>
-                  <a:rPr lang="en-US" b="1" dirty="0"/>
-                  <a:t>Illustrative Relationship</a:t>
-                </a:r>
-                <a:r>
-                  <a:rPr lang="en-US" b="0" dirty="0"/>
-                  <a:t>: </a:t>
-                </a:r>
+                <a:pPr/>
                 <a14:m>
-                  <m:oMath xmlns:m="http://schemas.openxmlformats.org/officeDocument/2006/math">
-                    <m:r>
-                      <a:rPr lang="en-US" b="0" i="1" smtClean="0">
-                        <a:latin typeface="Cambria Math" panose="02040503050406030204" pitchFamily="18" charset="0"/>
-                      </a:rPr>
-                      <m:t>𝑌𝑖𝑒𝑙𝑑</m:t>
-                    </m:r>
-                    <m:r>
-                      <a:rPr lang="en-US" b="0" i="1" smtClean="0">
-                        <a:latin typeface="Cambria Math" panose="02040503050406030204" pitchFamily="18" charset="0"/>
-                      </a:rPr>
-                      <m:t>=</m:t>
-                    </m:r>
-                    <m:r>
-                      <a:rPr lang="en-US" b="0" i="1" smtClean="0">
-                        <a:latin typeface="Cambria Math" panose="02040503050406030204" pitchFamily="18" charset="0"/>
-                      </a:rPr>
-                      <m:t>𝑇𝑒𝑚𝑝𝑒𝑟𝑎𝑡𝑢𝑟𝑒</m:t>
-                    </m:r>
-                    <m:r>
-                      <a:rPr lang="en-US" b="0" i="1" smtClean="0">
-                        <a:latin typeface="Cambria Math" panose="02040503050406030204" pitchFamily="18" charset="0"/>
-                      </a:rPr>
-                      <m:t>−0.1∗</m:t>
-                    </m:r>
-                    <m:r>
-                      <a:rPr lang="en-US" b="0" i="1" smtClean="0">
-                        <a:latin typeface="Cambria Math" panose="02040503050406030204" pitchFamily="18" charset="0"/>
-                      </a:rPr>
-                      <m:t>𝑆𝑡𝑎𝑟𝑡𝑀𝑎𝑡𝑒𝑟𝑖𝑎𝑙</m:t>
-                    </m:r>
-                    <m:r>
-                      <a:rPr lang="en-US" b="0" i="1" smtClean="0">
-                        <a:latin typeface="Cambria Math" panose="02040503050406030204" pitchFamily="18" charset="0"/>
-                      </a:rPr>
-                      <m:t>+</m:t>
-                    </m:r>
-                    <m:r>
-                      <a:rPr lang="en-US" b="0" i="1" smtClean="0">
-                        <a:latin typeface="Cambria Math" panose="02040503050406030204" pitchFamily="18" charset="0"/>
-                      </a:rPr>
-                      <m:t>𝐶𝑎𝑡𝑎𝑙𝑦𝑠𝑡</m:t>
-                    </m:r>
-                  </m:oMath>
+                  <m:oMathPara xmlns:m="http://schemas.openxmlformats.org/officeDocument/2006/math">
+                    <m:oMathParaPr>
+                      <m:jc m:val="centerGroup"/>
+                    </m:oMathParaPr>
+                    <m:oMath xmlns:m="http://schemas.openxmlformats.org/officeDocument/2006/math">
+                      <m:r>
+                        <a:rPr lang="en-US" b="0" i="1" smtClean="0">
+                          <a:latin typeface="Cambria Math" panose="02040503050406030204" pitchFamily="18" charset="0"/>
+                        </a:rPr>
+                        <m:t>𝑌𝑖𝑒𝑙𝑑</m:t>
+                      </m:r>
+                      <m:r>
+                        <a:rPr lang="en-US" b="0" i="1" smtClean="0">
+                          <a:latin typeface="Cambria Math" panose="02040503050406030204" pitchFamily="18" charset="0"/>
+                        </a:rPr>
+                        <m:t>=</m:t>
+                      </m:r>
+                      <m:r>
+                        <a:rPr lang="en-US" b="0" i="1" smtClean="0">
+                          <a:latin typeface="Cambria Math" panose="02040503050406030204" pitchFamily="18" charset="0"/>
+                        </a:rPr>
+                        <m:t>𝐸𝑓𝑓𝑒𝑐𝑡𝑂𝑓𝑇𝑒𝑚𝑝𝑒𝑟𝑎𝑡𝑢𝑟𝑒</m:t>
+                      </m:r>
+                      <m:r>
+                        <a:rPr lang="en-US" b="0" i="1" smtClean="0">
+                          <a:latin typeface="Cambria Math" panose="02040503050406030204" pitchFamily="18" charset="0"/>
+                        </a:rPr>
+                        <m:t>+</m:t>
+                      </m:r>
+                      <m:r>
+                        <a:rPr lang="en-US" b="0" i="1" smtClean="0">
+                          <a:latin typeface="Cambria Math" panose="02040503050406030204" pitchFamily="18" charset="0"/>
+                        </a:rPr>
+                        <m:t>𝐸𝑓𝑓𝑒𝑐𝑡𝑂𝑓𝑀𝑎𝑡𝑒𝑟𝑖𝑎𝑙</m:t>
+                      </m:r>
+                      <m:r>
+                        <a:rPr lang="en-US" b="0" i="1" smtClean="0">
+                          <a:latin typeface="Cambria Math" panose="02040503050406030204" pitchFamily="18" charset="0"/>
+                        </a:rPr>
+                        <m:t>+</m:t>
+                      </m:r>
+                      <m:r>
+                        <a:rPr lang="en-US" b="0" i="1" smtClean="0">
+                          <a:latin typeface="Cambria Math" panose="02040503050406030204" pitchFamily="18" charset="0"/>
+                        </a:rPr>
+                        <m:t>𝐸𝑓𝑓𝑒𝑐𝑡𝑂𝑓𝐶𝑎𝑡𝑎𝑙𝑦𝑠𝑡</m:t>
+                      </m:r>
+                    </m:oMath>
+                  </m:oMathPara>
                 </a14:m>
                 <a:endParaRPr lang="en-US" dirty="0"/>
               </a:p>
             </p:txBody>
           </p:sp>
         </mc:Choice>
-        <mc:Fallback>
+        <mc:Fallback xmlns="">
           <p:sp>
             <p:nvSpPr>
               <p:cNvPr id="12" name="TextBox 11">
@@ -30686,7 +31078,7 @@
             <p:spPr>
               <a:xfrm>
                 <a:off x="350014" y="5480088"/>
-                <a:ext cx="8378576" cy="276999"/>
+                <a:ext cx="7618752" cy="276999"/>
               </a:xfrm>
               <a:prstGeom prst="rect">
                 <a:avLst/>
@@ -30694,7 +31086,7 @@
               <a:blipFill>
                 <a:blip r:embed="rId3"/>
                 <a:stretch>
-                  <a:fillRect l="-1664" t="-26087" r="-303" b="-47826"/>
+                  <a:fillRect l="-166" r="-499" b="-39130"/>
                 </a:stretch>
               </a:blipFill>
             </p:spPr>

--- a/Lectures/Design-Of-Experiments/doe_overview.pptx
+++ b/Lectures/Design-Of-Experiments/doe_overview.pptx
@@ -5,10 +5,10 @@
     <p:sldMasterId id="2147483648" r:id="rId1"/>
   </p:sldMasterIdLst>
   <p:notesMasterIdLst>
-    <p:notesMasterId r:id="rId24"/>
+    <p:notesMasterId r:id="rId23"/>
   </p:notesMasterIdLst>
   <p:handoutMasterIdLst>
-    <p:handoutMasterId r:id="rId25"/>
+    <p:handoutMasterId r:id="rId24"/>
   </p:handoutMasterIdLst>
   <p:sldIdLst>
     <p:sldId id="473" r:id="rId2"/>
@@ -29,10 +29,9 @@
     <p:sldId id="390" r:id="rId17"/>
     <p:sldId id="480" r:id="rId18"/>
     <p:sldId id="391" r:id="rId19"/>
-    <p:sldId id="481" r:id="rId20"/>
-    <p:sldId id="385" r:id="rId21"/>
-    <p:sldId id="271" r:id="rId22"/>
-    <p:sldId id="474" r:id="rId23"/>
+    <p:sldId id="385" r:id="rId20"/>
+    <p:sldId id="271" r:id="rId21"/>
+    <p:sldId id="474" r:id="rId22"/>
   </p:sldIdLst>
   <p:sldSz cx="9144000" cy="6858000" type="screen4x3"/>
   <p:notesSz cx="6858000" cy="9144000"/>
@@ -302,7 +301,7 @@
               <a:pPr>
                 <a:defRPr/>
               </a:pPr>
-              <a:t>11/6/23</a:t>
+              <a:t>11/4/24</a:t>
             </a:fld>
             <a:endParaRPr lang="en-US" altLang="x-none"/>
           </a:p>
@@ -511,7 +510,7 @@
               <a:pPr>
                 <a:defRPr/>
               </a:pPr>
-              <a:t>11/3/23</a:t>
+              <a:t>11/4/24</a:t>
             </a:fld>
             <a:endParaRPr lang="en-US" altLang="x-none"/>
           </a:p>
@@ -1027,7 +1026,7 @@
               <a:pPr>
                 <a:defRPr/>
               </a:pPr>
-              <a:t>20</a:t>
+              <a:t>19</a:t>
             </a:fld>
             <a:endParaRPr lang="en-US" altLang="x-none"/>
           </a:p>
@@ -1200,7 +1199,7 @@
             </a:pPr>
             <a:fld id="{00000000-1234-1234-1234-123412341234}" type="slidenum">
               <a:rPr lang="en-US"/>
-              <a:t>21</a:t>
+              <a:t>20</a:t>
             </a:fld>
             <a:endParaRPr/>
           </a:p>
@@ -21231,8 +21230,8 @@
           </p:sp>
         </mc:Fallback>
       </mc:AlternateContent>
-      <mc:AlternateContent xmlns:mc="http://schemas.openxmlformats.org/markup-compatibility/2006" xmlns:a14="http://schemas.microsoft.com/office/drawing/2010/main">
-        <mc:Choice Requires="a14">
+      <mc:AlternateContent xmlns:mc="http://schemas.openxmlformats.org/markup-compatibility/2006">
+        <mc:Choice xmlns:a14="http://schemas.microsoft.com/office/drawing/2010/main" Requires="a14">
           <p:sp>
             <p:nvSpPr>
               <p:cNvPr id="14" name="TextBox 13">
@@ -21248,7 +21247,7 @@
             <p:spPr>
               <a:xfrm>
                 <a:off x="193257" y="3252854"/>
-                <a:ext cx="3641894" cy="460895"/>
+                <a:ext cx="5488554" cy="460895"/>
               </a:xfrm>
               <a:prstGeom prst="rect">
                 <a:avLst/>
@@ -21372,14 +21371,18 @@
                 </a14:m>
                 <a:r>
                   <a:rPr lang="en-US" sz="2000" dirty="0"/>
-                  <a:t> Effect of interactions</a:t>
+                  <a:t> Effect of interactions. Is </a:t>
+                </a:r>
+                <a:r>
+                  <a:rPr lang="en-US" sz="2000"/>
+                  <a:t>0 for a 1WD.</a:t>
                 </a:r>
                 <a:endParaRPr lang="en-US" sz="2000" i="1" dirty="0"/>
               </a:p>
             </p:txBody>
           </p:sp>
         </mc:Choice>
-        <mc:Fallback xmlns="">
+        <mc:Fallback>
           <p:sp>
             <p:nvSpPr>
               <p:cNvPr id="14" name="TextBox 13">
@@ -21397,7 +21400,7 @@
             <p:spPr>
               <a:xfrm>
                 <a:off x="193257" y="3252854"/>
-                <a:ext cx="3641894" cy="460895"/>
+                <a:ext cx="5488554" cy="460895"/>
               </a:xfrm>
               <a:prstGeom prst="rect">
                 <a:avLst/>
@@ -21405,7 +21408,7 @@
               <a:blipFill>
                 <a:blip r:embed="rId7"/>
                 <a:stretch>
-                  <a:fillRect l="-1045" t="-8108" r="-1045" b="-10811"/>
+                  <a:fillRect l="-693" t="-8108" r="-231" b="-10811"/>
                 </a:stretch>
               </a:blipFill>
             </p:spPr>
@@ -25716,705 +25719,6 @@
           <p:cNvPr id="2" name="Title 1">
             <a:extLst>
               <a:ext uri="{FF2B5EF4-FFF2-40B4-BE49-F238E27FC236}">
-                <a16:creationId xmlns:a16="http://schemas.microsoft.com/office/drawing/2014/main" id="{C932673B-6C72-B82D-15BB-ACFCEDAD1115}"/>
-              </a:ext>
-            </a:extLst>
-          </p:cNvPr>
-          <p:cNvSpPr>
-            <a:spLocks noGrp="1"/>
-          </p:cNvSpPr>
-          <p:nvPr>
-            <p:ph type="title"/>
-          </p:nvPr>
-        </p:nvSpPr>
-        <p:spPr/>
-        <p:txBody>
-          <a:bodyPr/>
-          <a:lstStyle/>
-          <a:p>
-            <a:endParaRPr lang="en-US"/>
-          </a:p>
-        </p:txBody>
-      </p:sp>
-      <p:sp>
-        <p:nvSpPr>
-          <p:cNvPr id="3" name="Slide Number Placeholder 2">
-            <a:extLst>
-              <a:ext uri="{FF2B5EF4-FFF2-40B4-BE49-F238E27FC236}">
-                <a16:creationId xmlns:a16="http://schemas.microsoft.com/office/drawing/2014/main" id="{5863176D-F268-D728-1DD2-B3A97349C74F}"/>
-              </a:ext>
-            </a:extLst>
-          </p:cNvPr>
-          <p:cNvSpPr>
-            <a:spLocks noGrp="1"/>
-          </p:cNvSpPr>
-          <p:nvPr>
-            <p:ph type="sldNum" sz="quarter" idx="11"/>
-          </p:nvPr>
-        </p:nvSpPr>
-        <p:spPr/>
-        <p:txBody>
-          <a:bodyPr/>
-          <a:lstStyle/>
-          <a:p>
-            <a:pPr>
-              <a:defRPr/>
-            </a:pPr>
-            <a:fld id="{2E4304A7-0FB2-4094-BC1E-DB17183AD0C1}" type="slidenum">
-              <a:rPr lang="en-US" altLang="x-none" smtClean="0"/>
-              <a:pPr>
-                <a:defRPr/>
-              </a:pPr>
-              <a:t>19</a:t>
-            </a:fld>
-            <a:endParaRPr lang="en-US" altLang="x-none"/>
-          </a:p>
-        </p:txBody>
-      </p:sp>
-      <mc:AlternateContent xmlns:mc="http://schemas.openxmlformats.org/markup-compatibility/2006">
-        <mc:Choice xmlns:a14="http://schemas.microsoft.com/office/drawing/2010/main" Requires="a14">
-          <p:sp>
-            <p:nvSpPr>
-              <p:cNvPr id="5" name="TextBox 4">
-                <a:extLst>
-                  <a:ext uri="{FF2B5EF4-FFF2-40B4-BE49-F238E27FC236}">
-                    <a16:creationId xmlns:a16="http://schemas.microsoft.com/office/drawing/2014/main" id="{BD37DAD3-8B7E-3BE2-81C3-5DBEE74D6FAA}"/>
-                  </a:ext>
-                </a:extLst>
-              </p:cNvPr>
-              <p:cNvSpPr txBox="1"/>
-              <p:nvPr/>
-            </p:nvSpPr>
-            <p:spPr>
-              <a:xfrm>
-                <a:off x="2286000" y="3219616"/>
-                <a:ext cx="4572000" cy="629018"/>
-              </a:xfrm>
-              <a:prstGeom prst="rect">
-                <a:avLst/>
-              </a:prstGeom>
-              <a:noFill/>
-            </p:spPr>
-            <p:txBody>
-              <a:bodyPr wrap="square">
-                <a:spAutoFit/>
-              </a:bodyPr>
-              <a:lstStyle/>
-              <a:p>
-                <a:pPr/>
-                <a14:m>
-                  <m:oMathPara xmlns:m="http://schemas.openxmlformats.org/officeDocument/2006/math">
-                    <m:oMathParaPr>
-                      <m:jc m:val="centerGroup"/>
-                    </m:oMathParaPr>
-                    <m:oMath xmlns:m="http://schemas.openxmlformats.org/officeDocument/2006/math">
-                      <m:sSub>
-                        <m:sSubPr>
-                          <m:ctrlPr>
-                            <a:rPr lang="en-US" sz="3200" b="1" i="1" smtClean="0">
-                              <a:latin typeface="Cambria Math" panose="02040503050406030204" pitchFamily="18" charset="0"/>
-                            </a:rPr>
-                          </m:ctrlPr>
-                        </m:sSubPr>
-                        <m:e>
-                          <m:r>
-                            <a:rPr lang="en-US" sz="3200" b="1" i="1" smtClean="0">
-                              <a:latin typeface="Cambria Math" panose="02040503050406030204" pitchFamily="18" charset="0"/>
-                            </a:rPr>
-                            <m:t>𝒚</m:t>
-                          </m:r>
-                        </m:e>
-                        <m:sub>
-                          <m:r>
-                            <a:rPr lang="en-US" sz="3200" b="1" i="1" smtClean="0">
-                              <a:latin typeface="Cambria Math" panose="02040503050406030204" pitchFamily="18" charset="0"/>
-                            </a:rPr>
-                            <m:t>𝒊</m:t>
-                          </m:r>
-                          <m:r>
-                            <a:rPr lang="en-US" sz="3200" b="1" i="1" smtClean="0">
-                              <a:latin typeface="Cambria Math" panose="02040503050406030204" pitchFamily="18" charset="0"/>
-                            </a:rPr>
-                            <m:t>, </m:t>
-                          </m:r>
-                          <m:sSub>
-                            <m:sSubPr>
-                              <m:ctrlPr>
-                                <a:rPr lang="en-US" sz="3200" b="1" i="1" smtClean="0">
-                                  <a:latin typeface="Cambria Math" panose="02040503050406030204" pitchFamily="18" charset="0"/>
-                                </a:rPr>
-                              </m:ctrlPr>
-                            </m:sSubPr>
-                            <m:e>
-                              <m:r>
-                                <a:rPr lang="en-US" sz="3200" b="1" i="1" smtClean="0">
-                                  <a:latin typeface="Cambria Math" panose="02040503050406030204" pitchFamily="18" charset="0"/>
-                                </a:rPr>
-                                <m:t>𝒌</m:t>
-                              </m:r>
-                            </m:e>
-                            <m:sub>
-                              <m:r>
-                                <a:rPr lang="en-US" sz="3200" b="1" i="1" smtClean="0">
-                                  <a:latin typeface="Cambria Math" panose="02040503050406030204" pitchFamily="18" charset="0"/>
-                                </a:rPr>
-                                <m:t>𝒊</m:t>
-                              </m:r>
-                            </m:sub>
-                          </m:sSub>
-                          <m:r>
-                            <a:rPr lang="en-US" sz="3200" b="1" i="1" smtClean="0">
-                              <a:latin typeface="Cambria Math" panose="02040503050406030204" pitchFamily="18" charset="0"/>
-                            </a:rPr>
-                            <m:t> </m:t>
-                          </m:r>
-                        </m:sub>
-                      </m:sSub>
-                      <m:r>
-                        <a:rPr lang="en-US" sz="3200" b="1" i="1" smtClean="0">
-                          <a:latin typeface="Cambria Math" panose="02040503050406030204" pitchFamily="18" charset="0"/>
-                        </a:rPr>
-                        <m:t>=</m:t>
-                      </m:r>
-                      <m:r>
-                        <a:rPr lang="en-US" sz="3200" b="1" i="1" smtClean="0">
-                          <a:latin typeface="Cambria Math" panose="02040503050406030204" pitchFamily="18" charset="0"/>
-                        </a:rPr>
-                        <m:t>𝝁</m:t>
-                      </m:r>
-                      <m:r>
-                        <a:rPr lang="en-US" sz="3200" b="1" i="1" smtClean="0">
-                          <a:latin typeface="Cambria Math" panose="02040503050406030204" pitchFamily="18" charset="0"/>
-                        </a:rPr>
-                        <m:t>+</m:t>
-                      </m:r>
-                      <m:sSub>
-                        <m:sSubPr>
-                          <m:ctrlPr>
-                            <a:rPr lang="en-US" sz="3200" b="1" i="1" smtClean="0">
-                              <a:latin typeface="Cambria Math" panose="02040503050406030204" pitchFamily="18" charset="0"/>
-                            </a:rPr>
-                          </m:ctrlPr>
-                        </m:sSubPr>
-                        <m:e>
-                          <m:r>
-                            <a:rPr lang="en-US" sz="3200" b="1" i="1" smtClean="0">
-                              <a:latin typeface="Cambria Math" panose="02040503050406030204" pitchFamily="18" charset="0"/>
-                            </a:rPr>
-                            <m:t>𝜶</m:t>
-                          </m:r>
-                        </m:e>
-                        <m:sub>
-                          <m:r>
-                            <a:rPr lang="en-US" sz="3200" b="1" i="1" smtClean="0">
-                              <a:latin typeface="Cambria Math" panose="02040503050406030204" pitchFamily="18" charset="0"/>
-                            </a:rPr>
-                            <m:t>𝒊</m:t>
-                          </m:r>
-                          <m:r>
-                            <a:rPr lang="en-US" sz="3200" b="1" i="1" smtClean="0">
-                              <a:latin typeface="Cambria Math" panose="02040503050406030204" pitchFamily="18" charset="0"/>
-                            </a:rPr>
-                            <m:t>,</m:t>
-                          </m:r>
-                          <m:sSub>
-                            <m:sSubPr>
-                              <m:ctrlPr>
-                                <a:rPr lang="en-US" sz="3200" b="1" i="1" smtClean="0">
-                                  <a:latin typeface="Cambria Math" panose="02040503050406030204" pitchFamily="18" charset="0"/>
-                                </a:rPr>
-                              </m:ctrlPr>
-                            </m:sSubPr>
-                            <m:e>
-                              <m:r>
-                                <a:rPr lang="en-US" sz="3200" b="1" i="1" smtClean="0">
-                                  <a:latin typeface="Cambria Math" panose="02040503050406030204" pitchFamily="18" charset="0"/>
-                                </a:rPr>
-                                <m:t>𝒌</m:t>
-                              </m:r>
-                            </m:e>
-                            <m:sub>
-                              <m:r>
-                                <a:rPr lang="en-US" sz="3200" b="1" i="1" smtClean="0">
-                                  <a:latin typeface="Cambria Math" panose="02040503050406030204" pitchFamily="18" charset="0"/>
-                                </a:rPr>
-                                <m:t>𝒊</m:t>
-                              </m:r>
-                            </m:sub>
-                          </m:sSub>
-                          <m:r>
-                            <a:rPr lang="en-US" sz="3200" b="1" i="1" smtClean="0">
-                              <a:latin typeface="Cambria Math" panose="02040503050406030204" pitchFamily="18" charset="0"/>
-                            </a:rPr>
-                            <m:t> </m:t>
-                          </m:r>
-                        </m:sub>
-                      </m:sSub>
-                    </m:oMath>
-                  </m:oMathPara>
-                </a14:m>
-                <a:endParaRPr lang="en-US" sz="3200" b="1" dirty="0"/>
-              </a:p>
-            </p:txBody>
-          </p:sp>
-        </mc:Choice>
-        <mc:Fallback>
-          <p:sp>
-            <p:nvSpPr>
-              <p:cNvPr id="5" name="TextBox 4">
-                <a:extLst>
-                  <a:ext uri="{FF2B5EF4-FFF2-40B4-BE49-F238E27FC236}">
-                    <a16:creationId xmlns:a16="http://schemas.microsoft.com/office/drawing/2014/main" id="{BD37DAD3-8B7E-3BE2-81C3-5DBEE74D6FAA}"/>
-                  </a:ext>
-                </a:extLst>
-              </p:cNvPr>
-              <p:cNvSpPr txBox="1">
-                <a:spLocks noRot="1" noChangeAspect="1" noMove="1" noResize="1" noEditPoints="1" noAdjustHandles="1" noChangeArrowheads="1" noChangeShapeType="1" noTextEdit="1"/>
-              </p:cNvSpPr>
-              <p:nvPr/>
-            </p:nvSpPr>
-            <p:spPr>
-              <a:xfrm>
-                <a:off x="2286000" y="3219616"/>
-                <a:ext cx="4572000" cy="629018"/>
-              </a:xfrm>
-              <a:prstGeom prst="rect">
-                <a:avLst/>
-              </a:prstGeom>
-              <a:blipFill>
-                <a:blip r:embed="rId2"/>
-                <a:stretch>
-                  <a:fillRect b="-18000"/>
-                </a:stretch>
-              </a:blipFill>
-            </p:spPr>
-            <p:txBody>
-              <a:bodyPr/>
-              <a:lstStyle/>
-              <a:p>
-                <a:r>
-                  <a:rPr lang="en-US">
-                    <a:noFill/>
-                  </a:rPr>
-                  <a:t> </a:t>
-                </a:r>
-              </a:p>
-            </p:txBody>
-          </p:sp>
-        </mc:Fallback>
-      </mc:AlternateContent>
-      <mc:AlternateContent xmlns:mc="http://schemas.openxmlformats.org/markup-compatibility/2006">
-        <mc:Choice xmlns:a14="http://schemas.microsoft.com/office/drawing/2010/main" Requires="a14">
-          <p:sp>
-            <p:nvSpPr>
-              <p:cNvPr id="6" name="TextBox 5">
-                <a:extLst>
-                  <a:ext uri="{FF2B5EF4-FFF2-40B4-BE49-F238E27FC236}">
-                    <a16:creationId xmlns:a16="http://schemas.microsoft.com/office/drawing/2014/main" id="{7EF2160C-9EE8-DFEB-72FC-14DABDE5B5A4}"/>
-                  </a:ext>
-                </a:extLst>
-              </p:cNvPr>
-              <p:cNvSpPr txBox="1"/>
-              <p:nvPr/>
-            </p:nvSpPr>
-            <p:spPr>
-              <a:xfrm>
-                <a:off x="2286000" y="3848634"/>
-                <a:ext cx="4572000" cy="629018"/>
-              </a:xfrm>
-              <a:prstGeom prst="rect">
-                <a:avLst/>
-              </a:prstGeom>
-              <a:noFill/>
-            </p:spPr>
-            <p:txBody>
-              <a:bodyPr wrap="square">
-                <a:spAutoFit/>
-              </a:bodyPr>
-              <a:lstStyle/>
-              <a:p>
-                <a:pPr/>
-                <a14:m>
-                  <m:oMathPara xmlns:m="http://schemas.openxmlformats.org/officeDocument/2006/math">
-                    <m:oMathParaPr>
-                      <m:jc m:val="centerGroup"/>
-                    </m:oMathParaPr>
-                    <m:oMath xmlns:m="http://schemas.openxmlformats.org/officeDocument/2006/math">
-                      <m:sSub>
-                        <m:sSubPr>
-                          <m:ctrlPr>
-                            <a:rPr lang="en-US" sz="3200" b="1" i="1" smtClean="0">
-                              <a:latin typeface="Cambria Math" panose="02040503050406030204" pitchFamily="18" charset="0"/>
-                            </a:rPr>
-                          </m:ctrlPr>
-                        </m:sSubPr>
-                        <m:e>
-                          <m:sSub>
-                            <m:sSubPr>
-                              <m:ctrlPr>
-                                <a:rPr lang="en-US" sz="3200" b="1" i="1">
-                                  <a:latin typeface="Cambria Math" panose="02040503050406030204" pitchFamily="18" charset="0"/>
-                                </a:rPr>
-                              </m:ctrlPr>
-                            </m:sSubPr>
-                            <m:e>
-                              <m:r>
-                                <a:rPr lang="en-US" sz="3200" b="1" i="1">
-                                  <a:latin typeface="Cambria Math" panose="02040503050406030204" pitchFamily="18" charset="0"/>
-                                </a:rPr>
-                                <m:t>𝜶</m:t>
-                              </m:r>
-                            </m:e>
-                            <m:sub>
-                              <m:r>
-                                <a:rPr lang="en-US" sz="3200" b="1" i="1">
-                                  <a:latin typeface="Cambria Math" panose="02040503050406030204" pitchFamily="18" charset="0"/>
-                                </a:rPr>
-                                <m:t>𝒊</m:t>
-                              </m:r>
-                              <m:r>
-                                <a:rPr lang="en-US" sz="3200" b="1" i="1">
-                                  <a:latin typeface="Cambria Math" panose="02040503050406030204" pitchFamily="18" charset="0"/>
-                                </a:rPr>
-                                <m:t>,</m:t>
-                              </m:r>
-                              <m:sSub>
-                                <m:sSubPr>
-                                  <m:ctrlPr>
-                                    <a:rPr lang="en-US" sz="3200" b="1" i="1">
-                                      <a:latin typeface="Cambria Math" panose="02040503050406030204" pitchFamily="18" charset="0"/>
-                                    </a:rPr>
-                                  </m:ctrlPr>
-                                </m:sSubPr>
-                                <m:e>
-                                  <m:r>
-                                    <a:rPr lang="en-US" sz="3200" b="1" i="1">
-                                      <a:latin typeface="Cambria Math" panose="02040503050406030204" pitchFamily="18" charset="0"/>
-                                    </a:rPr>
-                                    <m:t>𝒌</m:t>
-                                  </m:r>
-                                </m:e>
-                                <m:sub>
-                                  <m:r>
-                                    <a:rPr lang="en-US" sz="3200" b="1" i="1">
-                                      <a:latin typeface="Cambria Math" panose="02040503050406030204" pitchFamily="18" charset="0"/>
-                                    </a:rPr>
-                                    <m:t>𝒊</m:t>
-                                  </m:r>
-                                </m:sub>
-                              </m:sSub>
-                              <m:r>
-                                <a:rPr lang="en-US" sz="3200" b="1" i="1">
-                                  <a:latin typeface="Cambria Math" panose="02040503050406030204" pitchFamily="18" charset="0"/>
-                                </a:rPr>
-                                <m:t> </m:t>
-                              </m:r>
-                            </m:sub>
-                          </m:sSub>
-                          <m:r>
-                            <a:rPr lang="en-US" sz="3200" b="1" i="1" smtClean="0">
-                              <a:latin typeface="Cambria Math" panose="02040503050406030204" pitchFamily="18" charset="0"/>
-                            </a:rPr>
-                            <m:t>=</m:t>
-                          </m:r>
-                          <m:r>
-                            <a:rPr lang="en-US" sz="3200" b="1" i="1" smtClean="0">
-                              <a:latin typeface="Cambria Math" panose="02040503050406030204" pitchFamily="18" charset="0"/>
-                            </a:rPr>
-                            <m:t>𝒚</m:t>
-                          </m:r>
-                        </m:e>
-                        <m:sub>
-                          <m:r>
-                            <a:rPr lang="en-US" sz="3200" b="1" i="1" smtClean="0">
-                              <a:latin typeface="Cambria Math" panose="02040503050406030204" pitchFamily="18" charset="0"/>
-                            </a:rPr>
-                            <m:t>𝒊</m:t>
-                          </m:r>
-                          <m:r>
-                            <a:rPr lang="en-US" sz="3200" b="1" i="1" smtClean="0">
-                              <a:latin typeface="Cambria Math" panose="02040503050406030204" pitchFamily="18" charset="0"/>
-                            </a:rPr>
-                            <m:t>, </m:t>
-                          </m:r>
-                          <m:sSub>
-                            <m:sSubPr>
-                              <m:ctrlPr>
-                                <a:rPr lang="en-US" sz="3200" b="1" i="1" smtClean="0">
-                                  <a:latin typeface="Cambria Math" panose="02040503050406030204" pitchFamily="18" charset="0"/>
-                                </a:rPr>
-                              </m:ctrlPr>
-                            </m:sSubPr>
-                            <m:e>
-                              <m:r>
-                                <a:rPr lang="en-US" sz="3200" b="1" i="1" smtClean="0">
-                                  <a:latin typeface="Cambria Math" panose="02040503050406030204" pitchFamily="18" charset="0"/>
-                                </a:rPr>
-                                <m:t>𝒌</m:t>
-                              </m:r>
-                            </m:e>
-                            <m:sub>
-                              <m:r>
-                                <a:rPr lang="en-US" sz="3200" b="1" i="1" smtClean="0">
-                                  <a:latin typeface="Cambria Math" panose="02040503050406030204" pitchFamily="18" charset="0"/>
-                                </a:rPr>
-                                <m:t>𝒊</m:t>
-                              </m:r>
-                            </m:sub>
-                          </m:sSub>
-                          <m:r>
-                            <a:rPr lang="en-US" sz="3200" b="1" i="1" smtClean="0">
-                              <a:latin typeface="Cambria Math" panose="02040503050406030204" pitchFamily="18" charset="0"/>
-                            </a:rPr>
-                            <m:t> </m:t>
-                          </m:r>
-                        </m:sub>
-                      </m:sSub>
-                      <m:r>
-                        <a:rPr lang="en-US" sz="3200" b="1" i="1" smtClean="0">
-                          <a:latin typeface="Cambria Math" panose="02040503050406030204" pitchFamily="18" charset="0"/>
-                        </a:rPr>
-                        <m:t>−</m:t>
-                      </m:r>
-                      <m:r>
-                        <a:rPr lang="en-US" sz="3200" b="1" i="1" smtClean="0">
-                          <a:latin typeface="Cambria Math" panose="02040503050406030204" pitchFamily="18" charset="0"/>
-                        </a:rPr>
-                        <m:t>𝝁</m:t>
-                      </m:r>
-                    </m:oMath>
-                  </m:oMathPara>
-                </a14:m>
-                <a:endParaRPr lang="en-US" sz="3200" b="1" dirty="0"/>
-              </a:p>
-            </p:txBody>
-          </p:sp>
-        </mc:Choice>
-        <mc:Fallback>
-          <p:sp>
-            <p:nvSpPr>
-              <p:cNvPr id="6" name="TextBox 5">
-                <a:extLst>
-                  <a:ext uri="{FF2B5EF4-FFF2-40B4-BE49-F238E27FC236}">
-                    <a16:creationId xmlns:a16="http://schemas.microsoft.com/office/drawing/2014/main" id="{7EF2160C-9EE8-DFEB-72FC-14DABDE5B5A4}"/>
-                  </a:ext>
-                </a:extLst>
-              </p:cNvPr>
-              <p:cNvSpPr txBox="1">
-                <a:spLocks noRot="1" noChangeAspect="1" noMove="1" noResize="1" noEditPoints="1" noAdjustHandles="1" noChangeArrowheads="1" noChangeShapeType="1" noTextEdit="1"/>
-              </p:cNvSpPr>
-              <p:nvPr/>
-            </p:nvSpPr>
-            <p:spPr>
-              <a:xfrm>
-                <a:off x="2286000" y="3848634"/>
-                <a:ext cx="4572000" cy="629018"/>
-              </a:xfrm>
-              <a:prstGeom prst="rect">
-                <a:avLst/>
-              </a:prstGeom>
-              <a:blipFill>
-                <a:blip r:embed="rId3"/>
-                <a:stretch>
-                  <a:fillRect b="-15686"/>
-                </a:stretch>
-              </a:blipFill>
-            </p:spPr>
-            <p:txBody>
-              <a:bodyPr/>
-              <a:lstStyle/>
-              <a:p>
-                <a:r>
-                  <a:rPr lang="en-US">
-                    <a:noFill/>
-                  </a:rPr>
-                  <a:t> </a:t>
-                </a:r>
-              </a:p>
-            </p:txBody>
-          </p:sp>
-        </mc:Fallback>
-      </mc:AlternateContent>
-    </p:spTree>
-    <p:extLst>
-      <p:ext uri="{BB962C8B-B14F-4D97-AF65-F5344CB8AC3E}">
-        <p14:creationId xmlns:p14="http://schemas.microsoft.com/office/powerpoint/2010/main" val="1958787543"/>
-      </p:ext>
-    </p:extLst>
-  </p:cSld>
-  <p:clrMapOvr>
-    <a:masterClrMapping/>
-  </p:clrMapOvr>
-</p:sld>
-</file>
-
-<file path=ppt/slides/slide2.xml><?xml version="1.0" encoding="utf-8"?>
-<p:sld xmlns:a="http://schemas.openxmlformats.org/drawingml/2006/main" xmlns:r="http://schemas.openxmlformats.org/officeDocument/2006/relationships" xmlns:p="http://schemas.openxmlformats.org/presentationml/2006/main">
-  <p:cSld>
-    <p:spTree>
-      <p:nvGrpSpPr>
-        <p:cNvPr id="1" name=""/>
-        <p:cNvGrpSpPr/>
-        <p:nvPr/>
-      </p:nvGrpSpPr>
-      <p:grpSpPr>
-        <a:xfrm>
-          <a:off x="0" y="0"/>
-          <a:ext cx="0" cy="0"/>
-          <a:chOff x="0" y="0"/>
-          <a:chExt cx="0" cy="0"/>
-        </a:xfrm>
-      </p:grpSpPr>
-      <p:sp>
-        <p:nvSpPr>
-          <p:cNvPr id="5" name="Title 4">
-            <a:extLst>
-              <a:ext uri="{FF2B5EF4-FFF2-40B4-BE49-F238E27FC236}">
-                <a16:creationId xmlns:a16="http://schemas.microsoft.com/office/drawing/2014/main" id="{CEEFAF6C-41B8-70FD-5ABD-DACB6FA82256}"/>
-              </a:ext>
-            </a:extLst>
-          </p:cNvPr>
-          <p:cNvSpPr>
-            <a:spLocks noGrp="1"/>
-          </p:cNvSpPr>
-          <p:nvPr>
-            <p:ph type="title"/>
-          </p:nvPr>
-        </p:nvSpPr>
-        <p:spPr>
-          <a:xfrm>
-            <a:off x="457200" y="377891"/>
-            <a:ext cx="8229600" cy="838200"/>
-          </a:xfrm>
-        </p:spPr>
-        <p:txBody>
-          <a:bodyPr/>
-          <a:lstStyle/>
-          <a:p>
-            <a:r>
-              <a:rPr lang="en-US" dirty="0"/>
-              <a:t>Design of Experiments (DOE) is exemplified by optimizing industrial processes.</a:t>
-            </a:r>
-          </a:p>
-        </p:txBody>
-      </p:sp>
-      <p:sp>
-        <p:nvSpPr>
-          <p:cNvPr id="4" name="Slide Number Placeholder 3">
-            <a:extLst>
-              <a:ext uri="{FF2B5EF4-FFF2-40B4-BE49-F238E27FC236}">
-                <a16:creationId xmlns:a16="http://schemas.microsoft.com/office/drawing/2014/main" id="{FF844F1C-6852-C9A7-A9CE-15EF2CF86BB5}"/>
-              </a:ext>
-            </a:extLst>
-          </p:cNvPr>
-          <p:cNvSpPr>
-            <a:spLocks noGrp="1"/>
-          </p:cNvSpPr>
-          <p:nvPr>
-            <p:ph type="sldNum" sz="quarter" idx="11"/>
-          </p:nvPr>
-        </p:nvSpPr>
-        <p:spPr/>
-        <p:txBody>
-          <a:bodyPr/>
-          <a:lstStyle/>
-          <a:p>
-            <a:pPr>
-              <a:defRPr/>
-            </a:pPr>
-            <a:fld id="{3EF4E9CC-9D91-476E-91FD-5BEEC1642931}" type="slidenum">
-              <a:rPr lang="en-US" altLang="x-none" smtClean="0"/>
-              <a:pPr>
-                <a:defRPr/>
-              </a:pPr>
-              <a:t>2</a:t>
-            </a:fld>
-            <a:endParaRPr lang="en-US" altLang="x-none"/>
-          </a:p>
-        </p:txBody>
-      </p:sp>
-      <p:pic>
-        <p:nvPicPr>
-          <p:cNvPr id="1026" name="Picture 2" descr="Optimizing Chemical Processes - algorithmica technologies GmbH">
-            <a:extLst>
-              <a:ext uri="{FF2B5EF4-FFF2-40B4-BE49-F238E27FC236}">
-                <a16:creationId xmlns:a16="http://schemas.microsoft.com/office/drawing/2014/main" id="{497C0DE5-182E-1A5D-F882-07EFE4A3C082}"/>
-              </a:ext>
-            </a:extLst>
-          </p:cNvPr>
-          <p:cNvPicPr>
-            <a:picLocks noChangeAspect="1" noChangeArrowheads="1"/>
-          </p:cNvPicPr>
-          <p:nvPr/>
-        </p:nvPicPr>
-        <p:blipFill>
-          <a:blip r:embed="rId2">
-            <a:extLst>
-              <a:ext uri="{28A0092B-C50C-407E-A947-70E740481C1C}">
-                <a14:useLocalDpi xmlns:a14="http://schemas.microsoft.com/office/drawing/2010/main" val="0"/>
-              </a:ext>
-            </a:extLst>
-          </a:blip>
-          <a:srcRect/>
-          <a:stretch>
-            <a:fillRect/>
-          </a:stretch>
-        </p:blipFill>
-        <p:spPr bwMode="auto">
-          <a:xfrm>
-            <a:off x="956388" y="2060835"/>
-            <a:ext cx="7231224" cy="3615612"/>
-          </a:xfrm>
-          <a:prstGeom prst="rect">
-            <a:avLst/>
-          </a:prstGeom>
-          <a:noFill/>
-          <a:extLst>
-            <a:ext uri="{909E8E84-426E-40DD-AFC4-6F175D3DCCD1}">
-              <a14:hiddenFill xmlns:a14="http://schemas.microsoft.com/office/drawing/2010/main">
-                <a:solidFill>
-                  <a:srgbClr val="FFFFFF"/>
-                </a:solidFill>
-              </a14:hiddenFill>
-            </a:ext>
-          </a:extLst>
-        </p:spPr>
-      </p:pic>
-    </p:spTree>
-    <p:extLst>
-      <p:ext uri="{BB962C8B-B14F-4D97-AF65-F5344CB8AC3E}">
-        <p14:creationId xmlns:p14="http://schemas.microsoft.com/office/powerpoint/2010/main" val="4108088672"/>
-      </p:ext>
-    </p:extLst>
-  </p:cSld>
-  <p:clrMapOvr>
-    <a:masterClrMapping/>
-  </p:clrMapOvr>
-</p:sld>
-</file>
-
-<file path=ppt/slides/slide20.xml><?xml version="1.0" encoding="utf-8"?>
-<p:sld xmlns:a="http://schemas.openxmlformats.org/drawingml/2006/main" xmlns:r="http://schemas.openxmlformats.org/officeDocument/2006/relationships" xmlns:p="http://schemas.openxmlformats.org/presentationml/2006/main">
-  <p:cSld>
-    <p:spTree>
-      <p:nvGrpSpPr>
-        <p:cNvPr id="1" name=""/>
-        <p:cNvGrpSpPr/>
-        <p:nvPr/>
-      </p:nvGrpSpPr>
-      <p:grpSpPr>
-        <a:xfrm>
-          <a:off x="0" y="0"/>
-          <a:ext cx="0" cy="0"/>
-          <a:chOff x="0" y="0"/>
-          <a:chExt cx="0" cy="0"/>
-        </a:xfrm>
-      </p:grpSpPr>
-      <p:sp>
-        <p:nvSpPr>
-          <p:cNvPr id="2" name="Title 1">
-            <a:extLst>
-              <a:ext uri="{FF2B5EF4-FFF2-40B4-BE49-F238E27FC236}">
                 <a16:creationId xmlns:a16="http://schemas.microsoft.com/office/drawing/2014/main" id="{6FF69BD2-5FD1-1D45-8751-B2538C000281}"/>
               </a:ext>
             </a:extLst>
@@ -26758,7 +26062,7 @@
               <a:pPr>
                 <a:defRPr/>
               </a:pPr>
-              <a:t>20</a:t>
+              <a:t>19</a:t>
             </a:fld>
             <a:endParaRPr lang="en-US" altLang="x-none"/>
           </a:p>
@@ -29604,7 +28908,152 @@
 </p:sld>
 </file>
 
-<file path=ppt/slides/slide21.xml><?xml version="1.0" encoding="utf-8"?>
+<file path=ppt/slides/slide2.xml><?xml version="1.0" encoding="utf-8"?>
+<p:sld xmlns:a="http://schemas.openxmlformats.org/drawingml/2006/main" xmlns:r="http://schemas.openxmlformats.org/officeDocument/2006/relationships" xmlns:p="http://schemas.openxmlformats.org/presentationml/2006/main">
+  <p:cSld>
+    <p:spTree>
+      <p:nvGrpSpPr>
+        <p:cNvPr id="1" name=""/>
+        <p:cNvGrpSpPr/>
+        <p:nvPr/>
+      </p:nvGrpSpPr>
+      <p:grpSpPr>
+        <a:xfrm>
+          <a:off x="0" y="0"/>
+          <a:ext cx="0" cy="0"/>
+          <a:chOff x="0" y="0"/>
+          <a:chExt cx="0" cy="0"/>
+        </a:xfrm>
+      </p:grpSpPr>
+      <p:sp>
+        <p:nvSpPr>
+          <p:cNvPr id="5" name="Title 4">
+            <a:extLst>
+              <a:ext uri="{FF2B5EF4-FFF2-40B4-BE49-F238E27FC236}">
+                <a16:creationId xmlns:a16="http://schemas.microsoft.com/office/drawing/2014/main" id="{CEEFAF6C-41B8-70FD-5ABD-DACB6FA82256}"/>
+              </a:ext>
+            </a:extLst>
+          </p:cNvPr>
+          <p:cNvSpPr>
+            <a:spLocks noGrp="1"/>
+          </p:cNvSpPr>
+          <p:nvPr>
+            <p:ph type="title"/>
+          </p:nvPr>
+        </p:nvSpPr>
+        <p:spPr>
+          <a:xfrm>
+            <a:off x="457200" y="377891"/>
+            <a:ext cx="8229600" cy="838200"/>
+          </a:xfrm>
+        </p:spPr>
+        <p:txBody>
+          <a:bodyPr/>
+          <a:lstStyle/>
+          <a:p>
+            <a:r>
+              <a:rPr lang="en-US" dirty="0"/>
+              <a:t>Design of Experiments (DOE) is exemplified by optimizing industrial processes.</a:t>
+            </a:r>
+          </a:p>
+        </p:txBody>
+      </p:sp>
+      <p:sp>
+        <p:nvSpPr>
+          <p:cNvPr id="4" name="Slide Number Placeholder 3">
+            <a:extLst>
+              <a:ext uri="{FF2B5EF4-FFF2-40B4-BE49-F238E27FC236}">
+                <a16:creationId xmlns:a16="http://schemas.microsoft.com/office/drawing/2014/main" id="{FF844F1C-6852-C9A7-A9CE-15EF2CF86BB5}"/>
+              </a:ext>
+            </a:extLst>
+          </p:cNvPr>
+          <p:cNvSpPr>
+            <a:spLocks noGrp="1"/>
+          </p:cNvSpPr>
+          <p:nvPr>
+            <p:ph type="sldNum" sz="quarter" idx="11"/>
+          </p:nvPr>
+        </p:nvSpPr>
+        <p:spPr/>
+        <p:txBody>
+          <a:bodyPr/>
+          <a:lstStyle/>
+          <a:p>
+            <a:pPr>
+              <a:defRPr/>
+            </a:pPr>
+            <a:fld id="{3EF4E9CC-9D91-476E-91FD-5BEEC1642931}" type="slidenum">
+              <a:rPr lang="en-US" altLang="x-none" smtClean="0"/>
+              <a:pPr>
+                <a:defRPr/>
+              </a:pPr>
+              <a:t>2</a:t>
+            </a:fld>
+            <a:endParaRPr lang="en-US" altLang="x-none"/>
+          </a:p>
+        </p:txBody>
+      </p:sp>
+      <p:pic>
+        <p:nvPicPr>
+          <p:cNvPr id="1026" name="Picture 2" descr="Optimizing Chemical Processes - algorithmica technologies GmbH">
+            <a:extLst>
+              <a:ext uri="{FF2B5EF4-FFF2-40B4-BE49-F238E27FC236}">
+                <a16:creationId xmlns:a16="http://schemas.microsoft.com/office/drawing/2014/main" id="{497C0DE5-182E-1A5D-F882-07EFE4A3C082}"/>
+              </a:ext>
+            </a:extLst>
+          </p:cNvPr>
+          <p:cNvPicPr>
+            <a:picLocks noChangeAspect="1" noChangeArrowheads="1"/>
+          </p:cNvPicPr>
+          <p:nvPr/>
+        </p:nvPicPr>
+        <p:blipFill>
+          <a:blip r:embed="rId2">
+            <a:extLst>
+              <a:ext uri="{28A0092B-C50C-407E-A947-70E740481C1C}">
+                <a14:useLocalDpi xmlns:a14="http://schemas.microsoft.com/office/drawing/2010/main" val="0"/>
+              </a:ext>
+            </a:extLst>
+          </a:blip>
+          <a:srcRect/>
+          <a:stretch>
+            <a:fillRect/>
+          </a:stretch>
+        </p:blipFill>
+        <p:spPr bwMode="auto">
+          <a:xfrm>
+            <a:off x="956388" y="2060835"/>
+            <a:ext cx="7231224" cy="3615612"/>
+          </a:xfrm>
+          <a:prstGeom prst="rect">
+            <a:avLst/>
+          </a:prstGeom>
+          <a:noFill/>
+          <a:extLst>
+            <a:ext uri="{909E8E84-426E-40DD-AFC4-6F175D3DCCD1}">
+              <a14:hiddenFill xmlns:a14="http://schemas.microsoft.com/office/drawing/2010/main">
+                <a:solidFill>
+                  <a:srgbClr val="FFFFFF"/>
+                </a:solidFill>
+              </a14:hiddenFill>
+            </a:ext>
+          </a:extLst>
+        </p:spPr>
+      </p:pic>
+    </p:spTree>
+    <p:extLst>
+      <p:ext uri="{BB962C8B-B14F-4D97-AF65-F5344CB8AC3E}">
+        <p14:creationId xmlns:p14="http://schemas.microsoft.com/office/powerpoint/2010/main" val="4108088672"/>
+      </p:ext>
+    </p:extLst>
+  </p:cSld>
+  <p:clrMapOvr>
+    <a:masterClrMapping/>
+  </p:clrMapOvr>
+</p:sld>
+</file>
+
+<file path=ppt/slides/slide20.xml><?xml version="1.0" encoding="utf-8"?>
 <p:sld xmlns:a="http://schemas.openxmlformats.org/drawingml/2006/main" xmlns:r="http://schemas.openxmlformats.org/officeDocument/2006/relationships" xmlns:p="http://schemas.openxmlformats.org/presentationml/2006/main">
   <p:cSld>
     <p:spTree>
@@ -30087,7 +29536,7 @@
                 </a:spcAft>
                 <a:buNone/>
               </a:pPr>
-              <a:t>21</a:t>
+              <a:t>20</a:t>
             </a:fld>
             <a:endParaRPr/>
           </a:p>
@@ -30101,7 +29550,7 @@
 </p:sld>
 </file>
 
-<file path=ppt/slides/slide22.xml><?xml version="1.0" encoding="utf-8"?>
+<file path=ppt/slides/slide21.xml><?xml version="1.0" encoding="utf-8"?>
 <p:sld xmlns:a="http://schemas.openxmlformats.org/drawingml/2006/main" xmlns:r="http://schemas.openxmlformats.org/officeDocument/2006/relationships" xmlns:p="http://schemas.openxmlformats.org/presentationml/2006/main">
   <p:cSld>
     <p:spTree>
@@ -30175,7 +29624,7 @@
               <a:pPr>
                 <a:defRPr/>
               </a:pPr>
-              <a:t>22</a:t>
+              <a:t>21</a:t>
             </a:fld>
             <a:endParaRPr lang="en-US" altLang="x-none"/>
           </a:p>
